--- a/Presentation/CS 352 Presentation.pptx
+++ b/Presentation/CS 352 Presentation.pptx
@@ -1,20 +1,30 @@
 
 <file path=ppt/presentation.xml><?xml version="1.0" encoding="utf-8"?>
-<p:presentation xmlns:a="http://schemas.openxmlformats.org/drawingml/2006/main" xmlns:r="http://schemas.openxmlformats.org/officeDocument/2006/relationships" xmlns:p="http://schemas.openxmlformats.org/presentationml/2006/main">
+<p:presentation xmlns:a="http://schemas.openxmlformats.org/drawingml/2006/main" xmlns:r="http://schemas.openxmlformats.org/officeDocument/2006/relationships" xmlns:p="http://schemas.openxmlformats.org/presentationml/2006/main" xmlns:m="http://schemas.openxmlformats.org/officeDocument/2006/math" xmlns:a14="http://schemas.microsoft.com/office/drawing/2010/main">
   <p:sldMasterIdLst>
-    <p:sldMasterId id="2147483648" r:id="rId1"/>
+    <p:sldMasterId id="2147483648" r:id="rId5"/>
   </p:sldMasterIdLst>
   <p:notesMasterIdLst>
-    <p:notesMasterId r:id="rId9"/>
+    <p:notesMasterId r:id="rId7"/>
   </p:notesMasterIdLst>
   <p:sldIdLst>
-    <p:sldId id="256" r:id="rId2"/>
-    <p:sldId id="258" r:id="rId3"/>
-    <p:sldId id="259" r:id="rId4"/>
-    <p:sldId id="257" r:id="rId5"/>
-    <p:sldId id="261" r:id="rId6"/>
-    <p:sldId id="262" r:id="rId7"/>
-    <p:sldId id="263" r:id="rId8"/>
+    <p:sldId id="256" r:id="rId8"/>
+    <p:sldId id="257" r:id="rId9"/>
+    <p:sldId id="258" r:id="rId10"/>
+    <p:sldId id="259" r:id="rId11"/>
+    <p:sldId id="260" r:id="rId12"/>
+    <p:sldId id="261" r:id="rId13"/>
+    <p:sldId id="262" r:id="rId14"/>
+    <p:sldId id="263" r:id="rId15"/>
+    <p:sldId id="264" r:id="rId16"/>
+    <p:sldId id="265" r:id="rId17"/>
+    <p:sldId id="266" r:id="rId18"/>
+    <p:sldId id="267" r:id="rId19"/>
+    <p:sldId id="268" r:id="rId20"/>
+    <p:sldId id="269" r:id="rId21"/>
+    <p:sldId id="270" r:id="rId22"/>
+    <p:sldId id="271" r:id="rId23"/>
+    <p:sldId id="272" r:id="rId24"/>
   </p:sldIdLst>
   <p:sldSz cx="24384000" cy="13716000"/>
   <p:notesSz cx="6858000" cy="9144000"/>
@@ -34,7 +44,7 @@
       <a:buFontTx/>
       <a:buNone/>
       <a:tabLst/>
-      <a:defRPr kumimoji="0" sz="1800" b="0" i="0" u="none" strike="noStrike" cap="none" spc="0" normalizeH="0" baseline="0">
+      <a:defRPr b="0" baseline="0" cap="none" i="0" spc="0" strike="noStrike" sz="1800" u="none" kumimoji="0" normalizeH="0">
         <a:ln>
           <a:noFill/>
         </a:ln>
@@ -45,7 +55,7 @@
         <a:uFillTx/>
       </a:defRPr>
     </a:defPPr>
-    <a:lvl1pPr marL="0" marR="0" indent="0" algn="ctr" defTabSz="2438338" rtl="0" fontAlgn="auto" latinLnBrk="0" hangingPunct="0">
+    <a:lvl1pPr marL="0" marR="0" indent="0" algn="ctr" defTabSz="2438337" rtl="0" fontAlgn="auto" latinLnBrk="0" hangingPunct="0">
       <a:lnSpc>
         <a:spcPct val="100000"/>
       </a:lnSpc>
@@ -60,12 +70,12 @@
       <a:buFontTx/>
       <a:buNone/>
       <a:tabLst/>
-      <a:defRPr kumimoji="0" sz="2400" b="0" i="0" u="none" strike="noStrike" cap="none" spc="0" normalizeH="0" baseline="0">
+      <a:defRPr b="0" baseline="0" cap="none" i="0" spc="0" strike="noStrike" sz="2400" u="none" kumimoji="0" normalizeH="0">
         <a:ln>
           <a:noFill/>
         </a:ln>
         <a:solidFill>
-          <a:srgbClr val="FFFFFF"/>
+          <a:srgbClr val="BE00FF"/>
         </a:solidFill>
         <a:effectLst/>
         <a:uFillTx/>
@@ -75,7 +85,7 @@
         <a:sym typeface="Helvetica Neue"/>
       </a:defRPr>
     </a:lvl1pPr>
-    <a:lvl2pPr marL="0" marR="0" indent="457200" algn="ctr" defTabSz="2438338" rtl="0" fontAlgn="auto" latinLnBrk="0" hangingPunct="0">
+    <a:lvl2pPr marL="0" marR="0" indent="0" algn="ctr" defTabSz="2438337" rtl="0" fontAlgn="auto" latinLnBrk="0" hangingPunct="0">
       <a:lnSpc>
         <a:spcPct val="100000"/>
       </a:lnSpc>
@@ -90,12 +100,12 @@
       <a:buFontTx/>
       <a:buNone/>
       <a:tabLst/>
-      <a:defRPr kumimoji="0" sz="2400" b="0" i="0" u="none" strike="noStrike" cap="none" spc="0" normalizeH="0" baseline="0">
+      <a:defRPr b="0" baseline="0" cap="none" i="0" spc="0" strike="noStrike" sz="2400" u="none" kumimoji="0" normalizeH="0">
         <a:ln>
           <a:noFill/>
         </a:ln>
         <a:solidFill>
-          <a:srgbClr val="FFFFFF"/>
+          <a:srgbClr val="BE00FF"/>
         </a:solidFill>
         <a:effectLst/>
         <a:uFillTx/>
@@ -105,7 +115,7 @@
         <a:sym typeface="Helvetica Neue"/>
       </a:defRPr>
     </a:lvl2pPr>
-    <a:lvl3pPr marL="0" marR="0" indent="914400" algn="ctr" defTabSz="2438338" rtl="0" fontAlgn="auto" latinLnBrk="0" hangingPunct="0">
+    <a:lvl3pPr marL="0" marR="0" indent="0" algn="ctr" defTabSz="2438337" rtl="0" fontAlgn="auto" latinLnBrk="0" hangingPunct="0">
       <a:lnSpc>
         <a:spcPct val="100000"/>
       </a:lnSpc>
@@ -120,12 +130,12 @@
       <a:buFontTx/>
       <a:buNone/>
       <a:tabLst/>
-      <a:defRPr kumimoji="0" sz="2400" b="0" i="0" u="none" strike="noStrike" cap="none" spc="0" normalizeH="0" baseline="0">
+      <a:defRPr b="0" baseline="0" cap="none" i="0" spc="0" strike="noStrike" sz="2400" u="none" kumimoji="0" normalizeH="0">
         <a:ln>
           <a:noFill/>
         </a:ln>
         <a:solidFill>
-          <a:srgbClr val="FFFFFF"/>
+          <a:srgbClr val="BE00FF"/>
         </a:solidFill>
         <a:effectLst/>
         <a:uFillTx/>
@@ -135,7 +145,7 @@
         <a:sym typeface="Helvetica Neue"/>
       </a:defRPr>
     </a:lvl3pPr>
-    <a:lvl4pPr marL="0" marR="0" indent="1371600" algn="ctr" defTabSz="2438338" rtl="0" fontAlgn="auto" latinLnBrk="0" hangingPunct="0">
+    <a:lvl4pPr marL="0" marR="0" indent="0" algn="ctr" defTabSz="2438337" rtl="0" fontAlgn="auto" latinLnBrk="0" hangingPunct="0">
       <a:lnSpc>
         <a:spcPct val="100000"/>
       </a:lnSpc>
@@ -150,12 +160,12 @@
       <a:buFontTx/>
       <a:buNone/>
       <a:tabLst/>
-      <a:defRPr kumimoji="0" sz="2400" b="0" i="0" u="none" strike="noStrike" cap="none" spc="0" normalizeH="0" baseline="0">
+      <a:defRPr b="0" baseline="0" cap="none" i="0" spc="0" strike="noStrike" sz="2400" u="none" kumimoji="0" normalizeH="0">
         <a:ln>
           <a:noFill/>
         </a:ln>
         <a:solidFill>
-          <a:srgbClr val="FFFFFF"/>
+          <a:srgbClr val="BE00FF"/>
         </a:solidFill>
         <a:effectLst/>
         <a:uFillTx/>
@@ -165,7 +175,7 @@
         <a:sym typeface="Helvetica Neue"/>
       </a:defRPr>
     </a:lvl4pPr>
-    <a:lvl5pPr marL="0" marR="0" indent="1828800" algn="ctr" defTabSz="2438338" rtl="0" fontAlgn="auto" latinLnBrk="0" hangingPunct="0">
+    <a:lvl5pPr marL="0" marR="0" indent="0" algn="ctr" defTabSz="2438337" rtl="0" fontAlgn="auto" latinLnBrk="0" hangingPunct="0">
       <a:lnSpc>
         <a:spcPct val="100000"/>
       </a:lnSpc>
@@ -180,12 +190,12 @@
       <a:buFontTx/>
       <a:buNone/>
       <a:tabLst/>
-      <a:defRPr kumimoji="0" sz="2400" b="0" i="0" u="none" strike="noStrike" cap="none" spc="0" normalizeH="0" baseline="0">
+      <a:defRPr b="0" baseline="0" cap="none" i="0" spc="0" strike="noStrike" sz="2400" u="none" kumimoji="0" normalizeH="0">
         <a:ln>
           <a:noFill/>
         </a:ln>
         <a:solidFill>
-          <a:srgbClr val="FFFFFF"/>
+          <a:srgbClr val="BE00FF"/>
         </a:solidFill>
         <a:effectLst/>
         <a:uFillTx/>
@@ -195,7 +205,7 @@
         <a:sym typeface="Helvetica Neue"/>
       </a:defRPr>
     </a:lvl5pPr>
-    <a:lvl6pPr marL="0" marR="0" indent="2286000" algn="ctr" defTabSz="2438338" rtl="0" fontAlgn="auto" latinLnBrk="0" hangingPunct="0">
+    <a:lvl6pPr marL="0" marR="0" indent="0" algn="ctr" defTabSz="2438337" rtl="0" fontAlgn="auto" latinLnBrk="0" hangingPunct="0">
       <a:lnSpc>
         <a:spcPct val="100000"/>
       </a:lnSpc>
@@ -210,12 +220,12 @@
       <a:buFontTx/>
       <a:buNone/>
       <a:tabLst/>
-      <a:defRPr kumimoji="0" sz="2400" b="0" i="0" u="none" strike="noStrike" cap="none" spc="0" normalizeH="0" baseline="0">
+      <a:defRPr b="0" baseline="0" cap="none" i="0" spc="0" strike="noStrike" sz="2400" u="none" kumimoji="0" normalizeH="0">
         <a:ln>
           <a:noFill/>
         </a:ln>
         <a:solidFill>
-          <a:srgbClr val="FFFFFF"/>
+          <a:srgbClr val="BE00FF"/>
         </a:solidFill>
         <a:effectLst/>
         <a:uFillTx/>
@@ -225,7 +235,7 @@
         <a:sym typeface="Helvetica Neue"/>
       </a:defRPr>
     </a:lvl6pPr>
-    <a:lvl7pPr marL="0" marR="0" indent="2743200" algn="ctr" defTabSz="2438338" rtl="0" fontAlgn="auto" latinLnBrk="0" hangingPunct="0">
+    <a:lvl7pPr marL="0" marR="0" indent="0" algn="ctr" defTabSz="2438337" rtl="0" fontAlgn="auto" latinLnBrk="0" hangingPunct="0">
       <a:lnSpc>
         <a:spcPct val="100000"/>
       </a:lnSpc>
@@ -240,12 +250,12 @@
       <a:buFontTx/>
       <a:buNone/>
       <a:tabLst/>
-      <a:defRPr kumimoji="0" sz="2400" b="0" i="0" u="none" strike="noStrike" cap="none" spc="0" normalizeH="0" baseline="0">
+      <a:defRPr b="0" baseline="0" cap="none" i="0" spc="0" strike="noStrike" sz="2400" u="none" kumimoji="0" normalizeH="0">
         <a:ln>
           <a:noFill/>
         </a:ln>
         <a:solidFill>
-          <a:srgbClr val="FFFFFF"/>
+          <a:srgbClr val="BE00FF"/>
         </a:solidFill>
         <a:effectLst/>
         <a:uFillTx/>
@@ -255,7 +265,7 @@
         <a:sym typeface="Helvetica Neue"/>
       </a:defRPr>
     </a:lvl7pPr>
-    <a:lvl8pPr marL="0" marR="0" indent="3200400" algn="ctr" defTabSz="2438338" rtl="0" fontAlgn="auto" latinLnBrk="0" hangingPunct="0">
+    <a:lvl8pPr marL="0" marR="0" indent="0" algn="ctr" defTabSz="2438337" rtl="0" fontAlgn="auto" latinLnBrk="0" hangingPunct="0">
       <a:lnSpc>
         <a:spcPct val="100000"/>
       </a:lnSpc>
@@ -270,12 +280,12 @@
       <a:buFontTx/>
       <a:buNone/>
       <a:tabLst/>
-      <a:defRPr kumimoji="0" sz="2400" b="0" i="0" u="none" strike="noStrike" cap="none" spc="0" normalizeH="0" baseline="0">
+      <a:defRPr b="0" baseline="0" cap="none" i="0" spc="0" strike="noStrike" sz="2400" u="none" kumimoji="0" normalizeH="0">
         <a:ln>
           <a:noFill/>
         </a:ln>
         <a:solidFill>
-          <a:srgbClr val="FFFFFF"/>
+          <a:srgbClr val="BE00FF"/>
         </a:solidFill>
         <a:effectLst/>
         <a:uFillTx/>
@@ -285,7 +295,7 @@
         <a:sym typeface="Helvetica Neue"/>
       </a:defRPr>
     </a:lvl8pPr>
-    <a:lvl9pPr marL="0" marR="0" indent="3657600" algn="ctr" defTabSz="2438338" rtl="0" fontAlgn="auto" latinLnBrk="0" hangingPunct="0">
+    <a:lvl9pPr marL="0" marR="0" indent="0" algn="ctr" defTabSz="2438337" rtl="0" fontAlgn="auto" latinLnBrk="0" hangingPunct="0">
       <a:lnSpc>
         <a:spcPct val="100000"/>
       </a:lnSpc>
@@ -300,12 +310,12 @@
       <a:buFontTx/>
       <a:buNone/>
       <a:tabLst/>
-      <a:defRPr kumimoji="0" sz="2400" b="0" i="0" u="none" strike="noStrike" cap="none" spc="0" normalizeH="0" baseline="0">
+      <a:defRPr b="0" baseline="0" cap="none" i="0" spc="0" strike="noStrike" sz="2400" u="none" kumimoji="0" normalizeH="0">
         <a:ln>
           <a:noFill/>
         </a:ln>
         <a:solidFill>
-          <a:srgbClr val="FFFFFF"/>
+          <a:srgbClr val="BE00FF"/>
         </a:solidFill>
         <a:effectLst/>
         <a:uFillTx/>
@@ -319,14 +329,13 @@
 </p:presentation>
 </file>
 
+<file path=ppt/commentAuthors.xml><?xml version="1.0" encoding="utf-8"?>
+<p:cmAuthorLst xmlns:a="http://schemas.openxmlformats.org/drawingml/2006/main" xmlns:r="http://schemas.openxmlformats.org/officeDocument/2006/relationships" xmlns:p="http://schemas.openxmlformats.org/presentationml/2006/main" xmlns:m="http://schemas.openxmlformats.org/officeDocument/2006/math" xmlns:a14="http://schemas.microsoft.com/office/drawing/2010/main"/>
+</file>
+
 <file path=ppt/notesMasters/notesMaster1.xml><?xml version="1.0" encoding="utf-8"?>
-<p:notesMaster xmlns:a="http://schemas.openxmlformats.org/drawingml/2006/main" xmlns:r="http://schemas.openxmlformats.org/officeDocument/2006/relationships" xmlns:p="http://schemas.openxmlformats.org/presentationml/2006/main">
+<p:notesMaster xmlns:a="http://schemas.openxmlformats.org/drawingml/2006/main" xmlns:r="http://schemas.openxmlformats.org/officeDocument/2006/relationships" xmlns:p="http://schemas.openxmlformats.org/presentationml/2006/main" xmlns:m="http://schemas.openxmlformats.org/officeDocument/2006/math" xmlns:a14="http://schemas.microsoft.com/office/drawing/2010/main">
   <p:cSld>
-    <p:bg>
-      <p:bgRef idx="1001">
-        <a:schemeClr val="bg1"/>
-      </p:bgRef>
-    </p:bg>
     <p:spTree>
       <p:nvGrpSpPr>
         <p:cNvPr id="1" name=""/>
@@ -343,10 +352,8 @@
       </p:grpSpPr>
       <p:sp>
         <p:nvSpPr>
-          <p:cNvPr id="148" name="Shape 148"/>
-          <p:cNvSpPr>
-            <a:spLocks noGrp="1" noRot="1" noChangeAspect="1"/>
-          </p:cNvSpPr>
+          <p:cNvPr id="130" name="Shape 130"/>
+          <p:cNvSpPr/>
           <p:nvPr>
             <p:ph type="sldImg"/>
           </p:nvPr>
@@ -364,16 +371,14 @@
           <a:bodyPr/>
           <a:lstStyle/>
           <a:p>
-            <a:endParaRPr/>
+            <a:pPr/>
           </a:p>
         </p:txBody>
       </p:sp>
       <p:sp>
         <p:nvSpPr>
-          <p:cNvPr id="149" name="Shape 149"/>
-          <p:cNvSpPr>
-            <a:spLocks noGrp="1"/>
-          </p:cNvSpPr>
+          <p:cNvPr id="131" name="Shape 131"/>
+          <p:cNvSpPr/>
           <p:nvPr>
             <p:ph type="body" sz="quarter" idx="1"/>
           </p:nvPr>
@@ -391,7 +396,7 @@
           <a:bodyPr/>
           <a:lstStyle/>
           <a:p>
-            <a:endParaRPr/>
+            <a:pPr/>
           </a:p>
         </p:txBody>
       </p:sp>
@@ -503,18 +508,17 @@
 </file>
 
 <file path=ppt/slideLayouts/slideLayout1.xml><?xml version="1.0" encoding="utf-8"?>
-<p:sldLayout xmlns:a="http://schemas.openxmlformats.org/drawingml/2006/main" xmlns:r="http://schemas.openxmlformats.org/officeDocument/2006/relationships" xmlns:p="http://schemas.openxmlformats.org/presentationml/2006/main" type="title">
+<p:sldLayout xmlns:a="http://schemas.openxmlformats.org/drawingml/2006/main" xmlns:r="http://schemas.openxmlformats.org/officeDocument/2006/relationships" xmlns:p="http://schemas.openxmlformats.org/presentationml/2006/main" xmlns:m="http://schemas.openxmlformats.org/officeDocument/2006/math" xmlns:a14="http://schemas.microsoft.com/office/drawing/2010/main" type="tx" showMasterSp="1" showMasterPhAnim="1">
   <p:cSld name="Title">
     <p:bg>
       <p:bgPr>
         <a:blipFill rotWithShape="1">
           <a:blip r:embed="rId2"/>
-          <a:srcRect/>
+          <a:srcRect l="0" t="0" r="0" b="0"/>
           <a:stretch>
             <a:fillRect/>
           </a:stretch>
         </a:blipFill>
-        <a:effectLst/>
       </p:bgPr>
     </p:bg>
     <p:spTree>
@@ -533,25 +537,23 @@
       </p:grpSpPr>
       <p:sp>
         <p:nvSpPr>
-          <p:cNvPr id="11" name="Author and Date"/>
-          <p:cNvSpPr txBox="1">
-            <a:spLocks noGrp="1"/>
-          </p:cNvSpPr>
+          <p:cNvPr id="11" name="Body Level One…"/>
+          <p:cNvSpPr txBox="1"/>
           <p:nvPr>
-            <p:ph type="body" sz="quarter" idx="21" hasCustomPrompt="1"/>
+            <p:ph type="body" sz="quarter" idx="1" hasCustomPrompt="1"/>
           </p:nvPr>
         </p:nvSpPr>
         <p:spPr>
           <a:xfrm>
-            <a:off x="1206498" y="11839048"/>
-            <a:ext cx="21971003" cy="636979"/>
+            <a:off x="1206497" y="11839047"/>
+            <a:ext cx="21971005" cy="636980"/>
           </a:xfrm>
           <a:prstGeom prst="rect">
             <a:avLst/>
           </a:prstGeom>
         </p:spPr>
         <p:txBody>
-          <a:bodyPr lIns="45719" tIns="45719" rIns="45719" bIns="45719" anchor="b"/>
+          <a:bodyPr lIns="45718" tIns="45718" rIns="45718" bIns="45718" numCol="1" spcCol="38100" anchor="b"/>
           <a:lstStyle>
             <a:lvl1pPr marL="0" indent="0" defTabSz="825500">
               <a:lnSpc>
@@ -562,12 +564,73 @@
               </a:spcBef>
               <a:buSzTx/>
               <a:buNone/>
-              <a:defRPr sz="3600" b="1"/>
+              <a:defRPr b="1" sz="3600"/>
             </a:lvl1pPr>
+            <a:lvl2pPr marL="1066800" indent="-457200" defTabSz="825500">
+              <a:lnSpc>
+                <a:spcPct val="100000"/>
+              </a:lnSpc>
+              <a:spcBef>
+                <a:spcPts val="0"/>
+              </a:spcBef>
+              <a:defRPr b="1" sz="3600"/>
+            </a:lvl2pPr>
+            <a:lvl3pPr marL="1676400" indent="-457200" defTabSz="825500">
+              <a:lnSpc>
+                <a:spcPct val="100000"/>
+              </a:lnSpc>
+              <a:spcBef>
+                <a:spcPts val="0"/>
+              </a:spcBef>
+              <a:defRPr b="1" sz="3600"/>
+            </a:lvl3pPr>
+            <a:lvl4pPr marL="2286000" indent="-457200" defTabSz="825500">
+              <a:lnSpc>
+                <a:spcPct val="100000"/>
+              </a:lnSpc>
+              <a:spcBef>
+                <a:spcPts val="0"/>
+              </a:spcBef>
+              <a:defRPr b="1" sz="3600"/>
+            </a:lvl4pPr>
+            <a:lvl5pPr marL="2895600" indent="-457200" defTabSz="825500">
+              <a:lnSpc>
+                <a:spcPct val="100000"/>
+              </a:lnSpc>
+              <a:spcBef>
+                <a:spcPts val="0"/>
+              </a:spcBef>
+              <a:defRPr b="1" sz="3600"/>
+            </a:lvl5pPr>
           </a:lstStyle>
           <a:p>
+            <a:pPr/>
             <a:r>
               <a:t>Author and Date</a:t>
+            </a:r>
+          </a:p>
+          <a:p>
+            <a:pPr lvl="1"/>
+            <a:r>
+              <a:t/>
+            </a:r>
+          </a:p>
+          <a:p>
+            <a:pPr lvl="2"/>
+            <a:r>
+              <a:t/>
+            </a:r>
+          </a:p>
+          <a:p>
+            <a:pPr lvl="3"/>
+            <a:r>
+              <a:t/>
+            </a:r>
+          </a:p>
+          <a:p>
+            <a:pPr lvl="4"/>
+            <a:r>
+              <a:t/>
             </a:r>
           </a:p>
         </p:txBody>
@@ -575,9 +638,7 @@
       <p:sp>
         <p:nvSpPr>
           <p:cNvPr id="12" name="Presentation Title"/>
-          <p:cNvSpPr txBox="1">
-            <a:spLocks noGrp="1"/>
-          </p:cNvSpPr>
+          <p:cNvSpPr txBox="1"/>
           <p:nvPr>
             <p:ph type="title" hasCustomPrompt="1"/>
           </p:nvPr>
@@ -585,7 +646,7 @@
         <p:spPr>
           <a:xfrm>
             <a:off x="1206496" y="2574991"/>
-            <a:ext cx="21971004" cy="4648201"/>
+            <a:ext cx="21971005" cy="4648202"/>
           </a:xfrm>
           <a:prstGeom prst="rect">
             <a:avLst/>
@@ -595,10 +656,11 @@
           <a:bodyPr anchor="b"/>
           <a:lstStyle>
             <a:lvl1pPr>
-              <a:defRPr sz="11600" spc="-232"/>
+              <a:defRPr spc="-232" sz="11600"/>
             </a:lvl1pPr>
           </a:lstStyle>
           <a:p>
+            <a:pPr/>
             <a:r>
               <a:t>Presentation Title</a:t>
             </a:r>
@@ -608,24 +670,22 @@
       <p:sp>
         <p:nvSpPr>
           <p:cNvPr id="13" name="Body Level One…"/>
-          <p:cNvSpPr txBox="1">
-            <a:spLocks noGrp="1"/>
-          </p:cNvSpPr>
+          <p:cNvSpPr txBox="1"/>
           <p:nvPr>
-            <p:ph type="body" sz="quarter" idx="1" hasCustomPrompt="1"/>
+            <p:ph type="body" sz="quarter" idx="21" hasCustomPrompt="1"/>
           </p:nvPr>
         </p:nvSpPr>
         <p:spPr>
           <a:xfrm>
             <a:off x="1206500" y="7196865"/>
-            <a:ext cx="21971000" cy="1905001"/>
+            <a:ext cx="21971000" cy="1905002"/>
           </a:xfrm>
           <a:prstGeom prst="rect">
             <a:avLst/>
           </a:prstGeom>
         </p:spPr>
         <p:txBody>
-          <a:bodyPr/>
+          <a:bodyPr numCol="1" spcCol="38100"/>
           <a:lstStyle>
             <a:lvl1pPr marL="0" indent="0" defTabSz="825500">
               <a:lnSpc>
@@ -636,82 +696,21 @@
               </a:spcBef>
               <a:buSzTx/>
               <a:buNone/>
-              <a:defRPr sz="5500" b="1"/>
+              <a:defRPr b="1" sz="5500"/>
             </a:lvl1pPr>
-            <a:lvl2pPr marL="0" indent="457200" defTabSz="825500">
-              <a:lnSpc>
-                <a:spcPct val="100000"/>
-              </a:lnSpc>
-              <a:spcBef>
-                <a:spcPts val="0"/>
-              </a:spcBef>
-              <a:buSzTx/>
-              <a:buNone/>
-              <a:defRPr sz="5500" b="1"/>
-            </a:lvl2pPr>
-            <a:lvl3pPr marL="0" indent="914400" defTabSz="825500">
-              <a:lnSpc>
-                <a:spcPct val="100000"/>
-              </a:lnSpc>
-              <a:spcBef>
-                <a:spcPts val="0"/>
-              </a:spcBef>
-              <a:buSzTx/>
-              <a:buNone/>
-              <a:defRPr sz="5500" b="1"/>
-            </a:lvl3pPr>
-            <a:lvl4pPr marL="0" indent="1371600" defTabSz="825500">
-              <a:lnSpc>
-                <a:spcPct val="100000"/>
-              </a:lnSpc>
-              <a:spcBef>
-                <a:spcPts val="0"/>
-              </a:spcBef>
-              <a:buSzTx/>
-              <a:buNone/>
-              <a:defRPr sz="5500" b="1"/>
-            </a:lvl4pPr>
-            <a:lvl5pPr marL="0" indent="1828800" defTabSz="825500">
-              <a:lnSpc>
-                <a:spcPct val="100000"/>
-              </a:lnSpc>
-              <a:spcBef>
-                <a:spcPts val="0"/>
-              </a:spcBef>
-              <a:buSzTx/>
-              <a:buNone/>
-              <a:defRPr sz="5500" b="1"/>
-            </a:lvl5pPr>
           </a:lstStyle>
           <a:p>
+            <a:pPr/>
             <a:r>
               <a:t>Presentation Subtitle</a:t>
             </a:r>
-          </a:p>
-          <a:p>
-            <a:pPr lvl="1"/>
-            <a:endParaRPr/>
-          </a:p>
-          <a:p>
-            <a:pPr lvl="2"/>
-            <a:endParaRPr/>
-          </a:p>
-          <a:p>
-            <a:pPr lvl="3"/>
-            <a:endParaRPr/>
-          </a:p>
-          <a:p>
-            <a:pPr lvl="4"/>
-            <a:endParaRPr/>
           </a:p>
         </p:txBody>
       </p:sp>
       <p:sp>
         <p:nvSpPr>
           <p:cNvPr id="14" name="Slide Number"/>
-          <p:cNvSpPr txBox="1">
-            <a:spLocks noGrp="1"/>
-          </p:cNvSpPr>
+          <p:cNvSpPr txBox="1"/>
           <p:nvPr>
             <p:ph type="sldNum" sz="quarter" idx="2"/>
           </p:nvPr>
@@ -729,10 +728,8 @@
           <a:bodyPr/>
           <a:lstStyle/>
           <a:p>
-            <a:fld id="{86CB4B4D-7CA3-9044-876B-883B54F8677D}" type="slidenum">
-              <a:t>‹#›</a:t>
-            </a:fld>
-            <a:endParaRPr/>
+            <a:pPr/>
+            <a:fld id="{86CB4B4D-7CA3-9044-876B-883B54F8677D}" type="slidenum"/>
           </a:p>
         </p:txBody>
       </p:sp>
@@ -741,23 +738,22 @@
   <p:clrMapOvr>
     <a:masterClrMapping/>
   </p:clrMapOvr>
-  <p:transition spd="med"/>
+  <p:transition xmlns:p14="http://schemas.microsoft.com/office/powerpoint/2010/main" spd="med" advClick="1"/>
 </p:sldLayout>
 </file>
 
 <file path=ppt/slideLayouts/slideLayout10.xml><?xml version="1.0" encoding="utf-8"?>
-<p:sldLayout xmlns:a="http://schemas.openxmlformats.org/drawingml/2006/main" xmlns:r="http://schemas.openxmlformats.org/officeDocument/2006/relationships" xmlns:p="http://schemas.openxmlformats.org/presentationml/2006/main" type="tx">
+<p:sldLayout xmlns:a="http://schemas.openxmlformats.org/drawingml/2006/main" xmlns:r="http://schemas.openxmlformats.org/officeDocument/2006/relationships" xmlns:p="http://schemas.openxmlformats.org/presentationml/2006/main" xmlns:m="http://schemas.openxmlformats.org/officeDocument/2006/math" xmlns:a14="http://schemas.microsoft.com/office/drawing/2010/main" type="tx" showMasterSp="1" showMasterPhAnim="1">
   <p:cSld name="Big Fact">
     <p:bg>
       <p:bgPr>
         <a:blipFill rotWithShape="1">
           <a:blip r:embed="rId2"/>
-          <a:srcRect/>
+          <a:srcRect l="0" t="0" r="0" b="0"/>
           <a:stretch>
             <a:fillRect/>
           </a:stretch>
         </a:blipFill>
-        <a:effectLst/>
       </p:bgPr>
     </p:bg>
     <p:spTree>
@@ -776,25 +772,23 @@
       </p:grpSpPr>
       <p:sp>
         <p:nvSpPr>
-          <p:cNvPr id="106" name="Fact information"/>
-          <p:cNvSpPr txBox="1">
-            <a:spLocks noGrp="1"/>
-          </p:cNvSpPr>
+          <p:cNvPr id="95" name="Body Level One…"/>
+          <p:cNvSpPr txBox="1"/>
           <p:nvPr>
-            <p:ph type="body" sz="quarter" idx="21" hasCustomPrompt="1"/>
+            <p:ph type="body" sz="quarter" idx="1" hasCustomPrompt="1"/>
           </p:nvPr>
         </p:nvSpPr>
         <p:spPr>
           <a:xfrm>
             <a:off x="1206500" y="8262180"/>
-            <a:ext cx="21971000" cy="934780"/>
+            <a:ext cx="21971000" cy="934781"/>
           </a:xfrm>
           <a:prstGeom prst="rect">
             <a:avLst/>
           </a:prstGeom>
         </p:spPr>
         <p:txBody>
-          <a:bodyPr lIns="45719" tIns="45719" rIns="45719" bIns="45719"/>
+          <a:bodyPr lIns="45718" tIns="45718" rIns="45718" bIns="45718" numCol="1" spcCol="38100"/>
           <a:lstStyle>
             <a:lvl1pPr marL="0" indent="0" algn="ctr" defTabSz="825500">
               <a:lnSpc>
@@ -805,39 +799,99 @@
               </a:spcBef>
               <a:buSzTx/>
               <a:buNone/>
-              <a:defRPr sz="5500" b="1"/>
+              <a:defRPr b="1" sz="5500"/>
             </a:lvl1pPr>
+            <a:lvl2pPr marL="1308100" indent="-698500" algn="ctr" defTabSz="825500">
+              <a:lnSpc>
+                <a:spcPct val="100000"/>
+              </a:lnSpc>
+              <a:spcBef>
+                <a:spcPts val="0"/>
+              </a:spcBef>
+              <a:defRPr b="1" sz="5500"/>
+            </a:lvl2pPr>
+            <a:lvl3pPr marL="1917700" indent="-698500" algn="ctr" defTabSz="825500">
+              <a:lnSpc>
+                <a:spcPct val="100000"/>
+              </a:lnSpc>
+              <a:spcBef>
+                <a:spcPts val="0"/>
+              </a:spcBef>
+              <a:defRPr b="1" sz="5500"/>
+            </a:lvl3pPr>
+            <a:lvl4pPr marL="2527300" indent="-698500" algn="ctr" defTabSz="825500">
+              <a:lnSpc>
+                <a:spcPct val="100000"/>
+              </a:lnSpc>
+              <a:spcBef>
+                <a:spcPts val="0"/>
+              </a:spcBef>
+              <a:defRPr b="1" sz="5500"/>
+            </a:lvl4pPr>
+            <a:lvl5pPr marL="3136900" indent="-698500" algn="ctr" defTabSz="825500">
+              <a:lnSpc>
+                <a:spcPct val="100000"/>
+              </a:lnSpc>
+              <a:spcBef>
+                <a:spcPts val="0"/>
+              </a:spcBef>
+              <a:defRPr b="1" sz="5500"/>
+            </a:lvl5pPr>
           </a:lstStyle>
           <a:p>
+            <a:pPr/>
             <a:r>
               <a:t>Fact information</a:t>
+            </a:r>
+          </a:p>
+          <a:p>
+            <a:pPr lvl="1"/>
+            <a:r>
+              <a:t/>
+            </a:r>
+          </a:p>
+          <a:p>
+            <a:pPr lvl="2"/>
+            <a:r>
+              <a:t/>
+            </a:r>
+          </a:p>
+          <a:p>
+            <a:pPr lvl="3"/>
+            <a:r>
+              <a:t/>
+            </a:r>
+          </a:p>
+          <a:p>
+            <a:pPr lvl="4"/>
+            <a:r>
+              <a:t/>
             </a:r>
           </a:p>
         </p:txBody>
       </p:sp>
       <p:sp>
         <p:nvSpPr>
-          <p:cNvPr id="107" name="Body Level One…"/>
-          <p:cNvSpPr txBox="1">
-            <a:spLocks noGrp="1"/>
-          </p:cNvSpPr>
+          <p:cNvPr id="96" name="Body Level One…"/>
+          <p:cNvSpPr txBox="1"/>
           <p:nvPr>
-            <p:ph type="body" idx="1" hasCustomPrompt="1"/>
+            <p:ph type="body" idx="21" hasCustomPrompt="1"/>
           </p:nvPr>
         </p:nvSpPr>
         <p:spPr>
           <a:xfrm>
-            <a:off x="1206500" y="935258"/>
-            <a:ext cx="21971000" cy="7359063"/>
+            <a:off x="1206500" y="935257"/>
+            <a:ext cx="21971000" cy="7359065"/>
           </a:xfrm>
           <a:prstGeom prst="rect">
             <a:avLst/>
           </a:prstGeom>
         </p:spPr>
         <p:txBody>
-          <a:bodyPr anchor="b"/>
-          <a:lstStyle>
-            <a:lvl1pPr marL="0" indent="0" algn="ctr">
+          <a:bodyPr numCol="1" spcCol="38100" anchor="b"/>
+          <a:lstStyle/>
+          <a:p>
+            <a:pPr lvl="4" marL="0" indent="1207008" algn="ctr" defTabSz="1072868">
               <a:lnSpc>
                 <a:spcPct val="80000"/>
               </a:lnSpc>
@@ -846,82 +900,19 @@
               </a:spcBef>
               <a:buSzTx/>
               <a:buNone/>
-              <a:defRPr sz="25000" b="1" spc="-250"/>
-            </a:lvl1pPr>
-            <a:lvl2pPr marL="0" indent="457200" algn="ctr">
-              <a:lnSpc>
-                <a:spcPct val="80000"/>
-              </a:lnSpc>
-              <a:spcBef>
-                <a:spcPts val="0"/>
-              </a:spcBef>
-              <a:buSzTx/>
-              <a:buNone/>
-              <a:defRPr sz="25000" b="1" spc="-250"/>
-            </a:lvl2pPr>
-            <a:lvl3pPr marL="0" indent="914400" algn="ctr">
-              <a:lnSpc>
-                <a:spcPct val="80000"/>
-              </a:lnSpc>
-              <a:spcBef>
-                <a:spcPts val="0"/>
-              </a:spcBef>
-              <a:buSzTx/>
-              <a:buNone/>
-              <a:defRPr sz="25000" b="1" spc="-250"/>
-            </a:lvl3pPr>
-            <a:lvl4pPr marL="0" indent="1371600" algn="ctr">
-              <a:lnSpc>
-                <a:spcPct val="80000"/>
-              </a:lnSpc>
-              <a:spcBef>
-                <a:spcPts val="0"/>
-              </a:spcBef>
-              <a:buSzTx/>
-              <a:buNone/>
-              <a:defRPr sz="25000" b="1" spc="-250"/>
-            </a:lvl4pPr>
-            <a:lvl5pPr marL="0" indent="1828800" algn="ctr">
-              <a:lnSpc>
-                <a:spcPct val="80000"/>
-              </a:lnSpc>
-              <a:spcBef>
-                <a:spcPts val="0"/>
-              </a:spcBef>
-              <a:buSzTx/>
-              <a:buNone/>
-              <a:defRPr sz="25000" b="1" spc="-250"/>
-            </a:lvl5pPr>
-          </a:lstStyle>
-          <a:p>
-            <a:r>
-              <a:t>100%</a:t>
-            </a:r>
-          </a:p>
-          <a:p>
-            <a:pPr lvl="1"/>
-            <a:endParaRPr/>
-          </a:p>
-          <a:p>
-            <a:pPr lvl="2"/>
-            <a:endParaRPr/>
-          </a:p>
-          <a:p>
-            <a:pPr lvl="3"/>
-            <a:endParaRPr/>
-          </a:p>
-          <a:p>
-            <a:pPr lvl="4"/>
-            <a:endParaRPr/>
+              <a:defRPr b="1" spc="-110" sz="11000"/>
+            </a:pPr>
+            <a:r>
+              <a:t>100%
+</a:t>
+            </a:r>
           </a:p>
         </p:txBody>
       </p:sp>
       <p:sp>
         <p:nvSpPr>
-          <p:cNvPr id="108" name="Slide Number"/>
-          <p:cNvSpPr txBox="1">
-            <a:spLocks noGrp="1"/>
-          </p:cNvSpPr>
+          <p:cNvPr id="97" name="Slide Number"/>
+          <p:cNvSpPr txBox="1"/>
           <p:nvPr>
             <p:ph type="sldNum" sz="quarter" idx="2"/>
           </p:nvPr>
@@ -935,10 +926,8 @@
           <a:bodyPr/>
           <a:lstStyle/>
           <a:p>
-            <a:fld id="{86CB4B4D-7CA3-9044-876B-883B54F8677D}" type="slidenum">
-              <a:t>‹#›</a:t>
-            </a:fld>
-            <a:endParaRPr/>
+            <a:pPr/>
+            <a:fld id="{86CB4B4D-7CA3-9044-876B-883B54F8677D}" type="slidenum"/>
           </a:p>
         </p:txBody>
       </p:sp>
@@ -947,23 +936,22 @@
   <p:clrMapOvr>
     <a:masterClrMapping/>
   </p:clrMapOvr>
-  <p:transition spd="med"/>
+  <p:transition xmlns:p14="http://schemas.microsoft.com/office/powerpoint/2010/main" spd="med" advClick="1"/>
 </p:sldLayout>
 </file>
 
 <file path=ppt/slideLayouts/slideLayout11.xml><?xml version="1.0" encoding="utf-8"?>
-<p:sldLayout xmlns:a="http://schemas.openxmlformats.org/drawingml/2006/main" xmlns:r="http://schemas.openxmlformats.org/officeDocument/2006/relationships" xmlns:p="http://schemas.openxmlformats.org/presentationml/2006/main" type="tx">
+<p:sldLayout xmlns:a="http://schemas.openxmlformats.org/drawingml/2006/main" xmlns:r="http://schemas.openxmlformats.org/officeDocument/2006/relationships" xmlns:p="http://schemas.openxmlformats.org/presentationml/2006/main" xmlns:m="http://schemas.openxmlformats.org/officeDocument/2006/math" xmlns:a14="http://schemas.microsoft.com/office/drawing/2010/main" type="tx" showMasterSp="1" showMasterPhAnim="1">
   <p:cSld name="Quote">
     <p:bg>
       <p:bgPr>
         <a:blipFill rotWithShape="1">
           <a:blip r:embed="rId2"/>
-          <a:srcRect/>
+          <a:srcRect l="0" t="0" r="0" b="0"/>
           <a:stretch>
             <a:fillRect/>
           </a:stretch>
         </a:blipFill>
-        <a:effectLst/>
       </p:bgPr>
     </p:bg>
     <p:spTree>
@@ -982,25 +970,23 @@
       </p:grpSpPr>
       <p:sp>
         <p:nvSpPr>
-          <p:cNvPr id="115" name="Attribution"/>
-          <p:cNvSpPr txBox="1">
-            <a:spLocks noGrp="1"/>
-          </p:cNvSpPr>
+          <p:cNvPr id="104" name="Body Level One…"/>
+          <p:cNvSpPr txBox="1"/>
           <p:nvPr>
-            <p:ph type="body" sz="quarter" idx="21" hasCustomPrompt="1"/>
+            <p:ph type="body" sz="quarter" idx="1" hasCustomPrompt="1"/>
           </p:nvPr>
         </p:nvSpPr>
         <p:spPr>
           <a:xfrm>
-            <a:off x="2480825" y="10675453"/>
-            <a:ext cx="20149252" cy="636979"/>
+            <a:off x="2480824" y="10675453"/>
+            <a:ext cx="20149254" cy="636980"/>
           </a:xfrm>
           <a:prstGeom prst="rect">
             <a:avLst/>
           </a:prstGeom>
         </p:spPr>
         <p:txBody>
-          <a:bodyPr lIns="45719" tIns="45719" rIns="45719" bIns="45719"/>
+          <a:bodyPr lIns="45718" tIns="45718" rIns="45718" bIns="45718" numCol="1" spcCol="38100"/>
           <a:lstStyle>
             <a:lvl1pPr marL="0" indent="0" defTabSz="825500">
               <a:lnSpc>
@@ -1011,133 +997,122 @@
               </a:spcBef>
               <a:buSzTx/>
               <a:buNone/>
-              <a:defRPr sz="3600" b="1"/>
+              <a:defRPr b="1" sz="3600"/>
             </a:lvl1pPr>
+            <a:lvl2pPr marL="1066800" indent="-457200" defTabSz="825500">
+              <a:lnSpc>
+                <a:spcPct val="100000"/>
+              </a:lnSpc>
+              <a:spcBef>
+                <a:spcPts val="0"/>
+              </a:spcBef>
+              <a:defRPr b="1" sz="3600"/>
+            </a:lvl2pPr>
+            <a:lvl3pPr marL="1676400" indent="-457200" defTabSz="825500">
+              <a:lnSpc>
+                <a:spcPct val="100000"/>
+              </a:lnSpc>
+              <a:spcBef>
+                <a:spcPts val="0"/>
+              </a:spcBef>
+              <a:defRPr b="1" sz="3600"/>
+            </a:lvl3pPr>
+            <a:lvl4pPr marL="2286000" indent="-457200" defTabSz="825500">
+              <a:lnSpc>
+                <a:spcPct val="100000"/>
+              </a:lnSpc>
+              <a:spcBef>
+                <a:spcPts val="0"/>
+              </a:spcBef>
+              <a:defRPr b="1" sz="3600"/>
+            </a:lvl4pPr>
+            <a:lvl5pPr marL="2895600" indent="-457200" defTabSz="825500">
+              <a:lnSpc>
+                <a:spcPct val="100000"/>
+              </a:lnSpc>
+              <a:spcBef>
+                <a:spcPts val="0"/>
+              </a:spcBef>
+              <a:defRPr b="1" sz="3600"/>
+            </a:lvl5pPr>
           </a:lstStyle>
           <a:p>
+            <a:pPr/>
             <a:r>
               <a:t>Attribution</a:t>
+            </a:r>
+          </a:p>
+          <a:p>
+            <a:pPr lvl="1"/>
+            <a:r>
+              <a:t/>
+            </a:r>
+          </a:p>
+          <a:p>
+            <a:pPr lvl="2"/>
+            <a:r>
+              <a:t/>
+            </a:r>
+          </a:p>
+          <a:p>
+            <a:pPr lvl="3"/>
+            <a:r>
+              <a:t/>
+            </a:r>
+          </a:p>
+          <a:p>
+            <a:pPr lvl="4"/>
+            <a:r>
+              <a:t/>
             </a:r>
           </a:p>
         </p:txBody>
       </p:sp>
       <p:sp>
         <p:nvSpPr>
-          <p:cNvPr id="116" name="Body Level One…"/>
-          <p:cNvSpPr txBox="1">
-            <a:spLocks noGrp="1"/>
-          </p:cNvSpPr>
+          <p:cNvPr id="105" name="Body Level One…"/>
+          <p:cNvSpPr txBox="1"/>
           <p:nvPr>
-            <p:ph type="body" sz="half" idx="1" hasCustomPrompt="1"/>
+            <p:ph type="body" sz="half" idx="21" hasCustomPrompt="1"/>
           </p:nvPr>
         </p:nvSpPr>
         <p:spPr>
           <a:xfrm>
             <a:off x="1753923" y="4939860"/>
-            <a:ext cx="20876154" cy="3836280"/>
+            <a:ext cx="20876154" cy="3836281"/>
           </a:xfrm>
           <a:prstGeom prst="rect">
             <a:avLst/>
           </a:prstGeom>
         </p:spPr>
         <p:txBody>
-          <a:bodyPr anchor="ctr"/>
-          <a:lstStyle>
-            <a:lvl1pPr marL="638923" indent="-469900">
+          <a:bodyPr numCol="1" spcCol="38100" anchor="ctr"/>
+          <a:lstStyle/>
+          <a:p>
+            <a:pPr lvl="4" marL="0" indent="1409446" defTabSz="1511769">
               <a:spcBef>
                 <a:spcPts val="0"/>
               </a:spcBef>
               <a:buSzTx/>
               <a:buNone/>
-              <a:defRPr sz="8500" spc="-170">
+              <a:defRPr spc="-105" sz="5270">
                 <a:latin typeface="Helvetica Neue Medium"/>
                 <a:ea typeface="Helvetica Neue Medium"/>
                 <a:cs typeface="Helvetica Neue Medium"/>
                 <a:sym typeface="Helvetica Neue Medium"/>
               </a:defRPr>
-            </a:lvl1pPr>
-            <a:lvl2pPr marL="638923" indent="-12700">
-              <a:spcBef>
-                <a:spcPts val="0"/>
-              </a:spcBef>
-              <a:buSzTx/>
-              <a:buNone/>
-              <a:defRPr sz="8500" spc="-170">
-                <a:latin typeface="Helvetica Neue Medium"/>
-                <a:ea typeface="Helvetica Neue Medium"/>
-                <a:cs typeface="Helvetica Neue Medium"/>
-                <a:sym typeface="Helvetica Neue Medium"/>
-              </a:defRPr>
-            </a:lvl2pPr>
-            <a:lvl3pPr marL="638923" indent="444500">
-              <a:spcBef>
-                <a:spcPts val="0"/>
-              </a:spcBef>
-              <a:buSzTx/>
-              <a:buNone/>
-              <a:defRPr sz="8500" spc="-170">
-                <a:latin typeface="Helvetica Neue Medium"/>
-                <a:ea typeface="Helvetica Neue Medium"/>
-                <a:cs typeface="Helvetica Neue Medium"/>
-                <a:sym typeface="Helvetica Neue Medium"/>
-              </a:defRPr>
-            </a:lvl3pPr>
-            <a:lvl4pPr marL="638923" indent="901700">
-              <a:spcBef>
-                <a:spcPts val="0"/>
-              </a:spcBef>
-              <a:buSzTx/>
-              <a:buNone/>
-              <a:defRPr sz="8500" spc="-170">
-                <a:latin typeface="Helvetica Neue Medium"/>
-                <a:ea typeface="Helvetica Neue Medium"/>
-                <a:cs typeface="Helvetica Neue Medium"/>
-                <a:sym typeface="Helvetica Neue Medium"/>
-              </a:defRPr>
-            </a:lvl4pPr>
-            <a:lvl5pPr marL="638923" indent="1358900">
-              <a:spcBef>
-                <a:spcPts val="0"/>
-              </a:spcBef>
-              <a:buSzTx/>
-              <a:buNone/>
-              <a:defRPr sz="8500" spc="-170">
-                <a:latin typeface="Helvetica Neue Medium"/>
-                <a:ea typeface="Helvetica Neue Medium"/>
-                <a:cs typeface="Helvetica Neue Medium"/>
-                <a:sym typeface="Helvetica Neue Medium"/>
-              </a:defRPr>
-            </a:lvl5pPr>
-          </a:lstStyle>
-          <a:p>
-            <a:r>
-              <a:t>“Notable Quote”</a:t>
-            </a:r>
-          </a:p>
-          <a:p>
-            <a:pPr lvl="1"/>
-            <a:endParaRPr/>
-          </a:p>
-          <a:p>
-            <a:pPr lvl="2"/>
-            <a:endParaRPr/>
-          </a:p>
-          <a:p>
-            <a:pPr lvl="3"/>
-            <a:endParaRPr/>
-          </a:p>
-          <a:p>
-            <a:pPr lvl="4"/>
-            <a:endParaRPr/>
+            </a:pPr>
+            <a:r>
+              <a:t>“Notable Quote”
+</a:t>
+            </a:r>
           </a:p>
         </p:txBody>
       </p:sp>
       <p:sp>
         <p:nvSpPr>
-          <p:cNvPr id="117" name="Slide Number"/>
-          <p:cNvSpPr txBox="1">
-            <a:spLocks noGrp="1"/>
-          </p:cNvSpPr>
+          <p:cNvPr id="106" name="Slide Number"/>
+          <p:cNvSpPr txBox="1"/>
           <p:nvPr>
             <p:ph type="sldNum" sz="quarter" idx="2"/>
           </p:nvPr>
@@ -1151,10 +1126,8 @@
           <a:bodyPr/>
           <a:lstStyle/>
           <a:p>
-            <a:fld id="{86CB4B4D-7CA3-9044-876B-883B54F8677D}" type="slidenum">
-              <a:t>‹#›</a:t>
-            </a:fld>
-            <a:endParaRPr/>
+            <a:pPr/>
+            <a:fld id="{86CB4B4D-7CA3-9044-876B-883B54F8677D}" type="slidenum"/>
           </a:p>
         </p:txBody>
       </p:sp>
@@ -1163,12 +1136,12 @@
   <p:clrMapOvr>
     <a:masterClrMapping/>
   </p:clrMapOvr>
-  <p:transition spd="med"/>
+  <p:transition xmlns:p14="http://schemas.microsoft.com/office/powerpoint/2010/main" spd="med" advClick="1"/>
 </p:sldLayout>
 </file>
 
 <file path=ppt/slideLayouts/slideLayout12.xml><?xml version="1.0" encoding="utf-8"?>
-<p:sldLayout xmlns:a="http://schemas.openxmlformats.org/drawingml/2006/main" xmlns:r="http://schemas.openxmlformats.org/officeDocument/2006/relationships" xmlns:p="http://schemas.openxmlformats.org/presentationml/2006/main" type="tx">
+<p:sldLayout xmlns:a="http://schemas.openxmlformats.org/drawingml/2006/main" xmlns:r="http://schemas.openxmlformats.org/officeDocument/2006/relationships" xmlns:p="http://schemas.openxmlformats.org/presentationml/2006/main" xmlns:m="http://schemas.openxmlformats.org/officeDocument/2006/math" xmlns:a14="http://schemas.microsoft.com/office/drawing/2010/main" type="tx" showMasterSp="1" showMasterPhAnim="1">
   <p:cSld name="Photo - 3 Up">
     <p:spTree>
       <p:nvGrpSpPr>
@@ -1186,39 +1159,35 @@
       </p:grpSpPr>
       <p:sp>
         <p:nvSpPr>
-          <p:cNvPr id="124" name="Low angle black and white photo of a futuristic apartment building under a cloudy sky"/>
-          <p:cNvSpPr>
-            <a:spLocks noGrp="1"/>
-          </p:cNvSpPr>
+          <p:cNvPr id="113" name="Low angle black and white photo of a futuristic apartment building under a cloudy sky"/>
+          <p:cNvSpPr/>
           <p:nvPr>
             <p:ph type="pic" idx="21"/>
           </p:nvPr>
         </p:nvSpPr>
         <p:spPr>
           <a:xfrm>
-            <a:off x="-120802" y="1270000"/>
-            <a:ext cx="16840201" cy="11226800"/>
+            <a:off x="-120803" y="1270000"/>
+            <a:ext cx="16840203" cy="11226800"/>
           </a:xfrm>
           <a:prstGeom prst="rect">
             <a:avLst/>
           </a:prstGeom>
         </p:spPr>
         <p:txBody>
-          <a:bodyPr lIns="91439" tIns="45719" rIns="91439" bIns="45719">
+          <a:bodyPr lIns="91439" tIns="45719" rIns="91439" bIns="45719" numCol="1" spcCol="38100">
             <a:noAutofit/>
           </a:bodyPr>
           <a:lstStyle/>
           <a:p>
-            <a:endParaRPr/>
+            <a:pPr/>
           </a:p>
         </p:txBody>
       </p:sp>
       <p:sp>
         <p:nvSpPr>
-          <p:cNvPr id="125" name="Black and white photo of the outside of a modern office building "/>
-          <p:cNvSpPr>
-            <a:spLocks noGrp="1"/>
-          </p:cNvSpPr>
+          <p:cNvPr id="114" name="Black and white photo of the outside of a modern office building "/>
+          <p:cNvSpPr/>
           <p:nvPr>
             <p:ph type="pic" sz="quarter" idx="22"/>
           </p:nvPr>
@@ -1233,21 +1202,19 @@
           </a:prstGeom>
         </p:spPr>
         <p:txBody>
-          <a:bodyPr lIns="91439" tIns="45719" rIns="91439" bIns="45719">
+          <a:bodyPr lIns="91439" tIns="45719" rIns="91439" bIns="45719" numCol="1" spcCol="38100">
             <a:noAutofit/>
           </a:bodyPr>
           <a:lstStyle/>
           <a:p>
-            <a:endParaRPr/>
+            <a:pPr/>
           </a:p>
         </p:txBody>
       </p:sp>
       <p:sp>
         <p:nvSpPr>
-          <p:cNvPr id="126" name="Black and white photo of lattice-like, modern architecture on a building"/>
-          <p:cNvSpPr>
-            <a:spLocks noGrp="1"/>
-          </p:cNvSpPr>
+          <p:cNvPr id="115" name="Black and white photo of lattice-like, modern architecture on a building"/>
+          <p:cNvSpPr/>
           <p:nvPr>
             <p:ph type="pic" sz="half" idx="23"/>
           </p:nvPr>
@@ -1262,21 +1229,19 @@
           </a:prstGeom>
         </p:spPr>
         <p:txBody>
-          <a:bodyPr lIns="91439" tIns="45719" rIns="91439" bIns="45719">
+          <a:bodyPr lIns="91439" tIns="45719" rIns="91439" bIns="45719" numCol="1" spcCol="38100">
             <a:noAutofit/>
           </a:bodyPr>
           <a:lstStyle/>
           <a:p>
-            <a:endParaRPr/>
+            <a:pPr/>
           </a:p>
         </p:txBody>
       </p:sp>
       <p:sp>
         <p:nvSpPr>
-          <p:cNvPr id="127" name="Slide Number"/>
-          <p:cNvSpPr txBox="1">
-            <a:spLocks noGrp="1"/>
-          </p:cNvSpPr>
+          <p:cNvPr id="116" name="Slide Number"/>
+          <p:cNvSpPr txBox="1"/>
           <p:nvPr>
             <p:ph type="sldNum" sz="quarter" idx="2"/>
           </p:nvPr>
@@ -1290,10 +1255,8 @@
           <a:bodyPr/>
           <a:lstStyle/>
           <a:p>
-            <a:fld id="{86CB4B4D-7CA3-9044-876B-883B54F8677D}" type="slidenum">
-              <a:t>‹#›</a:t>
-            </a:fld>
-            <a:endParaRPr/>
+            <a:pPr/>
+            <a:fld id="{86CB4B4D-7CA3-9044-876B-883B54F8677D}" type="slidenum"/>
           </a:p>
         </p:txBody>
       </p:sp>
@@ -1302,19 +1265,18 @@
   <p:clrMapOvr>
     <a:masterClrMapping/>
   </p:clrMapOvr>
-  <p:transition spd="med"/>
+  <p:transition xmlns:p14="http://schemas.microsoft.com/office/powerpoint/2010/main" spd="med" advClick="1"/>
 </p:sldLayout>
 </file>
 
 <file path=ppt/slideLayouts/slideLayout13.xml><?xml version="1.0" encoding="utf-8"?>
-<p:sldLayout xmlns:a="http://schemas.openxmlformats.org/drawingml/2006/main" xmlns:r="http://schemas.openxmlformats.org/officeDocument/2006/relationships" xmlns:p="http://schemas.openxmlformats.org/presentationml/2006/main" type="tx">
+<p:sldLayout xmlns:a="http://schemas.openxmlformats.org/drawingml/2006/main" xmlns:r="http://schemas.openxmlformats.org/officeDocument/2006/relationships" xmlns:p="http://schemas.openxmlformats.org/presentationml/2006/main" xmlns:m="http://schemas.openxmlformats.org/officeDocument/2006/math" xmlns:a14="http://schemas.microsoft.com/office/drawing/2010/main" type="tx" showMasterSp="1" showMasterPhAnim="1">
   <p:cSld name="Photo">
     <p:bg>
       <p:bgPr>
         <a:solidFill>
           <a:srgbClr val="000000"/>
         </a:solidFill>
-        <a:effectLst/>
       </p:bgPr>
     </p:bg>
     <p:spTree>
@@ -1333,10 +1295,8 @@
       </p:grpSpPr>
       <p:sp>
         <p:nvSpPr>
-          <p:cNvPr id="134" name="Low angle black and white photo of a modern building"/>
-          <p:cNvSpPr>
-            <a:spLocks noGrp="1"/>
-          </p:cNvSpPr>
+          <p:cNvPr id="123" name="Low angle black and white photo of a modern building"/>
+          <p:cNvSpPr/>
           <p:nvPr>
             <p:ph type="pic" idx="21"/>
           </p:nvPr>
@@ -1351,21 +1311,19 @@
           </a:prstGeom>
         </p:spPr>
         <p:txBody>
-          <a:bodyPr lIns="91439" tIns="45719" rIns="91439" bIns="45719">
+          <a:bodyPr lIns="91439" tIns="45719" rIns="91439" bIns="45719" numCol="1" spcCol="38100">
             <a:noAutofit/>
           </a:bodyPr>
           <a:lstStyle/>
           <a:p>
-            <a:endParaRPr/>
+            <a:pPr/>
           </a:p>
         </p:txBody>
       </p:sp>
       <p:sp>
         <p:nvSpPr>
-          <p:cNvPr id="135" name="Slide Number"/>
-          <p:cNvSpPr txBox="1">
-            <a:spLocks noGrp="1"/>
-          </p:cNvSpPr>
+          <p:cNvPr id="124" name="Slide Number"/>
+          <p:cNvSpPr txBox="1"/>
           <p:nvPr>
             <p:ph type="sldNum" sz="quarter" idx="2"/>
           </p:nvPr>
@@ -1379,10 +1337,8 @@
           <a:bodyPr/>
           <a:lstStyle/>
           <a:p>
-            <a:fld id="{86CB4B4D-7CA3-9044-876B-883B54F8677D}" type="slidenum">
-              <a:t>‹#›</a:t>
-            </a:fld>
-            <a:endParaRPr/>
+            <a:pPr/>
+            <a:fld id="{86CB4B4D-7CA3-9044-876B-883B54F8677D}" type="slidenum"/>
           </a:p>
         </p:txBody>
       </p:sp>
@@ -1391,23 +1347,22 @@
   <p:clrMapOvr>
     <a:masterClrMapping/>
   </p:clrMapOvr>
-  <p:transition spd="med"/>
+  <p:transition xmlns:p14="http://schemas.microsoft.com/office/powerpoint/2010/main" spd="med" advClick="1"/>
 </p:sldLayout>
 </file>
 
 <file path=ppt/slideLayouts/slideLayout2.xml><?xml version="1.0" encoding="utf-8"?>
-<p:sldLayout xmlns:a="http://schemas.openxmlformats.org/drawingml/2006/main" xmlns:r="http://schemas.openxmlformats.org/officeDocument/2006/relationships" xmlns:p="http://schemas.openxmlformats.org/presentationml/2006/main" type="tx">
+<p:sldLayout xmlns:a="http://schemas.openxmlformats.org/drawingml/2006/main" xmlns:r="http://schemas.openxmlformats.org/officeDocument/2006/relationships" xmlns:p="http://schemas.openxmlformats.org/presentationml/2006/main" xmlns:m="http://schemas.openxmlformats.org/officeDocument/2006/math" xmlns:a14="http://schemas.microsoft.com/office/drawing/2010/main" type="tx" showMasterSp="1" showMasterPhAnim="1">
   <p:cSld name="Title &amp; Photo Alt">
     <p:bg>
       <p:bgPr>
         <a:blipFill rotWithShape="1">
           <a:blip r:embed="rId2"/>
-          <a:srcRect/>
+          <a:srcRect l="0" t="0" r="0" b="0"/>
           <a:stretch>
             <a:fillRect/>
           </a:stretch>
         </a:blipFill>
-        <a:effectLst/>
       </p:bgPr>
     </p:bg>
     <p:spTree>
@@ -1426,10 +1381,8 @@
       </p:grpSpPr>
       <p:sp>
         <p:nvSpPr>
-          <p:cNvPr id="32" name="Slide Title"/>
-          <p:cNvSpPr txBox="1">
-            <a:spLocks noGrp="1"/>
-          </p:cNvSpPr>
+          <p:cNvPr id="21" name="Slide Title"/>
+          <p:cNvSpPr txBox="1"/>
           <p:nvPr>
             <p:ph type="title" hasCustomPrompt="1"/>
           </p:nvPr>
@@ -1437,7 +1390,7 @@
         <p:spPr>
           <a:xfrm>
             <a:off x="1206500" y="1270000"/>
-            <a:ext cx="9779000" cy="5882273"/>
+            <a:ext cx="9779000" cy="5882274"/>
           </a:xfrm>
           <a:prstGeom prst="rect">
             <a:avLst/>
@@ -1447,6 +1400,7 @@
           <a:bodyPr anchor="b"/>
           <a:lstStyle/>
           <a:p>
+            <a:pPr/>
             <a:r>
               <a:t>Slide Title</a:t>
             </a:r>
@@ -1455,10 +1409,8 @@
       </p:sp>
       <p:sp>
         <p:nvSpPr>
-          <p:cNvPr id="33" name="Body Level One…"/>
-          <p:cNvSpPr txBox="1">
-            <a:spLocks noGrp="1"/>
-          </p:cNvSpPr>
+          <p:cNvPr id="22" name="Body Level One…"/>
+          <p:cNvSpPr txBox="1"/>
           <p:nvPr>
             <p:ph type="body" sz="quarter" idx="1" hasCustomPrompt="1"/>
           </p:nvPr>
@@ -1473,7 +1425,7 @@
           </a:prstGeom>
         </p:spPr>
         <p:txBody>
-          <a:bodyPr/>
+          <a:bodyPr numCol="1" spcCol="38100"/>
           <a:lstStyle>
             <a:lvl1pPr marL="0" indent="0" defTabSz="825500">
               <a:lnSpc>
@@ -1484,9 +1436,9 @@
               </a:spcBef>
               <a:buSzTx/>
               <a:buNone/>
-              <a:defRPr sz="5500" b="1"/>
+              <a:defRPr b="1" sz="5500"/>
             </a:lvl1pPr>
-            <a:lvl2pPr marL="0" indent="457200" defTabSz="825500">
+            <a:lvl2pPr marL="0" indent="0" defTabSz="825500">
               <a:lnSpc>
                 <a:spcPct val="100000"/>
               </a:lnSpc>
@@ -1495,9 +1447,9 @@
               </a:spcBef>
               <a:buSzTx/>
               <a:buNone/>
-              <a:defRPr sz="5500" b="1"/>
+              <a:defRPr b="1" sz="5500"/>
             </a:lvl2pPr>
-            <a:lvl3pPr marL="0" indent="914400" defTabSz="825500">
+            <a:lvl3pPr marL="0" indent="0" defTabSz="825500">
               <a:lnSpc>
                 <a:spcPct val="100000"/>
               </a:lnSpc>
@@ -1506,9 +1458,9 @@
               </a:spcBef>
               <a:buSzTx/>
               <a:buNone/>
-              <a:defRPr sz="5500" b="1"/>
+              <a:defRPr b="1" sz="5500"/>
             </a:lvl3pPr>
-            <a:lvl4pPr marL="0" indent="1371600" defTabSz="825500">
+            <a:lvl4pPr marL="0" indent="0" defTabSz="825500">
               <a:lnSpc>
                 <a:spcPct val="100000"/>
               </a:lnSpc>
@@ -1517,9 +1469,9 @@
               </a:spcBef>
               <a:buSzTx/>
               <a:buNone/>
-              <a:defRPr sz="5500" b="1"/>
+              <a:defRPr b="1" sz="5500"/>
             </a:lvl4pPr>
-            <a:lvl5pPr marL="0" indent="1828800" defTabSz="825500">
+            <a:lvl5pPr marL="0" indent="0" defTabSz="825500">
               <a:lnSpc>
                 <a:spcPct val="100000"/>
               </a:lnSpc>
@@ -1528,67 +1480,72 @@
               </a:spcBef>
               <a:buSzTx/>
               <a:buNone/>
-              <a:defRPr sz="5500" b="1"/>
+              <a:defRPr b="1" sz="5500"/>
             </a:lvl5pPr>
           </a:lstStyle>
           <a:p>
+            <a:pPr/>
             <a:r>
               <a:t>Slide Subtitle</a:t>
             </a:r>
           </a:p>
           <a:p>
             <a:pPr lvl="1"/>
-            <a:endParaRPr/>
+            <a:r>
+              <a:t/>
+            </a:r>
           </a:p>
           <a:p>
             <a:pPr lvl="2"/>
-            <a:endParaRPr/>
+            <a:r>
+              <a:t/>
+            </a:r>
           </a:p>
           <a:p>
             <a:pPr lvl="3"/>
-            <a:endParaRPr/>
+            <a:r>
+              <a:t/>
+            </a:r>
           </a:p>
           <a:p>
             <a:pPr lvl="4"/>
-            <a:endParaRPr/>
+            <a:r>
+              <a:t/>
+            </a:r>
           </a:p>
         </p:txBody>
       </p:sp>
       <p:sp>
         <p:nvSpPr>
-          <p:cNvPr id="34" name="Black and white photo of shadows cast on a concrete structure"/>
-          <p:cNvSpPr>
-            <a:spLocks noGrp="1"/>
-          </p:cNvSpPr>
+          <p:cNvPr id="23" name="Black and white photo of shadows cast on a concrete structure"/>
+          <p:cNvSpPr/>
           <p:nvPr>
             <p:ph type="pic" idx="21"/>
           </p:nvPr>
         </p:nvSpPr>
         <p:spPr>
           <a:xfrm>
-            <a:off x="9270652" y="1263650"/>
-            <a:ext cx="16757661" cy="11188700"/>
+            <a:off x="9270651" y="1263650"/>
+            <a:ext cx="16757662" cy="11188700"/>
           </a:xfrm>
           <a:prstGeom prst="rect">
             <a:avLst/>
           </a:prstGeom>
         </p:spPr>
         <p:txBody>
-          <a:bodyPr lIns="91439" tIns="45719" rIns="91439" bIns="45719">
+          <a:bodyPr lIns="91439" tIns="45719" rIns="91439" bIns="45719" numCol="1" spcCol="38100">
             <a:noAutofit/>
           </a:bodyPr>
           <a:lstStyle/>
           <a:p>
-            <a:endParaRPr/>
+            <a:pPr/>
           </a:p>
         </p:txBody>
       </p:sp>
       <p:sp>
         <p:nvSpPr>
-          <p:cNvPr id="35" name="Slide Number"/>
-          <p:cNvSpPr txBox="1">
-            <a:spLocks noGrp="1"/>
-          </p:cNvSpPr>
+          <p:cNvPr id="24" name="Slide Number"/>
+          <p:cNvSpPr txBox="1"/>
           <p:nvPr>
             <p:ph type="sldNum" sz="quarter" idx="2"/>
           </p:nvPr>
@@ -1606,10 +1563,8 @@
           <a:bodyPr/>
           <a:lstStyle/>
           <a:p>
-            <a:fld id="{86CB4B4D-7CA3-9044-876B-883B54F8677D}" type="slidenum">
-              <a:t>‹#›</a:t>
-            </a:fld>
-            <a:endParaRPr/>
+            <a:pPr/>
+            <a:fld id="{86CB4B4D-7CA3-9044-876B-883B54F8677D}" type="slidenum"/>
           </a:p>
         </p:txBody>
       </p:sp>
@@ -1618,12 +1573,12 @@
   <p:clrMapOvr>
     <a:masterClrMapping/>
   </p:clrMapOvr>
-  <p:transition spd="med"/>
+  <p:transition xmlns:p14="http://schemas.microsoft.com/office/powerpoint/2010/main" spd="med" advClick="1"/>
 </p:sldLayout>
 </file>
 
 <file path=ppt/slideLayouts/slideLayout3.xml><?xml version="1.0" encoding="utf-8"?>
-<p:sldLayout xmlns:a="http://schemas.openxmlformats.org/drawingml/2006/main" xmlns:r="http://schemas.openxmlformats.org/officeDocument/2006/relationships" xmlns:p="http://schemas.openxmlformats.org/presentationml/2006/main" type="tx">
+<p:sldLayout xmlns:a="http://schemas.openxmlformats.org/drawingml/2006/main" xmlns:r="http://schemas.openxmlformats.org/officeDocument/2006/relationships" xmlns:p="http://schemas.openxmlformats.org/presentationml/2006/main" xmlns:m="http://schemas.openxmlformats.org/officeDocument/2006/math" xmlns:a14="http://schemas.microsoft.com/office/drawing/2010/main" type="tx" showMasterSp="1" showMasterPhAnim="1">
   <p:cSld name="Title &amp; Bullets">
     <p:spTree>
       <p:nvGrpSpPr>
@@ -1641,15 +1596,17 @@
       </p:grpSpPr>
       <p:sp>
         <p:nvSpPr>
-          <p:cNvPr id="42" name="Slide Title"/>
-          <p:cNvSpPr txBox="1">
-            <a:spLocks noGrp="1"/>
-          </p:cNvSpPr>
+          <p:cNvPr id="31" name="Slide Title"/>
+          <p:cNvSpPr txBox="1"/>
           <p:nvPr>
             <p:ph type="title" hasCustomPrompt="1"/>
           </p:nvPr>
         </p:nvSpPr>
         <p:spPr>
+          <a:xfrm>
+            <a:off x="1206500" y="952500"/>
+            <a:ext cx="21971000" cy="1433164"/>
+          </a:xfrm>
           <a:prstGeom prst="rect">
             <a:avLst/>
           </a:prstGeom>
@@ -1658,6 +1615,7 @@
           <a:bodyPr/>
           <a:lstStyle/>
           <a:p>
+            <a:pPr/>
             <a:r>
               <a:t>Slide Title</a:t>
             </a:r>
@@ -1666,25 +1624,23 @@
       </p:sp>
       <p:sp>
         <p:nvSpPr>
-          <p:cNvPr id="43" name="Slide Subtitle"/>
-          <p:cNvSpPr txBox="1">
-            <a:spLocks noGrp="1"/>
-          </p:cNvSpPr>
+          <p:cNvPr id="32" name="Body Level One…"/>
+          <p:cNvSpPr txBox="1"/>
           <p:nvPr>
-            <p:ph type="body" sz="quarter" idx="21" hasCustomPrompt="1"/>
+            <p:ph type="body" sz="quarter" idx="1" hasCustomPrompt="1"/>
           </p:nvPr>
         </p:nvSpPr>
         <p:spPr>
           <a:xfrm>
-            <a:off x="1206500" y="2245962"/>
-            <a:ext cx="21971000" cy="934780"/>
+            <a:off x="1206500" y="2245961"/>
+            <a:ext cx="21971000" cy="934781"/>
           </a:xfrm>
           <a:prstGeom prst="rect">
             <a:avLst/>
           </a:prstGeom>
         </p:spPr>
         <p:txBody>
-          <a:bodyPr lIns="45719" tIns="45719" rIns="45719" bIns="45719"/>
+          <a:bodyPr lIns="45718" tIns="45718" rIns="45718" bIns="45718" numCol="1" spcCol="38100"/>
           <a:lstStyle>
             <a:lvl1pPr marL="0" indent="0" defTabSz="825500">
               <a:lnSpc>
@@ -1695,24 +1651,83 @@
               </a:spcBef>
               <a:buSzTx/>
               <a:buNone/>
-              <a:defRPr sz="5500" b="1"/>
+              <a:defRPr b="1" sz="5500"/>
             </a:lvl1pPr>
+            <a:lvl2pPr marL="1308100" indent="-698500" defTabSz="825500">
+              <a:lnSpc>
+                <a:spcPct val="100000"/>
+              </a:lnSpc>
+              <a:spcBef>
+                <a:spcPts val="0"/>
+              </a:spcBef>
+              <a:defRPr b="1" sz="5500"/>
+            </a:lvl2pPr>
+            <a:lvl3pPr marL="1917700" indent="-698500" defTabSz="825500">
+              <a:lnSpc>
+                <a:spcPct val="100000"/>
+              </a:lnSpc>
+              <a:spcBef>
+                <a:spcPts val="0"/>
+              </a:spcBef>
+              <a:defRPr b="1" sz="5500"/>
+            </a:lvl3pPr>
+            <a:lvl4pPr marL="2527300" indent="-698500" defTabSz="825500">
+              <a:lnSpc>
+                <a:spcPct val="100000"/>
+              </a:lnSpc>
+              <a:spcBef>
+                <a:spcPts val="0"/>
+              </a:spcBef>
+              <a:defRPr b="1" sz="5500"/>
+            </a:lvl4pPr>
+            <a:lvl5pPr marL="3136900" indent="-698500" defTabSz="825500">
+              <a:lnSpc>
+                <a:spcPct val="100000"/>
+              </a:lnSpc>
+              <a:spcBef>
+                <a:spcPts val="0"/>
+              </a:spcBef>
+              <a:defRPr b="1" sz="5500"/>
+            </a:lvl5pPr>
           </a:lstStyle>
           <a:p>
+            <a:pPr/>
             <a:r>
               <a:t>Slide Subtitle</a:t>
+            </a:r>
+          </a:p>
+          <a:p>
+            <a:pPr lvl="1"/>
+            <a:r>
+              <a:t/>
+            </a:r>
+          </a:p>
+          <a:p>
+            <a:pPr lvl="2"/>
+            <a:r>
+              <a:t/>
+            </a:r>
+          </a:p>
+          <a:p>
+            <a:pPr lvl="3"/>
+            <a:r>
+              <a:t/>
+            </a:r>
+          </a:p>
+          <a:p>
+            <a:pPr lvl="4"/>
+            <a:r>
+              <a:t/>
             </a:r>
           </a:p>
         </p:txBody>
       </p:sp>
       <p:sp>
         <p:nvSpPr>
-          <p:cNvPr id="44" name="Body Level One…"/>
-          <p:cNvSpPr txBox="1">
-            <a:spLocks noGrp="1"/>
-          </p:cNvSpPr>
+          <p:cNvPr id="33" name="Body Level One…"/>
+          <p:cNvSpPr txBox="1"/>
           <p:nvPr>
-            <p:ph type="body" idx="1" hasCustomPrompt="1"/>
+            <p:ph type="body" idx="21" hasCustomPrompt="1"/>
           </p:nvPr>
         </p:nvSpPr>
         <p:spPr>
@@ -1721,37 +1736,20 @@
           </a:prstGeom>
         </p:spPr>
         <p:txBody>
-          <a:bodyPr/>
+          <a:bodyPr numCol="1" spcCol="38100"/>
           <a:lstStyle/>
           <a:p>
+            <a:pPr/>
             <a:r>
               <a:t>Slide bullet text</a:t>
             </a:r>
-          </a:p>
-          <a:p>
-            <a:pPr lvl="1"/>
-            <a:endParaRPr/>
-          </a:p>
-          <a:p>
-            <a:pPr lvl="2"/>
-            <a:endParaRPr/>
-          </a:p>
-          <a:p>
-            <a:pPr lvl="3"/>
-            <a:endParaRPr/>
-          </a:p>
-          <a:p>
-            <a:pPr lvl="4"/>
-            <a:endParaRPr/>
           </a:p>
         </p:txBody>
       </p:sp>
       <p:sp>
         <p:nvSpPr>
-          <p:cNvPr id="45" name="Slide Number"/>
-          <p:cNvSpPr txBox="1">
-            <a:spLocks noGrp="1"/>
-          </p:cNvSpPr>
+          <p:cNvPr id="34" name="Slide Number"/>
+          <p:cNvSpPr txBox="1"/>
           <p:nvPr>
             <p:ph type="sldNum" sz="quarter" idx="2"/>
           </p:nvPr>
@@ -1765,10 +1763,8 @@
           <a:bodyPr/>
           <a:lstStyle/>
           <a:p>
-            <a:fld id="{86CB4B4D-7CA3-9044-876B-883B54F8677D}" type="slidenum">
-              <a:t>‹#›</a:t>
-            </a:fld>
-            <a:endParaRPr/>
+            <a:pPr/>
+            <a:fld id="{86CB4B4D-7CA3-9044-876B-883B54F8677D}" type="slidenum"/>
           </a:p>
         </p:txBody>
       </p:sp>
@@ -1777,12 +1773,12 @@
   <p:clrMapOvr>
     <a:masterClrMapping/>
   </p:clrMapOvr>
-  <p:transition spd="med"/>
+  <p:transition xmlns:p14="http://schemas.microsoft.com/office/powerpoint/2010/main" spd="med" advClick="1"/>
 </p:sldLayout>
 </file>
 
 <file path=ppt/slideLayouts/slideLayout4.xml><?xml version="1.0" encoding="utf-8"?>
-<p:sldLayout xmlns:a="http://schemas.openxmlformats.org/drawingml/2006/main" xmlns:r="http://schemas.openxmlformats.org/officeDocument/2006/relationships" xmlns:p="http://schemas.openxmlformats.org/presentationml/2006/main" type="tx">
+<p:sldLayout xmlns:a="http://schemas.openxmlformats.org/drawingml/2006/main" xmlns:r="http://schemas.openxmlformats.org/officeDocument/2006/relationships" xmlns:p="http://schemas.openxmlformats.org/presentationml/2006/main" xmlns:m="http://schemas.openxmlformats.org/officeDocument/2006/math" xmlns:a14="http://schemas.microsoft.com/office/drawing/2010/main" type="tx" showMasterSp="1" showMasterPhAnim="1">
   <p:cSld name="Bullets">
     <p:spTree>
       <p:nvGrpSpPr>
@@ -1800,10 +1796,8 @@
       </p:grpSpPr>
       <p:sp>
         <p:nvSpPr>
-          <p:cNvPr id="52" name="Body Level One…"/>
-          <p:cNvSpPr txBox="1">
-            <a:spLocks noGrp="1"/>
-          </p:cNvSpPr>
+          <p:cNvPr id="41" name="Body Level One…"/>
+          <p:cNvSpPr txBox="1"/>
           <p:nvPr>
             <p:ph type="body" idx="1" hasCustomPrompt="1"/>
           </p:nvPr>
@@ -1814,37 +1808,44 @@
           </a:prstGeom>
         </p:spPr>
         <p:txBody>
-          <a:bodyPr numCol="2" spcCol="1098550"/>
+          <a:bodyPr/>
           <a:lstStyle/>
           <a:p>
+            <a:pPr/>
             <a:r>
               <a:t>Slide bullet text</a:t>
             </a:r>
           </a:p>
           <a:p>
             <a:pPr lvl="1"/>
-            <a:endParaRPr/>
+            <a:r>
+              <a:t/>
+            </a:r>
           </a:p>
           <a:p>
             <a:pPr lvl="2"/>
-            <a:endParaRPr/>
+            <a:r>
+              <a:t/>
+            </a:r>
           </a:p>
           <a:p>
             <a:pPr lvl="3"/>
-            <a:endParaRPr/>
+            <a:r>
+              <a:t/>
+            </a:r>
           </a:p>
           <a:p>
             <a:pPr lvl="4"/>
-            <a:endParaRPr/>
+            <a:r>
+              <a:t/>
+            </a:r>
           </a:p>
         </p:txBody>
       </p:sp>
       <p:sp>
         <p:nvSpPr>
-          <p:cNvPr id="53" name="Slide Number"/>
-          <p:cNvSpPr txBox="1">
-            <a:spLocks noGrp="1"/>
-          </p:cNvSpPr>
+          <p:cNvPr id="42" name="Slide Number"/>
+          <p:cNvSpPr txBox="1"/>
           <p:nvPr>
             <p:ph type="sldNum" sz="quarter" idx="2"/>
           </p:nvPr>
@@ -1858,10 +1859,8 @@
           <a:bodyPr/>
           <a:lstStyle/>
           <a:p>
-            <a:fld id="{86CB4B4D-7CA3-9044-876B-883B54F8677D}" type="slidenum">
-              <a:t>‹#›</a:t>
-            </a:fld>
-            <a:endParaRPr/>
+            <a:pPr/>
+            <a:fld id="{86CB4B4D-7CA3-9044-876B-883B54F8677D}" type="slidenum"/>
           </a:p>
         </p:txBody>
       </p:sp>
@@ -1870,12 +1869,12 @@
   <p:clrMapOvr>
     <a:masterClrMapping/>
   </p:clrMapOvr>
-  <p:transition spd="med"/>
+  <p:transition xmlns:p14="http://schemas.microsoft.com/office/powerpoint/2010/main" spd="med" advClick="1"/>
 </p:sldLayout>
 </file>
 
 <file path=ppt/slideLayouts/slideLayout5.xml><?xml version="1.0" encoding="utf-8"?>
-<p:sldLayout xmlns:a="http://schemas.openxmlformats.org/drawingml/2006/main" xmlns:r="http://schemas.openxmlformats.org/officeDocument/2006/relationships" xmlns:p="http://schemas.openxmlformats.org/presentationml/2006/main" type="tx">
+<p:sldLayout xmlns:a="http://schemas.openxmlformats.org/drawingml/2006/main" xmlns:r="http://schemas.openxmlformats.org/officeDocument/2006/relationships" xmlns:p="http://schemas.openxmlformats.org/presentationml/2006/main" xmlns:m="http://schemas.openxmlformats.org/officeDocument/2006/math" xmlns:a14="http://schemas.microsoft.com/office/drawing/2010/main" type="tx" showMasterSp="1" showMasterPhAnim="1">
   <p:cSld name="Title, Bullets &amp; Photo">
     <p:spTree>
       <p:nvGrpSpPr>
@@ -1893,10 +1892,8 @@
       </p:grpSpPr>
       <p:sp>
         <p:nvSpPr>
-          <p:cNvPr id="60" name="Slide Title"/>
-          <p:cNvSpPr txBox="1">
-            <a:spLocks noGrp="1"/>
-          </p:cNvSpPr>
+          <p:cNvPr id="49" name="Slide Title"/>
+          <p:cNvSpPr txBox="1"/>
           <p:nvPr>
             <p:ph type="title" hasCustomPrompt="1"/>
           </p:nvPr>
@@ -1914,6 +1911,7 @@
           <a:bodyPr/>
           <a:lstStyle/>
           <a:p>
+            <a:pPr/>
             <a:r>
               <a:t>Slide Title</a:t>
             </a:r>
@@ -1922,25 +1920,23 @@
       </p:sp>
       <p:sp>
         <p:nvSpPr>
-          <p:cNvPr id="61" name="Slide Subtitle"/>
-          <p:cNvSpPr txBox="1">
-            <a:spLocks noGrp="1"/>
-          </p:cNvSpPr>
+          <p:cNvPr id="50" name="Body Level One…"/>
+          <p:cNvSpPr txBox="1"/>
           <p:nvPr>
-            <p:ph type="body" sz="quarter" idx="21" hasCustomPrompt="1"/>
+            <p:ph type="body" sz="quarter" idx="1" hasCustomPrompt="1"/>
           </p:nvPr>
         </p:nvSpPr>
         <p:spPr>
           <a:xfrm>
-            <a:off x="1206500" y="2245962"/>
-            <a:ext cx="9779000" cy="934780"/>
+            <a:off x="1206500" y="2245961"/>
+            <a:ext cx="9779000" cy="934781"/>
           </a:xfrm>
           <a:prstGeom prst="rect">
             <a:avLst/>
           </a:prstGeom>
         </p:spPr>
         <p:txBody>
-          <a:bodyPr lIns="45719" tIns="45719" rIns="45719" bIns="45719"/>
+          <a:bodyPr lIns="45718" tIns="45718" rIns="45718" bIns="45718" numCol="1" spcCol="38100"/>
           <a:lstStyle>
             <a:lvl1pPr marL="0" indent="0" defTabSz="825500">
               <a:lnSpc>
@@ -1951,96 +1947,136 @@
               </a:spcBef>
               <a:buSzTx/>
               <a:buNone/>
-              <a:defRPr sz="5500" b="1"/>
+              <a:defRPr b="1" sz="5500"/>
             </a:lvl1pPr>
+            <a:lvl2pPr marL="1308100" indent="-698500" defTabSz="825500">
+              <a:lnSpc>
+                <a:spcPct val="100000"/>
+              </a:lnSpc>
+              <a:spcBef>
+                <a:spcPts val="0"/>
+              </a:spcBef>
+              <a:defRPr b="1" sz="5500"/>
+            </a:lvl2pPr>
+            <a:lvl3pPr marL="1917700" indent="-698500" defTabSz="825500">
+              <a:lnSpc>
+                <a:spcPct val="100000"/>
+              </a:lnSpc>
+              <a:spcBef>
+                <a:spcPts val="0"/>
+              </a:spcBef>
+              <a:defRPr b="1" sz="5500"/>
+            </a:lvl3pPr>
+            <a:lvl4pPr marL="2527300" indent="-698500" defTabSz="825500">
+              <a:lnSpc>
+                <a:spcPct val="100000"/>
+              </a:lnSpc>
+              <a:spcBef>
+                <a:spcPts val="0"/>
+              </a:spcBef>
+              <a:defRPr b="1" sz="5500"/>
+            </a:lvl4pPr>
+            <a:lvl5pPr marL="3136900" indent="-698500" defTabSz="825500">
+              <a:lnSpc>
+                <a:spcPct val="100000"/>
+              </a:lnSpc>
+              <a:spcBef>
+                <a:spcPts val="0"/>
+              </a:spcBef>
+              <a:defRPr b="1" sz="5500"/>
+            </a:lvl5pPr>
           </a:lstStyle>
           <a:p>
+            <a:pPr/>
             <a:r>
               <a:t>Slide Subtitle</a:t>
+            </a:r>
+          </a:p>
+          <a:p>
+            <a:pPr lvl="1"/>
+            <a:r>
+              <a:t/>
+            </a:r>
+          </a:p>
+          <a:p>
+            <a:pPr lvl="2"/>
+            <a:r>
+              <a:t/>
+            </a:r>
+          </a:p>
+          <a:p>
+            <a:pPr lvl="3"/>
+            <a:r>
+              <a:t/>
+            </a:r>
+          </a:p>
+          <a:p>
+            <a:pPr lvl="4"/>
+            <a:r>
+              <a:t/>
             </a:r>
           </a:p>
         </p:txBody>
       </p:sp>
       <p:sp>
         <p:nvSpPr>
-          <p:cNvPr id="62" name="Body Level One…"/>
-          <p:cNvSpPr txBox="1">
-            <a:spLocks noGrp="1"/>
-          </p:cNvSpPr>
+          <p:cNvPr id="51" name="Body Level One…"/>
+          <p:cNvSpPr txBox="1"/>
           <p:nvPr>
-            <p:ph type="body" sz="half" idx="1" hasCustomPrompt="1"/>
+            <p:ph type="body" sz="half" idx="21" hasCustomPrompt="1"/>
           </p:nvPr>
         </p:nvSpPr>
         <p:spPr>
           <a:xfrm>
-            <a:off x="1206500" y="4248504"/>
-            <a:ext cx="9779000" cy="8256012"/>
+            <a:off x="1206500" y="4248503"/>
+            <a:ext cx="9779000" cy="8256014"/>
           </a:xfrm>
           <a:prstGeom prst="rect">
             <a:avLst/>
           </a:prstGeom>
         </p:spPr>
         <p:txBody>
-          <a:bodyPr/>
+          <a:bodyPr numCol="1" spcCol="38100"/>
           <a:lstStyle/>
           <a:p>
+            <a:pPr/>
             <a:r>
               <a:t>Slide bullet text</a:t>
             </a:r>
-          </a:p>
-          <a:p>
-            <a:pPr lvl="1"/>
-            <a:endParaRPr/>
-          </a:p>
-          <a:p>
-            <a:pPr lvl="2"/>
-            <a:endParaRPr/>
-          </a:p>
-          <a:p>
-            <a:pPr lvl="3"/>
-            <a:endParaRPr/>
-          </a:p>
-          <a:p>
-            <a:pPr lvl="4"/>
-            <a:endParaRPr/>
           </a:p>
         </p:txBody>
       </p:sp>
       <p:sp>
         <p:nvSpPr>
-          <p:cNvPr id="63" name="Close-up black and white photo of intricate building architecture"/>
-          <p:cNvSpPr>
-            <a:spLocks noGrp="1"/>
-          </p:cNvSpPr>
+          <p:cNvPr id="52" name="Close-up black and white photo of intricate building architecture"/>
+          <p:cNvSpPr/>
           <p:nvPr>
             <p:ph type="pic" idx="22"/>
           </p:nvPr>
         </p:nvSpPr>
         <p:spPr>
           <a:xfrm>
-            <a:off x="12192000" y="-1341967"/>
-            <a:ext cx="10922000" cy="16399934"/>
+            <a:off x="12192000" y="-1341968"/>
+            <a:ext cx="10922000" cy="16399935"/>
           </a:xfrm>
           <a:prstGeom prst="rect">
             <a:avLst/>
           </a:prstGeom>
         </p:spPr>
         <p:txBody>
-          <a:bodyPr lIns="91439" tIns="45719" rIns="91439" bIns="45719">
+          <a:bodyPr lIns="91439" tIns="45719" rIns="91439" bIns="45719" numCol="1" spcCol="38100">
             <a:noAutofit/>
           </a:bodyPr>
           <a:lstStyle/>
           <a:p>
-            <a:endParaRPr/>
+            <a:pPr/>
           </a:p>
         </p:txBody>
       </p:sp>
       <p:sp>
         <p:nvSpPr>
-          <p:cNvPr id="64" name="Slide Number"/>
-          <p:cNvSpPr txBox="1">
-            <a:spLocks noGrp="1"/>
-          </p:cNvSpPr>
+          <p:cNvPr id="53" name="Slide Number"/>
+          <p:cNvSpPr txBox="1"/>
           <p:nvPr>
             <p:ph type="sldNum" sz="quarter" idx="2"/>
           </p:nvPr>
@@ -2054,10 +2090,8 @@
           <a:bodyPr/>
           <a:lstStyle/>
           <a:p>
-            <a:fld id="{86CB4B4D-7CA3-9044-876B-883B54F8677D}" type="slidenum">
-              <a:t>‹#›</a:t>
-            </a:fld>
-            <a:endParaRPr/>
+            <a:pPr/>
+            <a:fld id="{86CB4B4D-7CA3-9044-876B-883B54F8677D}" type="slidenum"/>
           </a:p>
         </p:txBody>
       </p:sp>
@@ -2066,23 +2100,22 @@
   <p:clrMapOvr>
     <a:masterClrMapping/>
   </p:clrMapOvr>
-  <p:transition spd="med"/>
+  <p:transition xmlns:p14="http://schemas.microsoft.com/office/powerpoint/2010/main" spd="med" advClick="1"/>
 </p:sldLayout>
 </file>
 
 <file path=ppt/slideLayouts/slideLayout6.xml><?xml version="1.0" encoding="utf-8"?>
-<p:sldLayout xmlns:a="http://schemas.openxmlformats.org/drawingml/2006/main" xmlns:r="http://schemas.openxmlformats.org/officeDocument/2006/relationships" xmlns:p="http://schemas.openxmlformats.org/presentationml/2006/main" type="tx">
+<p:sldLayout xmlns:a="http://schemas.openxmlformats.org/drawingml/2006/main" xmlns:r="http://schemas.openxmlformats.org/officeDocument/2006/relationships" xmlns:p="http://schemas.openxmlformats.org/presentationml/2006/main" xmlns:m="http://schemas.openxmlformats.org/officeDocument/2006/math" xmlns:a14="http://schemas.microsoft.com/office/drawing/2010/main" type="tx" showMasterSp="1" showMasterPhAnim="1">
   <p:cSld name="Section">
     <p:bg>
       <p:bgPr>
         <a:blipFill rotWithShape="1">
           <a:blip r:embed="rId2"/>
-          <a:srcRect/>
+          <a:srcRect l="0" t="0" r="0" b="0"/>
           <a:stretch>
             <a:fillRect/>
           </a:stretch>
         </a:blipFill>
-        <a:effectLst/>
       </p:bgPr>
     </p:bg>
     <p:spTree>
@@ -2101,10 +2134,8 @@
       </p:grpSpPr>
       <p:sp>
         <p:nvSpPr>
-          <p:cNvPr id="71" name="Section Title"/>
-          <p:cNvSpPr txBox="1">
-            <a:spLocks noGrp="1"/>
-          </p:cNvSpPr>
+          <p:cNvPr id="60" name="Section Title"/>
+          <p:cNvSpPr txBox="1"/>
           <p:nvPr>
             <p:ph type="title" hasCustomPrompt="1"/>
           </p:nvPr>
@@ -2112,7 +2143,7 @@
         <p:spPr>
           <a:xfrm>
             <a:off x="1206496" y="4533900"/>
-            <a:ext cx="21971004" cy="4648200"/>
+            <a:ext cx="21971005" cy="4648200"/>
           </a:xfrm>
           <a:prstGeom prst="rect">
             <a:avLst/>
@@ -2122,7 +2153,7 @@
           <a:bodyPr anchor="ctr"/>
           <a:lstStyle>
             <a:lvl1pPr>
-              <a:defRPr sz="11600" b="0" spc="-232">
+              <a:defRPr b="0" spc="-232" sz="11600">
                 <a:latin typeface="Helvetica Neue Medium"/>
                 <a:ea typeface="Helvetica Neue Medium"/>
                 <a:cs typeface="Helvetica Neue Medium"/>
@@ -2131,6 +2162,7 @@
             </a:lvl1pPr>
           </a:lstStyle>
           <a:p>
+            <a:pPr/>
             <a:r>
               <a:t>Section Title</a:t>
             </a:r>
@@ -2139,10 +2171,8 @@
       </p:sp>
       <p:sp>
         <p:nvSpPr>
-          <p:cNvPr id="72" name="Slide Number"/>
-          <p:cNvSpPr txBox="1">
-            <a:spLocks noGrp="1"/>
-          </p:cNvSpPr>
+          <p:cNvPr id="61" name="Slide Number"/>
+          <p:cNvSpPr txBox="1"/>
           <p:nvPr>
             <p:ph type="sldNum" sz="quarter" idx="2"/>
           </p:nvPr>
@@ -2160,10 +2190,8 @@
           <a:bodyPr/>
           <a:lstStyle/>
           <a:p>
-            <a:fld id="{86CB4B4D-7CA3-9044-876B-883B54F8677D}" type="slidenum">
-              <a:t>‹#›</a:t>
-            </a:fld>
-            <a:endParaRPr/>
+            <a:pPr/>
+            <a:fld id="{86CB4B4D-7CA3-9044-876B-883B54F8677D}" type="slidenum"/>
           </a:p>
         </p:txBody>
       </p:sp>
@@ -2172,12 +2200,12 @@
   <p:clrMapOvr>
     <a:masterClrMapping/>
   </p:clrMapOvr>
-  <p:transition spd="med"/>
+  <p:transition xmlns:p14="http://schemas.microsoft.com/office/powerpoint/2010/main" spd="med" advClick="1"/>
 </p:sldLayout>
 </file>
 
 <file path=ppt/slideLayouts/slideLayout7.xml><?xml version="1.0" encoding="utf-8"?>
-<p:sldLayout xmlns:a="http://schemas.openxmlformats.org/drawingml/2006/main" xmlns:r="http://schemas.openxmlformats.org/officeDocument/2006/relationships" xmlns:p="http://schemas.openxmlformats.org/presentationml/2006/main" type="tx">
+<p:sldLayout xmlns:a="http://schemas.openxmlformats.org/drawingml/2006/main" xmlns:r="http://schemas.openxmlformats.org/officeDocument/2006/relationships" xmlns:p="http://schemas.openxmlformats.org/presentationml/2006/main" xmlns:m="http://schemas.openxmlformats.org/officeDocument/2006/math" xmlns:a14="http://schemas.microsoft.com/office/drawing/2010/main" type="tx" showMasterSp="1" showMasterPhAnim="1">
   <p:cSld name="Title Only">
     <p:spTree>
       <p:nvGrpSpPr>
@@ -2195,10 +2223,8 @@
       </p:grpSpPr>
       <p:sp>
         <p:nvSpPr>
-          <p:cNvPr id="79" name="Slide Title"/>
-          <p:cNvSpPr txBox="1">
-            <a:spLocks noGrp="1"/>
-          </p:cNvSpPr>
+          <p:cNvPr id="68" name="Slide Title"/>
+          <p:cNvSpPr txBox="1"/>
           <p:nvPr>
             <p:ph type="title" hasCustomPrompt="1"/>
           </p:nvPr>
@@ -2206,7 +2232,7 @@
         <p:spPr>
           <a:xfrm>
             <a:off x="1206500" y="952500"/>
-            <a:ext cx="21971000" cy="1434949"/>
+            <a:ext cx="21971000" cy="1434950"/>
           </a:xfrm>
           <a:prstGeom prst="rect">
             <a:avLst/>
@@ -2216,6 +2242,7 @@
           <a:bodyPr/>
           <a:lstStyle/>
           <a:p>
+            <a:pPr/>
             <a:r>
               <a:t>Slide Title</a:t>
             </a:r>
@@ -2224,25 +2251,23 @@
       </p:sp>
       <p:sp>
         <p:nvSpPr>
-          <p:cNvPr id="80" name="Slide Subtitle"/>
-          <p:cNvSpPr txBox="1">
-            <a:spLocks noGrp="1"/>
-          </p:cNvSpPr>
+          <p:cNvPr id="69" name="Body Level One…"/>
+          <p:cNvSpPr txBox="1"/>
           <p:nvPr>
-            <p:ph type="body" sz="quarter" idx="21" hasCustomPrompt="1"/>
+            <p:ph type="body" sz="quarter" idx="1" hasCustomPrompt="1"/>
           </p:nvPr>
         </p:nvSpPr>
         <p:spPr>
           <a:xfrm>
-            <a:off x="1206500" y="2245962"/>
-            <a:ext cx="21971000" cy="934780"/>
+            <a:off x="1206500" y="2245961"/>
+            <a:ext cx="21971000" cy="934781"/>
           </a:xfrm>
           <a:prstGeom prst="rect">
             <a:avLst/>
           </a:prstGeom>
         </p:spPr>
         <p:txBody>
-          <a:bodyPr lIns="45719" tIns="45719" rIns="45719" bIns="45719"/>
+          <a:bodyPr lIns="45718" tIns="45718" rIns="45718" bIns="45718" numCol="1" spcCol="38100"/>
           <a:lstStyle>
             <a:lvl1pPr marL="0" indent="0" defTabSz="825500">
               <a:lnSpc>
@@ -2253,22 +2278,81 @@
               </a:spcBef>
               <a:buSzTx/>
               <a:buNone/>
-              <a:defRPr sz="5500" b="1"/>
+              <a:defRPr b="1" sz="5500"/>
             </a:lvl1pPr>
+            <a:lvl2pPr marL="1308100" indent="-698500" defTabSz="825500">
+              <a:lnSpc>
+                <a:spcPct val="100000"/>
+              </a:lnSpc>
+              <a:spcBef>
+                <a:spcPts val="0"/>
+              </a:spcBef>
+              <a:defRPr b="1" sz="5500"/>
+            </a:lvl2pPr>
+            <a:lvl3pPr marL="1917700" indent="-698500" defTabSz="825500">
+              <a:lnSpc>
+                <a:spcPct val="100000"/>
+              </a:lnSpc>
+              <a:spcBef>
+                <a:spcPts val="0"/>
+              </a:spcBef>
+              <a:defRPr b="1" sz="5500"/>
+            </a:lvl3pPr>
+            <a:lvl4pPr marL="2527300" indent="-698500" defTabSz="825500">
+              <a:lnSpc>
+                <a:spcPct val="100000"/>
+              </a:lnSpc>
+              <a:spcBef>
+                <a:spcPts val="0"/>
+              </a:spcBef>
+              <a:defRPr b="1" sz="5500"/>
+            </a:lvl4pPr>
+            <a:lvl5pPr marL="3136900" indent="-698500" defTabSz="825500">
+              <a:lnSpc>
+                <a:spcPct val="100000"/>
+              </a:lnSpc>
+              <a:spcBef>
+                <a:spcPts val="0"/>
+              </a:spcBef>
+              <a:defRPr b="1" sz="5500"/>
+            </a:lvl5pPr>
           </a:lstStyle>
           <a:p>
+            <a:pPr/>
             <a:r>
               <a:t>Slide Subtitle</a:t>
+            </a:r>
+          </a:p>
+          <a:p>
+            <a:pPr lvl="1"/>
+            <a:r>
+              <a:t/>
+            </a:r>
+          </a:p>
+          <a:p>
+            <a:pPr lvl="2"/>
+            <a:r>
+              <a:t/>
+            </a:r>
+          </a:p>
+          <a:p>
+            <a:pPr lvl="3"/>
+            <a:r>
+              <a:t/>
+            </a:r>
+          </a:p>
+          <a:p>
+            <a:pPr lvl="4"/>
+            <a:r>
+              <a:t/>
             </a:r>
           </a:p>
         </p:txBody>
       </p:sp>
       <p:sp>
         <p:nvSpPr>
-          <p:cNvPr id="81" name="Slide Number"/>
-          <p:cNvSpPr txBox="1">
-            <a:spLocks noGrp="1"/>
-          </p:cNvSpPr>
+          <p:cNvPr id="70" name="Slide Number"/>
+          <p:cNvSpPr txBox="1"/>
           <p:nvPr>
             <p:ph type="sldNum" sz="quarter" idx="2"/>
           </p:nvPr>
@@ -2282,10 +2366,8 @@
           <a:bodyPr/>
           <a:lstStyle/>
           <a:p>
-            <a:fld id="{86CB4B4D-7CA3-9044-876B-883B54F8677D}" type="slidenum">
-              <a:t>‹#›</a:t>
-            </a:fld>
-            <a:endParaRPr/>
+            <a:pPr/>
+            <a:fld id="{86CB4B4D-7CA3-9044-876B-883B54F8677D}" type="slidenum"/>
           </a:p>
         </p:txBody>
       </p:sp>
@@ -2294,12 +2376,12 @@
   <p:clrMapOvr>
     <a:masterClrMapping/>
   </p:clrMapOvr>
-  <p:transition spd="med"/>
+  <p:transition xmlns:p14="http://schemas.microsoft.com/office/powerpoint/2010/main" spd="med" advClick="1"/>
 </p:sldLayout>
 </file>
 
 <file path=ppt/slideLayouts/slideLayout8.xml><?xml version="1.0" encoding="utf-8"?>
-<p:sldLayout xmlns:a="http://schemas.openxmlformats.org/drawingml/2006/main" xmlns:r="http://schemas.openxmlformats.org/officeDocument/2006/relationships" xmlns:p="http://schemas.openxmlformats.org/presentationml/2006/main" type="tx">
+<p:sldLayout xmlns:a="http://schemas.openxmlformats.org/drawingml/2006/main" xmlns:r="http://schemas.openxmlformats.org/officeDocument/2006/relationships" xmlns:p="http://schemas.openxmlformats.org/presentationml/2006/main" xmlns:m="http://schemas.openxmlformats.org/officeDocument/2006/math" xmlns:a14="http://schemas.microsoft.com/office/drawing/2010/main" type="tx" showMasterSp="1" showMasterPhAnim="1">
   <p:cSld name="Agenda">
     <p:spTree>
       <p:nvGrpSpPr>
@@ -2317,10 +2399,8 @@
       </p:grpSpPr>
       <p:sp>
         <p:nvSpPr>
-          <p:cNvPr id="88" name="Agenda Title"/>
-          <p:cNvSpPr txBox="1">
-            <a:spLocks noGrp="1"/>
-          </p:cNvSpPr>
+          <p:cNvPr id="77" name="Agenda Title"/>
+          <p:cNvSpPr txBox="1"/>
           <p:nvPr>
             <p:ph type="title" hasCustomPrompt="1"/>
           </p:nvPr>
@@ -2338,6 +2418,7 @@
           <a:bodyPr/>
           <a:lstStyle/>
           <a:p>
+            <a:pPr/>
             <a:r>
               <a:t>Agenda Title</a:t>
             </a:r>
@@ -2346,25 +2427,23 @@
       </p:sp>
       <p:sp>
         <p:nvSpPr>
-          <p:cNvPr id="89" name="Agenda Subtitle"/>
-          <p:cNvSpPr txBox="1">
-            <a:spLocks noGrp="1"/>
-          </p:cNvSpPr>
+          <p:cNvPr id="78" name="Body Level One…"/>
+          <p:cNvSpPr txBox="1"/>
           <p:nvPr>
-            <p:ph type="body" sz="quarter" idx="21" hasCustomPrompt="1"/>
+            <p:ph type="body" sz="quarter" idx="1" hasCustomPrompt="1"/>
           </p:nvPr>
         </p:nvSpPr>
         <p:spPr>
           <a:xfrm>
-            <a:off x="1206500" y="2245962"/>
-            <a:ext cx="21971000" cy="934780"/>
+            <a:off x="1206500" y="2245961"/>
+            <a:ext cx="21971000" cy="934781"/>
           </a:xfrm>
           <a:prstGeom prst="rect">
             <a:avLst/>
           </a:prstGeom>
         </p:spPr>
         <p:txBody>
-          <a:bodyPr lIns="45719" tIns="45719" rIns="45719" bIns="45719"/>
+          <a:bodyPr lIns="45718" tIns="45718" rIns="45718" bIns="45718" numCol="1" spcCol="38100"/>
           <a:lstStyle>
             <a:lvl1pPr marL="0" indent="0" defTabSz="825500">
               <a:lnSpc>
@@ -2375,24 +2454,83 @@
               </a:spcBef>
               <a:buSzTx/>
               <a:buNone/>
-              <a:defRPr sz="5500" b="1"/>
+              <a:defRPr b="1" sz="5500"/>
             </a:lvl1pPr>
+            <a:lvl2pPr marL="1308100" indent="-698500" defTabSz="825500">
+              <a:lnSpc>
+                <a:spcPct val="100000"/>
+              </a:lnSpc>
+              <a:spcBef>
+                <a:spcPts val="0"/>
+              </a:spcBef>
+              <a:defRPr b="1" sz="5500"/>
+            </a:lvl2pPr>
+            <a:lvl3pPr marL="1917700" indent="-698500" defTabSz="825500">
+              <a:lnSpc>
+                <a:spcPct val="100000"/>
+              </a:lnSpc>
+              <a:spcBef>
+                <a:spcPts val="0"/>
+              </a:spcBef>
+              <a:defRPr b="1" sz="5500"/>
+            </a:lvl3pPr>
+            <a:lvl4pPr marL="2527300" indent="-698500" defTabSz="825500">
+              <a:lnSpc>
+                <a:spcPct val="100000"/>
+              </a:lnSpc>
+              <a:spcBef>
+                <a:spcPts val="0"/>
+              </a:spcBef>
+              <a:defRPr b="1" sz="5500"/>
+            </a:lvl4pPr>
+            <a:lvl5pPr marL="3136900" indent="-698500" defTabSz="825500">
+              <a:lnSpc>
+                <a:spcPct val="100000"/>
+              </a:lnSpc>
+              <a:spcBef>
+                <a:spcPts val="0"/>
+              </a:spcBef>
+              <a:defRPr b="1" sz="5500"/>
+            </a:lvl5pPr>
           </a:lstStyle>
           <a:p>
+            <a:pPr/>
             <a:r>
               <a:t>Agenda Subtitle</a:t>
+            </a:r>
+          </a:p>
+          <a:p>
+            <a:pPr lvl="1"/>
+            <a:r>
+              <a:t/>
+            </a:r>
+          </a:p>
+          <a:p>
+            <a:pPr lvl="2"/>
+            <a:r>
+              <a:t/>
+            </a:r>
+          </a:p>
+          <a:p>
+            <a:pPr lvl="3"/>
+            <a:r>
+              <a:t/>
+            </a:r>
+          </a:p>
+          <a:p>
+            <a:pPr lvl="4"/>
+            <a:r>
+              <a:t/>
             </a:r>
           </a:p>
         </p:txBody>
       </p:sp>
       <p:sp>
         <p:nvSpPr>
-          <p:cNvPr id="90" name="Body Level One…"/>
-          <p:cNvSpPr txBox="1">
-            <a:spLocks noGrp="1"/>
-          </p:cNvSpPr>
+          <p:cNvPr id="79" name="Body Level One…"/>
+          <p:cNvSpPr txBox="1"/>
           <p:nvPr>
-            <p:ph type="body" idx="1" hasCustomPrompt="1"/>
+            <p:ph type="body" idx="21" hasCustomPrompt="1"/>
           </p:nvPr>
         </p:nvSpPr>
         <p:spPr>
@@ -2401,7 +2539,7 @@
           </a:prstGeom>
         </p:spPr>
         <p:txBody>
-          <a:bodyPr/>
+          <a:bodyPr numCol="1" spcCol="38100"/>
           <a:lstStyle>
             <a:lvl1pPr marL="0" indent="0" defTabSz="825500">
               <a:lnSpc>
@@ -2412,82 +2550,21 @@
               </a:spcBef>
               <a:buSzTx/>
               <a:buNone/>
-              <a:defRPr sz="5500" spc="-55"/>
+              <a:defRPr spc="-99" sz="5500"/>
             </a:lvl1pPr>
-            <a:lvl2pPr marL="0" indent="457200" defTabSz="825500">
-              <a:lnSpc>
-                <a:spcPct val="100000"/>
-              </a:lnSpc>
-              <a:spcBef>
-                <a:spcPts val="1800"/>
-              </a:spcBef>
-              <a:buSzTx/>
-              <a:buNone/>
-              <a:defRPr sz="5500" spc="-55"/>
-            </a:lvl2pPr>
-            <a:lvl3pPr marL="0" indent="914400" defTabSz="825500">
-              <a:lnSpc>
-                <a:spcPct val="100000"/>
-              </a:lnSpc>
-              <a:spcBef>
-                <a:spcPts val="1800"/>
-              </a:spcBef>
-              <a:buSzTx/>
-              <a:buNone/>
-              <a:defRPr sz="5500" spc="-55"/>
-            </a:lvl3pPr>
-            <a:lvl4pPr marL="0" indent="1371600" defTabSz="825500">
-              <a:lnSpc>
-                <a:spcPct val="100000"/>
-              </a:lnSpc>
-              <a:spcBef>
-                <a:spcPts val="1800"/>
-              </a:spcBef>
-              <a:buSzTx/>
-              <a:buNone/>
-              <a:defRPr sz="5500" spc="-55"/>
-            </a:lvl4pPr>
-            <a:lvl5pPr marL="0" indent="1828800" defTabSz="825500">
-              <a:lnSpc>
-                <a:spcPct val="100000"/>
-              </a:lnSpc>
-              <a:spcBef>
-                <a:spcPts val="1800"/>
-              </a:spcBef>
-              <a:buSzTx/>
-              <a:buNone/>
-              <a:defRPr sz="5500" spc="-55"/>
-            </a:lvl5pPr>
           </a:lstStyle>
           <a:p>
+            <a:pPr/>
             <a:r>
               <a:t>Agenda Topics</a:t>
             </a:r>
-          </a:p>
-          <a:p>
-            <a:pPr lvl="1"/>
-            <a:endParaRPr/>
-          </a:p>
-          <a:p>
-            <a:pPr lvl="2"/>
-            <a:endParaRPr/>
-          </a:p>
-          <a:p>
-            <a:pPr lvl="3"/>
-            <a:endParaRPr/>
-          </a:p>
-          <a:p>
-            <a:pPr lvl="4"/>
-            <a:endParaRPr/>
           </a:p>
         </p:txBody>
       </p:sp>
       <p:sp>
         <p:nvSpPr>
-          <p:cNvPr id="91" name="Slide Number"/>
-          <p:cNvSpPr txBox="1">
-            <a:spLocks noGrp="1"/>
-          </p:cNvSpPr>
+          <p:cNvPr id="80" name="Slide Number"/>
+          <p:cNvSpPr txBox="1"/>
           <p:nvPr>
             <p:ph type="sldNum" sz="quarter" idx="2"/>
           </p:nvPr>
@@ -2501,10 +2578,8 @@
           <a:bodyPr/>
           <a:lstStyle/>
           <a:p>
-            <a:fld id="{86CB4B4D-7CA3-9044-876B-883B54F8677D}" type="slidenum">
-              <a:t>‹#›</a:t>
-            </a:fld>
-            <a:endParaRPr/>
+            <a:pPr/>
+            <a:fld id="{86CB4B4D-7CA3-9044-876B-883B54F8677D}" type="slidenum"/>
           </a:p>
         </p:txBody>
       </p:sp>
@@ -2513,23 +2588,22 @@
   <p:clrMapOvr>
     <a:masterClrMapping/>
   </p:clrMapOvr>
-  <p:transition spd="med"/>
+  <p:transition xmlns:p14="http://schemas.microsoft.com/office/powerpoint/2010/main" spd="med" advClick="1"/>
 </p:sldLayout>
 </file>
 
 <file path=ppt/slideLayouts/slideLayout9.xml><?xml version="1.0" encoding="utf-8"?>
-<p:sldLayout xmlns:a="http://schemas.openxmlformats.org/drawingml/2006/main" xmlns:r="http://schemas.openxmlformats.org/officeDocument/2006/relationships" xmlns:p="http://schemas.openxmlformats.org/presentationml/2006/main" type="tx">
+<p:sldLayout xmlns:a="http://schemas.openxmlformats.org/drawingml/2006/main" xmlns:r="http://schemas.openxmlformats.org/officeDocument/2006/relationships" xmlns:p="http://schemas.openxmlformats.org/presentationml/2006/main" xmlns:m="http://schemas.openxmlformats.org/officeDocument/2006/math" xmlns:a14="http://schemas.microsoft.com/office/drawing/2010/main" type="tx" showMasterSp="1" showMasterPhAnim="1">
   <p:cSld name="Statement">
     <p:bg>
       <p:bgPr>
         <a:blipFill rotWithShape="1">
           <a:blip r:embed="rId2"/>
-          <a:srcRect/>
+          <a:srcRect l="0" t="0" r="0" b="0"/>
           <a:stretch>
             <a:fillRect/>
           </a:stretch>
         </a:blipFill>
-        <a:effectLst/>
       </p:bgPr>
     </p:bg>
     <p:spTree>
@@ -2548,10 +2622,8 @@
       </p:grpSpPr>
       <p:sp>
         <p:nvSpPr>
-          <p:cNvPr id="98" name="Body Level One…"/>
-          <p:cNvSpPr txBox="1">
-            <a:spLocks noGrp="1"/>
-          </p:cNvSpPr>
+          <p:cNvPr id="87" name="Body Level One…"/>
+          <p:cNvSpPr txBox="1"/>
           <p:nvPr>
             <p:ph type="body" sz="half" idx="1" hasCustomPrompt="1"/>
           </p:nvPr>
@@ -2566,7 +2638,7 @@
           </a:prstGeom>
         </p:spPr>
         <p:txBody>
-          <a:bodyPr anchor="ctr"/>
+          <a:bodyPr numCol="1" spcCol="38100" anchor="ctr"/>
           <a:lstStyle>
             <a:lvl1pPr marL="0" indent="0" algn="ctr">
               <a:lnSpc>
@@ -2577,14 +2649,14 @@
               </a:spcBef>
               <a:buSzTx/>
               <a:buNone/>
-              <a:defRPr sz="11600" spc="-232">
+              <a:defRPr spc="-232" sz="11600">
                 <a:latin typeface="Helvetica Neue Medium"/>
                 <a:ea typeface="Helvetica Neue Medium"/>
                 <a:cs typeface="Helvetica Neue Medium"/>
                 <a:sym typeface="Helvetica Neue Medium"/>
               </a:defRPr>
             </a:lvl1pPr>
-            <a:lvl2pPr marL="0" indent="457200" algn="ctr">
+            <a:lvl2pPr marL="0" indent="0" algn="ctr">
               <a:lnSpc>
                 <a:spcPct val="80000"/>
               </a:lnSpc>
@@ -2593,14 +2665,14 @@
               </a:spcBef>
               <a:buSzTx/>
               <a:buNone/>
-              <a:defRPr sz="11600" spc="-232">
+              <a:defRPr spc="-232" sz="11600">
                 <a:latin typeface="Helvetica Neue Medium"/>
                 <a:ea typeface="Helvetica Neue Medium"/>
                 <a:cs typeface="Helvetica Neue Medium"/>
                 <a:sym typeface="Helvetica Neue Medium"/>
               </a:defRPr>
             </a:lvl2pPr>
-            <a:lvl3pPr marL="0" indent="914400" algn="ctr">
+            <a:lvl3pPr marL="0" indent="0" algn="ctr">
               <a:lnSpc>
                 <a:spcPct val="80000"/>
               </a:lnSpc>
@@ -2609,14 +2681,14 @@
               </a:spcBef>
               <a:buSzTx/>
               <a:buNone/>
-              <a:defRPr sz="11600" spc="-232">
+              <a:defRPr spc="-232" sz="11600">
                 <a:latin typeface="Helvetica Neue Medium"/>
                 <a:ea typeface="Helvetica Neue Medium"/>
                 <a:cs typeface="Helvetica Neue Medium"/>
                 <a:sym typeface="Helvetica Neue Medium"/>
               </a:defRPr>
             </a:lvl3pPr>
-            <a:lvl4pPr marL="0" indent="1371600" algn="ctr">
+            <a:lvl4pPr marL="0" indent="0" algn="ctr">
               <a:lnSpc>
                 <a:spcPct val="80000"/>
               </a:lnSpc>
@@ -2625,14 +2697,14 @@
               </a:spcBef>
               <a:buSzTx/>
               <a:buNone/>
-              <a:defRPr sz="11600" spc="-232">
+              <a:defRPr spc="-232" sz="11600">
                 <a:latin typeface="Helvetica Neue Medium"/>
                 <a:ea typeface="Helvetica Neue Medium"/>
                 <a:cs typeface="Helvetica Neue Medium"/>
                 <a:sym typeface="Helvetica Neue Medium"/>
               </a:defRPr>
             </a:lvl4pPr>
-            <a:lvl5pPr marL="0" indent="1828800" algn="ctr">
+            <a:lvl5pPr marL="0" indent="0" algn="ctr">
               <a:lnSpc>
                 <a:spcPct val="80000"/>
               </a:lnSpc>
@@ -2641,7 +2713,7 @@
               </a:spcBef>
               <a:buSzTx/>
               <a:buNone/>
-              <a:defRPr sz="11600" spc="-232">
+              <a:defRPr spc="-232" sz="11600">
                 <a:latin typeface="Helvetica Neue Medium"/>
                 <a:ea typeface="Helvetica Neue Medium"/>
                 <a:cs typeface="Helvetica Neue Medium"/>
@@ -2650,34 +2722,41 @@
             </a:lvl5pPr>
           </a:lstStyle>
           <a:p>
+            <a:pPr/>
             <a:r>
               <a:t>Statement</a:t>
             </a:r>
           </a:p>
           <a:p>
             <a:pPr lvl="1"/>
-            <a:endParaRPr/>
+            <a:r>
+              <a:t/>
+            </a:r>
           </a:p>
           <a:p>
             <a:pPr lvl="2"/>
-            <a:endParaRPr/>
+            <a:r>
+              <a:t/>
+            </a:r>
           </a:p>
           <a:p>
             <a:pPr lvl="3"/>
-            <a:endParaRPr/>
+            <a:r>
+              <a:t/>
+            </a:r>
           </a:p>
           <a:p>
             <a:pPr lvl="4"/>
-            <a:endParaRPr/>
+            <a:r>
+              <a:t/>
+            </a:r>
           </a:p>
         </p:txBody>
       </p:sp>
       <p:sp>
         <p:nvSpPr>
-          <p:cNvPr id="99" name="Slide Number"/>
-          <p:cNvSpPr txBox="1">
-            <a:spLocks noGrp="1"/>
-          </p:cNvSpPr>
+          <p:cNvPr id="88" name="Slide Number"/>
+          <p:cNvSpPr txBox="1"/>
           <p:nvPr>
             <p:ph type="sldNum" sz="quarter" idx="2"/>
           </p:nvPr>
@@ -2691,10 +2770,8 @@
           <a:bodyPr/>
           <a:lstStyle/>
           <a:p>
-            <a:fld id="{86CB4B4D-7CA3-9044-876B-883B54F8677D}" type="slidenum">
-              <a:t>‹#›</a:t>
-            </a:fld>
-            <a:endParaRPr/>
+            <a:pPr/>
+            <a:fld id="{86CB4B4D-7CA3-9044-876B-883B54F8677D}" type="slidenum"/>
           </a:p>
         </p:txBody>
       </p:sp>
@@ -2703,23 +2780,22 @@
   <p:clrMapOvr>
     <a:masterClrMapping/>
   </p:clrMapOvr>
-  <p:transition spd="med"/>
+  <p:transition xmlns:p14="http://schemas.microsoft.com/office/powerpoint/2010/main" spd="med" advClick="1"/>
 </p:sldLayout>
 </file>
 
 <file path=ppt/slideMasters/slideMaster1.xml><?xml version="1.0" encoding="utf-8"?>
-<p:sldMaster xmlns:a="http://schemas.openxmlformats.org/drawingml/2006/main" xmlns:r="http://schemas.openxmlformats.org/officeDocument/2006/relationships" xmlns:p="http://schemas.openxmlformats.org/presentationml/2006/main">
+<p:sldMaster xmlns:a="http://schemas.openxmlformats.org/drawingml/2006/main" xmlns:r="http://schemas.openxmlformats.org/officeDocument/2006/relationships" xmlns:p="http://schemas.openxmlformats.org/presentationml/2006/main" xmlns:m="http://schemas.openxmlformats.org/officeDocument/2006/math" xmlns:a14="http://schemas.microsoft.com/office/drawing/2010/main">
   <p:cSld>
     <p:bg>
       <p:bgPr>
         <a:blipFill rotWithShape="1">
-          <a:blip r:embed="rId15"/>
-          <a:srcRect/>
+          <a:blip r:embed="rId2"/>
+          <a:srcRect l="0" t="0" r="0" b="0"/>
           <a:stretch>
             <a:fillRect/>
           </a:stretch>
         </a:blipFill>
-        <a:effectLst/>
       </p:bgPr>
     </p:bg>
     <p:spTree>
@@ -2738,18 +2814,16 @@
       </p:grpSpPr>
       <p:sp>
         <p:nvSpPr>
-          <p:cNvPr id="2" name="Slide Title"/>
-          <p:cNvSpPr txBox="1">
-            <a:spLocks noGrp="1"/>
-          </p:cNvSpPr>
+          <p:cNvPr id="2" name="Body Level One…"/>
+          <p:cNvSpPr txBox="1"/>
           <p:nvPr>
-            <p:ph type="title" hasCustomPrompt="1"/>
+            <p:ph type="body" idx="1" hasCustomPrompt="1"/>
           </p:nvPr>
         </p:nvSpPr>
         <p:spPr>
           <a:xfrm>
-            <a:off x="1206500" y="952500"/>
-            <a:ext cx="21971000" cy="1433163"/>
+            <a:off x="1206500" y="4248503"/>
+            <a:ext cx="21971000" cy="8256014"/>
           </a:xfrm>
           <a:prstGeom prst="rect">
             <a:avLst/>
@@ -2759,36 +2833,59 @@
           </a:ln>
           <a:extLst>
             <a:ext uri="{C572A759-6A51-4108-AA02-DFA0A04FC94B}">
-              <ma14:wrappingTextBoxFlag xmlns:ma14="http://schemas.microsoft.com/office/mac/drawingml/2011/main" xmlns:a14="http://schemas.microsoft.com/office/drawing/2010/main" xmlns:m="http://schemas.openxmlformats.org/officeDocument/2006/math" xmlns="" val="1"/>
+              <ma14:wrappingTextBoxFlag xmlns:ma14="http://schemas.microsoft.com/office/mac/drawingml/2011/main" val="1"/>
             </a:ext>
           </a:extLst>
         </p:spPr>
         <p:txBody>
-          <a:bodyPr lIns="50800" tIns="50800" rIns="50800" bIns="50800">
-            <a:normAutofit/>
+          <a:bodyPr lIns="50800" tIns="50800" rIns="50800" bIns="50800" numCol="2" spcCol="1098550">
+            <a:normAutofit fontScale="100000" lnSpcReduction="0"/>
           </a:bodyPr>
           <a:lstStyle/>
           <a:p>
-            <a:r>
-              <a:t>Slide Title</a:t>
+            <a:pPr/>
+            <a:r>
+              <a:t>Slide bullet text</a:t>
+            </a:r>
+          </a:p>
+          <a:p>
+            <a:pPr lvl="1"/>
+            <a:r>
+              <a:t/>
+            </a:r>
+          </a:p>
+          <a:p>
+            <a:pPr lvl="2"/>
+            <a:r>
+              <a:t/>
+            </a:r>
+          </a:p>
+          <a:p>
+            <a:pPr lvl="3"/>
+            <a:r>
+              <a:t/>
+            </a:r>
+          </a:p>
+          <a:p>
+            <a:pPr lvl="4"/>
+            <a:r>
+              <a:t/>
             </a:r>
           </a:p>
         </p:txBody>
       </p:sp>
       <p:sp>
         <p:nvSpPr>
-          <p:cNvPr id="3" name="Body Level One…"/>
-          <p:cNvSpPr txBox="1">
-            <a:spLocks noGrp="1"/>
-          </p:cNvSpPr>
+          <p:cNvPr id="3" name="Title Text"/>
+          <p:cNvSpPr txBox="1"/>
           <p:nvPr>
-            <p:ph type="body" idx="1" hasCustomPrompt="1"/>
+            <p:ph type="title"/>
           </p:nvPr>
         </p:nvSpPr>
         <p:spPr>
           <a:xfrm>
-            <a:off x="1206500" y="4248504"/>
-            <a:ext cx="21971000" cy="8256012"/>
+            <a:off x="3653366" y="2743200"/>
+            <a:ext cx="19507201" cy="1505304"/>
           </a:xfrm>
           <a:prstGeom prst="rect">
             <a:avLst/>
@@ -2798,44 +2895,27 @@
           </a:ln>
           <a:extLst>
             <a:ext uri="{C572A759-6A51-4108-AA02-DFA0A04FC94B}">
-              <ma14:wrappingTextBoxFlag xmlns:ma14="http://schemas.microsoft.com/office/mac/drawingml/2011/main" xmlns:a14="http://schemas.microsoft.com/office/drawing/2010/main" xmlns:m="http://schemas.openxmlformats.org/officeDocument/2006/math" xmlns="" val="1"/>
+              <ma14:wrappingTextBoxFlag xmlns:ma14="http://schemas.microsoft.com/office/mac/drawingml/2011/main" val="1"/>
             </a:ext>
           </a:extLst>
         </p:spPr>
         <p:txBody>
           <a:bodyPr lIns="50800" tIns="50800" rIns="50800" bIns="50800">
-            <a:normAutofit/>
+            <a:normAutofit fontScale="100000" lnSpcReduction="0"/>
           </a:bodyPr>
           <a:lstStyle/>
           <a:p>
-            <a:r>
-              <a:t>Slide bullet text</a:t>
-            </a:r>
-          </a:p>
-          <a:p>
-            <a:pPr lvl="1"/>
-            <a:endParaRPr/>
-          </a:p>
-          <a:p>
-            <a:pPr lvl="2"/>
-            <a:endParaRPr/>
-          </a:p>
-          <a:p>
-            <a:pPr lvl="3"/>
-            <a:endParaRPr/>
-          </a:p>
-          <a:p>
-            <a:pPr lvl="4"/>
-            <a:endParaRPr/>
+            <a:pPr/>
+            <a:r>
+              <a:t>Title Text</a:t>
+            </a:r>
           </a:p>
         </p:txBody>
       </p:sp>
       <p:sp>
         <p:nvSpPr>
           <p:cNvPr id="4" name="Slide Number"/>
-          <p:cNvSpPr txBox="1">
-            <a:spLocks noGrp="1"/>
-          </p:cNvSpPr>
+          <p:cNvSpPr txBox="1"/>
           <p:nvPr>
             <p:ph type="sldNum" sz="quarter" idx="2"/>
           </p:nvPr>
@@ -2858,14 +2938,16 @@
           </a:bodyPr>
           <a:lstStyle>
             <a:lvl1pPr defTabSz="584200">
-              <a:defRPr sz="1800"/>
+              <a:defRPr sz="1800">
+                <a:solidFill>
+                  <a:srgbClr val="FFFFFF"/>
+                </a:solidFill>
+              </a:defRPr>
             </a:lvl1pPr>
           </a:lstStyle>
           <a:p>
-            <a:fld id="{86CB4B4D-7CA3-9044-876B-883B54F8677D}" type="slidenum">
-              <a:t>‹#›</a:t>
-            </a:fld>
-            <a:endParaRPr/>
+            <a:pPr/>
+            <a:fld id="{86CB4B4D-7CA3-9044-876B-883B54F8677D}" type="slidenum"/>
           </a:p>
         </p:txBody>
       </p:sp>
@@ -2873,24 +2955,24 @@
   </p:cSld>
   <p:clrMap bg1="dk1" tx1="lt1" bg2="dk2" tx2="lt2" accent1="accent1" accent2="accent2" accent3="accent3" accent4="accent4" accent5="accent5" accent6="accent6" hlink="hlink" folHlink="folHlink"/>
   <p:sldLayoutIdLst>
-    <p:sldLayoutId id="2147483649" r:id="rId1"/>
-    <p:sldLayoutId id="2147483651" r:id="rId2"/>
-    <p:sldLayoutId id="2147483652" r:id="rId3"/>
-    <p:sldLayoutId id="2147483653" r:id="rId4"/>
-    <p:sldLayoutId id="2147483654" r:id="rId5"/>
-    <p:sldLayoutId id="2147483655" r:id="rId6"/>
-    <p:sldLayoutId id="2147483656" r:id="rId7"/>
-    <p:sldLayoutId id="2147483657" r:id="rId8"/>
-    <p:sldLayoutId id="2147483658" r:id="rId9"/>
-    <p:sldLayoutId id="2147483659" r:id="rId10"/>
-    <p:sldLayoutId id="2147483660" r:id="rId11"/>
-    <p:sldLayoutId id="2147483661" r:id="rId12"/>
-    <p:sldLayoutId id="2147483662" r:id="rId13"/>
+    <p:sldLayoutId id="2147483649" r:id="rId3"/>
+    <p:sldLayoutId id="2147483650" r:id="rId4"/>
+    <p:sldLayoutId id="2147483651" r:id="rId5"/>
+    <p:sldLayoutId id="2147483652" r:id="rId6"/>
+    <p:sldLayoutId id="2147483653" r:id="rId7"/>
+    <p:sldLayoutId id="2147483654" r:id="rId8"/>
+    <p:sldLayoutId id="2147483655" r:id="rId9"/>
+    <p:sldLayoutId id="2147483656" r:id="rId10"/>
+    <p:sldLayoutId id="2147483657" r:id="rId11"/>
+    <p:sldLayoutId id="2147483658" r:id="rId12"/>
+    <p:sldLayoutId id="2147483659" r:id="rId13"/>
+    <p:sldLayoutId id="2147483660" r:id="rId14"/>
+    <p:sldLayoutId id="2147483661" r:id="rId15"/>
   </p:sldLayoutIdLst>
-  <p:transition spd="med"/>
+  <p:transition xmlns:p14="http://schemas.microsoft.com/office/powerpoint/2010/main" spd="med" advClick="1"/>
   <p:txStyles>
     <p:titleStyle>
-      <a:lvl1pPr marL="0" marR="0" indent="0" algn="l" defTabSz="2438338" rtl="0" latinLnBrk="0">
+      <a:lvl1pPr marL="0" marR="0" indent="0" algn="l" defTabSz="2438337" rtl="0" latinLnBrk="0">
         <a:lnSpc>
           <a:spcPct val="80000"/>
         </a:lnSpc>
@@ -2905,7 +2987,7 @@
         <a:buFontTx/>
         <a:buNone/>
         <a:tabLst/>
-        <a:defRPr sz="8500" b="1" i="0" u="none" strike="noStrike" cap="none" spc="-170" baseline="0">
+        <a:defRPr b="1" baseline="0" cap="none" i="0" spc="-170" strike="noStrike" sz="8500" u="none">
           <a:solidFill>
             <a:srgbClr val="FFFFFF"/>
           </a:solidFill>
@@ -2916,7 +2998,7 @@
           <a:sym typeface="Helvetica Neue"/>
         </a:defRPr>
       </a:lvl1pPr>
-      <a:lvl2pPr marL="0" marR="0" indent="457200" algn="l" defTabSz="2438338" rtl="0" latinLnBrk="0">
+      <a:lvl2pPr marL="0" marR="0" indent="0" algn="l" defTabSz="2438337" rtl="0" latinLnBrk="0">
         <a:lnSpc>
           <a:spcPct val="80000"/>
         </a:lnSpc>
@@ -2931,7 +3013,7 @@
         <a:buFontTx/>
         <a:buNone/>
         <a:tabLst/>
-        <a:defRPr sz="8500" b="1" i="0" u="none" strike="noStrike" cap="none" spc="-170" baseline="0">
+        <a:defRPr b="1" baseline="0" cap="none" i="0" spc="-170" strike="noStrike" sz="8500" u="none">
           <a:solidFill>
             <a:srgbClr val="FFFFFF"/>
           </a:solidFill>
@@ -2942,7 +3024,7 @@
           <a:sym typeface="Helvetica Neue"/>
         </a:defRPr>
       </a:lvl2pPr>
-      <a:lvl3pPr marL="0" marR="0" indent="914400" algn="l" defTabSz="2438338" rtl="0" latinLnBrk="0">
+      <a:lvl3pPr marL="0" marR="0" indent="0" algn="l" defTabSz="2438337" rtl="0" latinLnBrk="0">
         <a:lnSpc>
           <a:spcPct val="80000"/>
         </a:lnSpc>
@@ -2957,7 +3039,7 @@
         <a:buFontTx/>
         <a:buNone/>
         <a:tabLst/>
-        <a:defRPr sz="8500" b="1" i="0" u="none" strike="noStrike" cap="none" spc="-170" baseline="0">
+        <a:defRPr b="1" baseline="0" cap="none" i="0" spc="-170" strike="noStrike" sz="8500" u="none">
           <a:solidFill>
             <a:srgbClr val="FFFFFF"/>
           </a:solidFill>
@@ -2968,7 +3050,7 @@
           <a:sym typeface="Helvetica Neue"/>
         </a:defRPr>
       </a:lvl3pPr>
-      <a:lvl4pPr marL="0" marR="0" indent="1371600" algn="l" defTabSz="2438338" rtl="0" latinLnBrk="0">
+      <a:lvl4pPr marL="0" marR="0" indent="0" algn="l" defTabSz="2438337" rtl="0" latinLnBrk="0">
         <a:lnSpc>
           <a:spcPct val="80000"/>
         </a:lnSpc>
@@ -2983,7 +3065,7 @@
         <a:buFontTx/>
         <a:buNone/>
         <a:tabLst/>
-        <a:defRPr sz="8500" b="1" i="0" u="none" strike="noStrike" cap="none" spc="-170" baseline="0">
+        <a:defRPr b="1" baseline="0" cap="none" i="0" spc="-170" strike="noStrike" sz="8500" u="none">
           <a:solidFill>
             <a:srgbClr val="FFFFFF"/>
           </a:solidFill>
@@ -2994,7 +3076,7 @@
           <a:sym typeface="Helvetica Neue"/>
         </a:defRPr>
       </a:lvl4pPr>
-      <a:lvl5pPr marL="0" marR="0" indent="1828800" algn="l" defTabSz="2438338" rtl="0" latinLnBrk="0">
+      <a:lvl5pPr marL="0" marR="0" indent="0" algn="l" defTabSz="2438337" rtl="0" latinLnBrk="0">
         <a:lnSpc>
           <a:spcPct val="80000"/>
         </a:lnSpc>
@@ -3009,7 +3091,7 @@
         <a:buFontTx/>
         <a:buNone/>
         <a:tabLst/>
-        <a:defRPr sz="8500" b="1" i="0" u="none" strike="noStrike" cap="none" spc="-170" baseline="0">
+        <a:defRPr b="1" baseline="0" cap="none" i="0" spc="-170" strike="noStrike" sz="8500" u="none">
           <a:solidFill>
             <a:srgbClr val="FFFFFF"/>
           </a:solidFill>
@@ -3020,7 +3102,7 @@
           <a:sym typeface="Helvetica Neue"/>
         </a:defRPr>
       </a:lvl5pPr>
-      <a:lvl6pPr marL="0" marR="0" indent="2286000" algn="l" defTabSz="2438338" rtl="0" latinLnBrk="0">
+      <a:lvl6pPr marL="0" marR="0" indent="0" algn="l" defTabSz="2438337" rtl="0" latinLnBrk="0">
         <a:lnSpc>
           <a:spcPct val="80000"/>
         </a:lnSpc>
@@ -3035,7 +3117,7 @@
         <a:buFontTx/>
         <a:buNone/>
         <a:tabLst/>
-        <a:defRPr sz="8500" b="1" i="0" u="none" strike="noStrike" cap="none" spc="-170" baseline="0">
+        <a:defRPr b="1" baseline="0" cap="none" i="0" spc="-170" strike="noStrike" sz="8500" u="none">
           <a:solidFill>
             <a:srgbClr val="FFFFFF"/>
           </a:solidFill>
@@ -3046,7 +3128,7 @@
           <a:sym typeface="Helvetica Neue"/>
         </a:defRPr>
       </a:lvl6pPr>
-      <a:lvl7pPr marL="0" marR="0" indent="2743200" algn="l" defTabSz="2438338" rtl="0" latinLnBrk="0">
+      <a:lvl7pPr marL="0" marR="0" indent="0" algn="l" defTabSz="2438337" rtl="0" latinLnBrk="0">
         <a:lnSpc>
           <a:spcPct val="80000"/>
         </a:lnSpc>
@@ -3061,7 +3143,7 @@
         <a:buFontTx/>
         <a:buNone/>
         <a:tabLst/>
-        <a:defRPr sz="8500" b="1" i="0" u="none" strike="noStrike" cap="none" spc="-170" baseline="0">
+        <a:defRPr b="1" baseline="0" cap="none" i="0" spc="-170" strike="noStrike" sz="8500" u="none">
           <a:solidFill>
             <a:srgbClr val="FFFFFF"/>
           </a:solidFill>
@@ -3072,7 +3154,7 @@
           <a:sym typeface="Helvetica Neue"/>
         </a:defRPr>
       </a:lvl7pPr>
-      <a:lvl8pPr marL="0" marR="0" indent="3200400" algn="l" defTabSz="2438338" rtl="0" latinLnBrk="0">
+      <a:lvl8pPr marL="0" marR="0" indent="0" algn="l" defTabSz="2438337" rtl="0" latinLnBrk="0">
         <a:lnSpc>
           <a:spcPct val="80000"/>
         </a:lnSpc>
@@ -3087,7 +3169,7 @@
         <a:buFontTx/>
         <a:buNone/>
         <a:tabLst/>
-        <a:defRPr sz="8500" b="1" i="0" u="none" strike="noStrike" cap="none" spc="-170" baseline="0">
+        <a:defRPr b="1" baseline="0" cap="none" i="0" spc="-170" strike="noStrike" sz="8500" u="none">
           <a:solidFill>
             <a:srgbClr val="FFFFFF"/>
           </a:solidFill>
@@ -3098,7 +3180,7 @@
           <a:sym typeface="Helvetica Neue"/>
         </a:defRPr>
       </a:lvl8pPr>
-      <a:lvl9pPr marL="0" marR="0" indent="3657600" algn="l" defTabSz="2438338" rtl="0" latinLnBrk="0">
+      <a:lvl9pPr marL="0" marR="0" indent="0" algn="l" defTabSz="2438337" rtl="0" latinLnBrk="0">
         <a:lnSpc>
           <a:spcPct val="80000"/>
         </a:lnSpc>
@@ -3113,7 +3195,7 @@
         <a:buFontTx/>
         <a:buNone/>
         <a:tabLst/>
-        <a:defRPr sz="8500" b="1" i="0" u="none" strike="noStrike" cap="none" spc="-170" baseline="0">
+        <a:defRPr b="1" baseline="0" cap="none" i="0" spc="-170" strike="noStrike" sz="8500" u="none">
           <a:solidFill>
             <a:srgbClr val="FFFFFF"/>
           </a:solidFill>
@@ -3126,7 +3208,7 @@
       </a:lvl9pPr>
     </p:titleStyle>
     <p:bodyStyle>
-      <a:lvl1pPr marL="609600" marR="0" indent="-609600" algn="l" defTabSz="2438338" rtl="0" latinLnBrk="0">
+      <a:lvl1pPr marL="609600" marR="0" indent="-609600" algn="l" defTabSz="2438337" rtl="0" latinLnBrk="0">
         <a:lnSpc>
           <a:spcPct val="90000"/>
         </a:lnSpc>
@@ -3141,7 +3223,7 @@
         <a:buFontTx/>
         <a:buChar char="•"/>
         <a:tabLst/>
-        <a:defRPr sz="4800" b="0" i="0" u="none" strike="noStrike" cap="none" spc="0" baseline="0">
+        <a:defRPr b="0" baseline="0" cap="none" i="0" spc="0" strike="noStrike" sz="4800" u="none">
           <a:solidFill>
             <a:srgbClr val="FFFFFF"/>
           </a:solidFill>
@@ -3152,7 +3234,7 @@
           <a:sym typeface="Helvetica Neue"/>
         </a:defRPr>
       </a:lvl1pPr>
-      <a:lvl2pPr marL="1219200" marR="0" indent="-609600" algn="l" defTabSz="2438338" rtl="0" latinLnBrk="0">
+      <a:lvl2pPr marL="1219200" marR="0" indent="-609600" algn="l" defTabSz="2438337" rtl="0" latinLnBrk="0">
         <a:lnSpc>
           <a:spcPct val="90000"/>
         </a:lnSpc>
@@ -3167,7 +3249,7 @@
         <a:buFontTx/>
         <a:buChar char="•"/>
         <a:tabLst/>
-        <a:defRPr sz="4800" b="0" i="0" u="none" strike="noStrike" cap="none" spc="0" baseline="0">
+        <a:defRPr b="0" baseline="0" cap="none" i="0" spc="0" strike="noStrike" sz="4800" u="none">
           <a:solidFill>
             <a:srgbClr val="FFFFFF"/>
           </a:solidFill>
@@ -3178,7 +3260,7 @@
           <a:sym typeface="Helvetica Neue"/>
         </a:defRPr>
       </a:lvl2pPr>
-      <a:lvl3pPr marL="1828800" marR="0" indent="-609600" algn="l" defTabSz="2438338" rtl="0" latinLnBrk="0">
+      <a:lvl3pPr marL="1828800" marR="0" indent="-609600" algn="l" defTabSz="2438337" rtl="0" latinLnBrk="0">
         <a:lnSpc>
           <a:spcPct val="90000"/>
         </a:lnSpc>
@@ -3193,7 +3275,7 @@
         <a:buFontTx/>
         <a:buChar char="•"/>
         <a:tabLst/>
-        <a:defRPr sz="4800" b="0" i="0" u="none" strike="noStrike" cap="none" spc="0" baseline="0">
+        <a:defRPr b="0" baseline="0" cap="none" i="0" spc="0" strike="noStrike" sz="4800" u="none">
           <a:solidFill>
             <a:srgbClr val="FFFFFF"/>
           </a:solidFill>
@@ -3204,7 +3286,7 @@
           <a:sym typeface="Helvetica Neue"/>
         </a:defRPr>
       </a:lvl3pPr>
-      <a:lvl4pPr marL="2438400" marR="0" indent="-609600" algn="l" defTabSz="2438338" rtl="0" latinLnBrk="0">
+      <a:lvl4pPr marL="2438400" marR="0" indent="-609600" algn="l" defTabSz="2438337" rtl="0" latinLnBrk="0">
         <a:lnSpc>
           <a:spcPct val="90000"/>
         </a:lnSpc>
@@ -3219,7 +3301,7 @@
         <a:buFontTx/>
         <a:buChar char="•"/>
         <a:tabLst/>
-        <a:defRPr sz="4800" b="0" i="0" u="none" strike="noStrike" cap="none" spc="0" baseline="0">
+        <a:defRPr b="0" baseline="0" cap="none" i="0" spc="0" strike="noStrike" sz="4800" u="none">
           <a:solidFill>
             <a:srgbClr val="FFFFFF"/>
           </a:solidFill>
@@ -3230,7 +3312,7 @@
           <a:sym typeface="Helvetica Neue"/>
         </a:defRPr>
       </a:lvl4pPr>
-      <a:lvl5pPr marL="3048000" marR="0" indent="-609600" algn="l" defTabSz="2438338" rtl="0" latinLnBrk="0">
+      <a:lvl5pPr marL="3048000" marR="0" indent="-609600" algn="l" defTabSz="2438337" rtl="0" latinLnBrk="0">
         <a:lnSpc>
           <a:spcPct val="90000"/>
         </a:lnSpc>
@@ -3245,7 +3327,7 @@
         <a:buFontTx/>
         <a:buChar char="•"/>
         <a:tabLst/>
-        <a:defRPr sz="4800" b="0" i="0" u="none" strike="noStrike" cap="none" spc="0" baseline="0">
+        <a:defRPr b="0" baseline="0" cap="none" i="0" spc="0" strike="noStrike" sz="4800" u="none">
           <a:solidFill>
             <a:srgbClr val="FFFFFF"/>
           </a:solidFill>
@@ -3256,7 +3338,7 @@
           <a:sym typeface="Helvetica Neue"/>
         </a:defRPr>
       </a:lvl5pPr>
-      <a:lvl6pPr marL="3657600" marR="0" indent="-609600" algn="l" defTabSz="2438338" rtl="0" latinLnBrk="0">
+      <a:lvl6pPr marL="3657600" marR="0" indent="-609600" algn="l" defTabSz="2438337" rtl="0" latinLnBrk="0">
         <a:lnSpc>
           <a:spcPct val="90000"/>
         </a:lnSpc>
@@ -3271,7 +3353,7 @@
         <a:buFontTx/>
         <a:buChar char="•"/>
         <a:tabLst/>
-        <a:defRPr sz="4800" b="0" i="0" u="none" strike="noStrike" cap="none" spc="0" baseline="0">
+        <a:defRPr b="0" baseline="0" cap="none" i="0" spc="0" strike="noStrike" sz="4800" u="none">
           <a:solidFill>
             <a:srgbClr val="FFFFFF"/>
           </a:solidFill>
@@ -3282,7 +3364,7 @@
           <a:sym typeface="Helvetica Neue"/>
         </a:defRPr>
       </a:lvl6pPr>
-      <a:lvl7pPr marL="4267200" marR="0" indent="-609600" algn="l" defTabSz="2438338" rtl="0" latinLnBrk="0">
+      <a:lvl7pPr marL="4267200" marR="0" indent="-609600" algn="l" defTabSz="2438337" rtl="0" latinLnBrk="0">
         <a:lnSpc>
           <a:spcPct val="90000"/>
         </a:lnSpc>
@@ -3297,7 +3379,7 @@
         <a:buFontTx/>
         <a:buChar char="•"/>
         <a:tabLst/>
-        <a:defRPr sz="4800" b="0" i="0" u="none" strike="noStrike" cap="none" spc="0" baseline="0">
+        <a:defRPr b="0" baseline="0" cap="none" i="0" spc="0" strike="noStrike" sz="4800" u="none">
           <a:solidFill>
             <a:srgbClr val="FFFFFF"/>
           </a:solidFill>
@@ -3308,7 +3390,7 @@
           <a:sym typeface="Helvetica Neue"/>
         </a:defRPr>
       </a:lvl7pPr>
-      <a:lvl8pPr marL="4876800" marR="0" indent="-609600" algn="l" defTabSz="2438338" rtl="0" latinLnBrk="0">
+      <a:lvl8pPr marL="4876800" marR="0" indent="-609600" algn="l" defTabSz="2438337" rtl="0" latinLnBrk="0">
         <a:lnSpc>
           <a:spcPct val="90000"/>
         </a:lnSpc>
@@ -3323,7 +3405,7 @@
         <a:buFontTx/>
         <a:buChar char="•"/>
         <a:tabLst/>
-        <a:defRPr sz="4800" b="0" i="0" u="none" strike="noStrike" cap="none" spc="0" baseline="0">
+        <a:defRPr b="0" baseline="0" cap="none" i="0" spc="0" strike="noStrike" sz="4800" u="none">
           <a:solidFill>
             <a:srgbClr val="FFFFFF"/>
           </a:solidFill>
@@ -3334,7 +3416,7 @@
           <a:sym typeface="Helvetica Neue"/>
         </a:defRPr>
       </a:lvl8pPr>
-      <a:lvl9pPr marL="5486400" marR="0" indent="-609600" algn="l" defTabSz="2438338" rtl="0" latinLnBrk="0">
+      <a:lvl9pPr marL="5486400" marR="0" indent="-609600" algn="l" defTabSz="2438337" rtl="0" latinLnBrk="0">
         <a:lnSpc>
           <a:spcPct val="90000"/>
         </a:lnSpc>
@@ -3349,7 +3431,7 @@
         <a:buFontTx/>
         <a:buChar char="•"/>
         <a:tabLst/>
-        <a:defRPr sz="4800" b="0" i="0" u="none" strike="noStrike" cap="none" spc="0" baseline="0">
+        <a:defRPr b="0" baseline="0" cap="none" i="0" spc="0" strike="noStrike" sz="4800" u="none">
           <a:solidFill>
             <a:srgbClr val="FFFFFF"/>
           </a:solidFill>
@@ -3377,7 +3459,7 @@
         <a:buFontTx/>
         <a:buNone/>
         <a:tabLst/>
-        <a:defRPr sz="1800" b="0" i="0" u="none" strike="noStrike" cap="none" spc="0" baseline="0">
+        <a:defRPr b="0" baseline="0" cap="none" i="0" spc="0" strike="noStrike" sz="1800" u="none">
           <a:solidFill>
             <a:schemeClr val="tx1"/>
           </a:solidFill>
@@ -3388,7 +3470,7 @@
           <a:sym typeface="Helvetica Neue"/>
         </a:defRPr>
       </a:lvl1pPr>
-      <a:lvl2pPr marL="0" marR="0" indent="457200" algn="ctr" defTabSz="584200" rtl="0" latinLnBrk="0">
+      <a:lvl2pPr marL="0" marR="0" indent="0" algn="ctr" defTabSz="584200" rtl="0" latinLnBrk="0">
         <a:lnSpc>
           <a:spcPct val="100000"/>
         </a:lnSpc>
@@ -3403,7 +3485,7 @@
         <a:buFontTx/>
         <a:buNone/>
         <a:tabLst/>
-        <a:defRPr sz="1800" b="0" i="0" u="none" strike="noStrike" cap="none" spc="0" baseline="0">
+        <a:defRPr b="0" baseline="0" cap="none" i="0" spc="0" strike="noStrike" sz="1800" u="none">
           <a:solidFill>
             <a:schemeClr val="tx1"/>
           </a:solidFill>
@@ -3414,7 +3496,7 @@
           <a:sym typeface="Helvetica Neue"/>
         </a:defRPr>
       </a:lvl2pPr>
-      <a:lvl3pPr marL="0" marR="0" indent="914400" algn="ctr" defTabSz="584200" rtl="0" latinLnBrk="0">
+      <a:lvl3pPr marL="0" marR="0" indent="0" algn="ctr" defTabSz="584200" rtl="0" latinLnBrk="0">
         <a:lnSpc>
           <a:spcPct val="100000"/>
         </a:lnSpc>
@@ -3429,7 +3511,7 @@
         <a:buFontTx/>
         <a:buNone/>
         <a:tabLst/>
-        <a:defRPr sz="1800" b="0" i="0" u="none" strike="noStrike" cap="none" spc="0" baseline="0">
+        <a:defRPr b="0" baseline="0" cap="none" i="0" spc="0" strike="noStrike" sz="1800" u="none">
           <a:solidFill>
             <a:schemeClr val="tx1"/>
           </a:solidFill>
@@ -3440,7 +3522,7 @@
           <a:sym typeface="Helvetica Neue"/>
         </a:defRPr>
       </a:lvl3pPr>
-      <a:lvl4pPr marL="0" marR="0" indent="1371600" algn="ctr" defTabSz="584200" rtl="0" latinLnBrk="0">
+      <a:lvl4pPr marL="0" marR="0" indent="0" algn="ctr" defTabSz="584200" rtl="0" latinLnBrk="0">
         <a:lnSpc>
           <a:spcPct val="100000"/>
         </a:lnSpc>
@@ -3455,7 +3537,7 @@
         <a:buFontTx/>
         <a:buNone/>
         <a:tabLst/>
-        <a:defRPr sz="1800" b="0" i="0" u="none" strike="noStrike" cap="none" spc="0" baseline="0">
+        <a:defRPr b="0" baseline="0" cap="none" i="0" spc="0" strike="noStrike" sz="1800" u="none">
           <a:solidFill>
             <a:schemeClr val="tx1"/>
           </a:solidFill>
@@ -3466,7 +3548,7 @@
           <a:sym typeface="Helvetica Neue"/>
         </a:defRPr>
       </a:lvl4pPr>
-      <a:lvl5pPr marL="0" marR="0" indent="1828800" algn="ctr" defTabSz="584200" rtl="0" latinLnBrk="0">
+      <a:lvl5pPr marL="0" marR="0" indent="0" algn="ctr" defTabSz="584200" rtl="0" latinLnBrk="0">
         <a:lnSpc>
           <a:spcPct val="100000"/>
         </a:lnSpc>
@@ -3481,7 +3563,7 @@
         <a:buFontTx/>
         <a:buNone/>
         <a:tabLst/>
-        <a:defRPr sz="1800" b="0" i="0" u="none" strike="noStrike" cap="none" spc="0" baseline="0">
+        <a:defRPr b="0" baseline="0" cap="none" i="0" spc="0" strike="noStrike" sz="1800" u="none">
           <a:solidFill>
             <a:schemeClr val="tx1"/>
           </a:solidFill>
@@ -3492,7 +3574,7 @@
           <a:sym typeface="Helvetica Neue"/>
         </a:defRPr>
       </a:lvl5pPr>
-      <a:lvl6pPr marL="0" marR="0" indent="2286000" algn="ctr" defTabSz="584200" rtl="0" latinLnBrk="0">
+      <a:lvl6pPr marL="0" marR="0" indent="0" algn="ctr" defTabSz="584200" rtl="0" latinLnBrk="0">
         <a:lnSpc>
           <a:spcPct val="100000"/>
         </a:lnSpc>
@@ -3507,7 +3589,7 @@
         <a:buFontTx/>
         <a:buNone/>
         <a:tabLst/>
-        <a:defRPr sz="1800" b="0" i="0" u="none" strike="noStrike" cap="none" spc="0" baseline="0">
+        <a:defRPr b="0" baseline="0" cap="none" i="0" spc="0" strike="noStrike" sz="1800" u="none">
           <a:solidFill>
             <a:schemeClr val="tx1"/>
           </a:solidFill>
@@ -3518,7 +3600,7 @@
           <a:sym typeface="Helvetica Neue"/>
         </a:defRPr>
       </a:lvl6pPr>
-      <a:lvl7pPr marL="0" marR="0" indent="2743200" algn="ctr" defTabSz="584200" rtl="0" latinLnBrk="0">
+      <a:lvl7pPr marL="0" marR="0" indent="0" algn="ctr" defTabSz="584200" rtl="0" latinLnBrk="0">
         <a:lnSpc>
           <a:spcPct val="100000"/>
         </a:lnSpc>
@@ -3533,7 +3615,7 @@
         <a:buFontTx/>
         <a:buNone/>
         <a:tabLst/>
-        <a:defRPr sz="1800" b="0" i="0" u="none" strike="noStrike" cap="none" spc="0" baseline="0">
+        <a:defRPr b="0" baseline="0" cap="none" i="0" spc="0" strike="noStrike" sz="1800" u="none">
           <a:solidFill>
             <a:schemeClr val="tx1"/>
           </a:solidFill>
@@ -3544,7 +3626,7 @@
           <a:sym typeface="Helvetica Neue"/>
         </a:defRPr>
       </a:lvl7pPr>
-      <a:lvl8pPr marL="0" marR="0" indent="3200400" algn="ctr" defTabSz="584200" rtl="0" latinLnBrk="0">
+      <a:lvl8pPr marL="0" marR="0" indent="0" algn="ctr" defTabSz="584200" rtl="0" latinLnBrk="0">
         <a:lnSpc>
           <a:spcPct val="100000"/>
         </a:lnSpc>
@@ -3559,7 +3641,7 @@
         <a:buFontTx/>
         <a:buNone/>
         <a:tabLst/>
-        <a:defRPr sz="1800" b="0" i="0" u="none" strike="noStrike" cap="none" spc="0" baseline="0">
+        <a:defRPr b="0" baseline="0" cap="none" i="0" spc="0" strike="noStrike" sz="1800" u="none">
           <a:solidFill>
             <a:schemeClr val="tx1"/>
           </a:solidFill>
@@ -3570,7 +3652,7 @@
           <a:sym typeface="Helvetica Neue"/>
         </a:defRPr>
       </a:lvl8pPr>
-      <a:lvl9pPr marL="0" marR="0" indent="3657600" algn="ctr" defTabSz="584200" rtl="0" latinLnBrk="0">
+      <a:lvl9pPr marL="0" marR="0" indent="0" algn="ctr" defTabSz="584200" rtl="0" latinLnBrk="0">
         <a:lnSpc>
           <a:spcPct val="100000"/>
         </a:lnSpc>
@@ -3585,7 +3667,7 @@
         <a:buFontTx/>
         <a:buNone/>
         <a:tabLst/>
-        <a:defRPr sz="1800" b="0" i="0" u="none" strike="noStrike" cap="none" spc="0" baseline="0">
+        <a:defRPr b="0" baseline="0" cap="none" i="0" spc="0" strike="noStrike" sz="1800" u="none">
           <a:solidFill>
             <a:schemeClr val="tx1"/>
           </a:solidFill>
@@ -3602,7 +3684,7 @@
 </file>
 
 <file path=ppt/slides/slide1.xml><?xml version="1.0" encoding="utf-8"?>
-<p:sld xmlns:a="http://schemas.openxmlformats.org/drawingml/2006/main" xmlns:r="http://schemas.openxmlformats.org/officeDocument/2006/relationships" xmlns:p="http://schemas.openxmlformats.org/presentationml/2006/main">
+<p:sld xmlns:a="http://schemas.openxmlformats.org/drawingml/2006/main" xmlns:r="http://schemas.openxmlformats.org/officeDocument/2006/relationships" xmlns:p="http://schemas.openxmlformats.org/presentationml/2006/main" xmlns:m="http://schemas.openxmlformats.org/officeDocument/2006/math" xmlns:a14="http://schemas.microsoft.com/office/drawing/2010/main" showMasterSp="1" showMasterPhAnim="1">
   <p:cSld>
     <p:spTree>
       <p:nvGrpSpPr>
@@ -3620,54 +3702,16 @@
       </p:grpSpPr>
       <p:sp>
         <p:nvSpPr>
-          <p:cNvPr id="151" name="Author and Date"/>
-          <p:cNvSpPr txBox="1">
-            <a:spLocks noGrp="1"/>
-          </p:cNvSpPr>
+          <p:cNvPr id="133" name="Mohammed Haider Abbas  Muhammad Ahsan"/>
+          <p:cNvSpPr txBox="1"/>
           <p:nvPr>
-            <p:ph type="body" idx="21"/>
+            <p:ph type="body" sz="quarter" idx="1"/>
           </p:nvPr>
         </p:nvSpPr>
         <p:spPr>
           <a:xfrm>
-            <a:off x="6210229" y="11569960"/>
-            <a:ext cx="12395011" cy="1073113"/>
-          </a:xfrm>
-          <a:prstGeom prst="rect">
-            <a:avLst/>
-          </a:prstGeom>
-        </p:spPr>
-        <p:txBody>
-          <a:bodyPr>
-            <a:normAutofit/>
-          </a:bodyPr>
-          <a:lstStyle/>
-          <a:p>
-            <a:pPr defTabSz="619125">
-              <a:defRPr sz="4125"/>
-            </a:pPr>
-            <a:r>
-              <a:rPr lang="en-US" dirty="0"/>
-              <a:t>Muhammad Haider Abbas – Muhammad Ahsan</a:t>
-            </a:r>
-            <a:endParaRPr dirty="0"/>
-          </a:p>
-        </p:txBody>
-      </p:sp>
-      <p:sp>
-        <p:nvSpPr>
-          <p:cNvPr id="152" name="Presentation Title"/>
-          <p:cNvSpPr txBox="1">
-            <a:spLocks noGrp="1"/>
-          </p:cNvSpPr>
-          <p:nvPr>
-            <p:ph type="ctrTitle"/>
-          </p:nvPr>
-        </p:nvSpPr>
-        <p:spPr>
-          <a:xfrm>
-            <a:off x="1206500" y="386964"/>
-            <a:ext cx="21971004" cy="3718506"/>
+            <a:off x="1206498" y="10805012"/>
+            <a:ext cx="21971004" cy="1860026"/>
           </a:xfrm>
           <a:prstGeom prst="rect">
             <a:avLst/>
@@ -3679,64 +3723,101 @@
           <a:p>
             <a:pPr algn="ctr"/>
             <a:r>
-              <a:rPr lang="en-US" dirty="0"/>
-              <a:t>Reinforcement Learning Project</a:t>
-            </a:r>
-            <a:br>
-              <a:rPr lang="en-US" dirty="0"/>
-            </a:br>
-            <a:r>
-              <a:rPr lang="en-US" dirty="0"/>
-              <a:t>CS-352</a:t>
-            </a:r>
-            <a:endParaRPr dirty="0"/>
+              <a:t>Mohammed Haider Abbas </a:t>
+            </a:r>
+            <a:br/>
+            <a:r>
+              <a:t>Muhammad Ahsan</a:t>
+            </a:r>
           </a:p>
         </p:txBody>
       </p:sp>
       <p:sp>
         <p:nvSpPr>
-          <p:cNvPr id="153" name="Presentation Subtitle"/>
-          <p:cNvSpPr txBox="1">
-            <a:spLocks noGrp="1"/>
-          </p:cNvSpPr>
+          <p:cNvPr id="134" name="Impact of Learning Rate in Q-Learning"/>
+          <p:cNvSpPr txBox="1"/>
           <p:nvPr>
-            <p:ph type="subTitle" sz="quarter" idx="1"/>
+            <p:ph type="title"/>
           </p:nvPr>
         </p:nvSpPr>
         <p:spPr>
+          <a:xfrm>
+            <a:off x="1206497" y="5927987"/>
+            <a:ext cx="21971006" cy="1860026"/>
+          </a:xfrm>
           <a:prstGeom prst="rect">
             <a:avLst/>
           </a:prstGeom>
         </p:spPr>
         <p:txBody>
           <a:bodyPr/>
+          <a:lstStyle>
+            <a:lvl1pPr defTabSz="2438338">
+              <a:defRPr spc="-194" sz="9700"/>
+            </a:lvl1pPr>
+          </a:lstStyle>
+          <a:p>
+            <a:pPr/>
+            <a:r>
+              <a:t>Impact of Learning Rate in Q-Learning</a:t>
+            </a:r>
+          </a:p>
+        </p:txBody>
+      </p:sp>
+      <p:sp>
+        <p:nvSpPr>
+          <p:cNvPr id="135" name="Body Level One…"/>
+          <p:cNvSpPr txBox="1"/>
+          <p:nvPr>
+            <p:ph type="body" idx="21"/>
+          </p:nvPr>
+        </p:nvSpPr>
+        <p:spPr>
+          <a:xfrm>
+            <a:off x="1206500" y="848368"/>
+            <a:ext cx="21971001" cy="2625295"/>
+          </a:xfrm>
+          <a:prstGeom prst="rect">
+            <a:avLst/>
+          </a:prstGeom>
+          <a:extLst>
+            <a:ext uri="{C572A759-6A51-4108-AA02-DFA0A04FC94B}">
+              <ma14:wrappingTextBoxFlag xmlns:ma14="http://schemas.microsoft.com/office/mac/drawingml/2011/main" val="1"/>
+            </a:ext>
+          </a:extLst>
+        </p:spPr>
+        <p:txBody>
+          <a:bodyPr/>
           <a:lstStyle/>
           <a:p>
-            <a:pPr algn="ctr"/>
-            <a:r>
-              <a:rPr lang="en-US" b="0" i="0" dirty="0">
-                <a:solidFill>
-                  <a:srgbClr val="E6EDF3"/>
-                </a:solidFill>
-                <a:effectLst/>
-                <a:latin typeface="-apple-system"/>
-              </a:rPr>
-              <a:t>Implementing Q-learning algorithm on the Taxi learning problem</a:t>
-            </a:r>
-          </a:p>
-          <a:p>
-            <a:pPr algn="ctr"/>
-            <a:r>
-              <a:rPr lang="en-US" b="0" i="0" dirty="0">
-                <a:solidFill>
-                  <a:srgbClr val="E6EDF3"/>
-                </a:solidFill>
-                <a:effectLst/>
-                <a:latin typeface="-apple-system"/>
-              </a:rPr>
-              <a:t> Analyzing it for various values of α (Learning rate)</a:t>
-            </a:r>
-            <a:endParaRPr dirty="0"/>
+            <a:pPr algn="ctr" defTabSz="1316702">
+              <a:lnSpc>
+                <a:spcPct val="80000"/>
+              </a:lnSpc>
+              <a:defRPr b="0" spc="-162" sz="6264"/>
+            </a:pPr>
+            <a:r>
+              <a:t>CS 352 - Introduction to Reinforcement Learning</a:t>
+            </a:r>
+          </a:p>
+          <a:p>
+            <a:pPr algn="ctr" defTabSz="1316702">
+              <a:lnSpc>
+                <a:spcPct val="80000"/>
+              </a:lnSpc>
+              <a:defRPr b="0" spc="-162" sz="6264"/>
+            </a:pPr>
+          </a:p>
+          <a:p>
+            <a:pPr algn="ctr" defTabSz="1316702">
+              <a:lnSpc>
+                <a:spcPct val="80000"/>
+              </a:lnSpc>
+              <a:defRPr b="0" spc="-162" sz="6264"/>
+            </a:pPr>
+            <a:r>
+              <a:t>Course Project Presentation</a:t>
+            </a:r>
           </a:p>
         </p:txBody>
       </p:sp>
@@ -3745,12 +3826,12 @@
   <p:clrMapOvr>
     <a:masterClrMapping/>
   </p:clrMapOvr>
-  <p:transition spd="med"/>
+  <p:transition xmlns:p14="http://schemas.microsoft.com/office/powerpoint/2010/main" spd="med" advClick="1"/>
 </p:sld>
 </file>
 
-<file path=ppt/slides/slide2.xml><?xml version="1.0" encoding="utf-8"?>
-<p:sld xmlns:a="http://schemas.openxmlformats.org/drawingml/2006/main" xmlns:r="http://schemas.openxmlformats.org/officeDocument/2006/relationships" xmlns:p="http://schemas.openxmlformats.org/presentationml/2006/main">
+<file path=ppt/slides/slide10.xml><?xml version="1.0" encoding="utf-8"?>
+<p:sld xmlns:a="http://schemas.openxmlformats.org/drawingml/2006/main" xmlns:r="http://schemas.openxmlformats.org/officeDocument/2006/relationships" xmlns:p="http://schemas.openxmlformats.org/presentationml/2006/main" xmlns:m="http://schemas.openxmlformats.org/officeDocument/2006/math" xmlns:a14="http://schemas.microsoft.com/office/drawing/2010/main" showMasterSp="1" showMasterPhAnim="1">
   <p:cSld>
     <p:spTree>
       <p:nvGrpSpPr>
@@ -3768,216 +3849,39 @@
       </p:grpSpPr>
       <p:sp>
         <p:nvSpPr>
-          <p:cNvPr id="3" name="Title 2">
-            <a:extLst>
-              <a:ext uri="{FF2B5EF4-FFF2-40B4-BE49-F238E27FC236}">
-                <a16:creationId xmlns:a16="http://schemas.microsoft.com/office/drawing/2014/main" id="{E3B7CEBF-AF38-C6E9-DBAD-A29B618E83D8}"/>
-              </a:ext>
-            </a:extLst>
-          </p:cNvPr>
-          <p:cNvSpPr>
-            <a:spLocks noGrp="1"/>
-          </p:cNvSpPr>
+          <p:cNvPr id="155" name="Thank you!"/>
+          <p:cNvSpPr txBox="1"/>
           <p:nvPr>
-            <p:ph type="title"/>
+            <p:ph type="body" sz="half" idx="1"/>
           </p:nvPr>
         </p:nvSpPr>
         <p:spPr>
-          <a:xfrm>
-            <a:off x="1663696" y="615562"/>
-            <a:ext cx="21971004" cy="2818103"/>
-          </a:xfrm>
+          <a:prstGeom prst="rect">
+            <a:avLst/>
+          </a:prstGeom>
         </p:spPr>
         <p:txBody>
-          <a:bodyPr>
-            <a:normAutofit/>
-          </a:bodyPr>
+          <a:bodyPr/>
           <a:lstStyle/>
           <a:p>
-            <a:pPr algn="ctr"/>
-            <a:r>
-              <a:rPr lang="en-US" sz="9600" b="0" dirty="0">
-                <a:solidFill>
-                  <a:srgbClr val="D1D5DB"/>
-                </a:solidFill>
-                <a:latin typeface="Söhne"/>
-              </a:rPr>
-              <a:t>I</a:t>
-            </a:r>
-            <a:r>
-              <a:rPr lang="en-US" sz="9600" b="0" i="0" dirty="0">
-                <a:solidFill>
-                  <a:srgbClr val="D1D5DB"/>
-                </a:solidFill>
-                <a:effectLst/>
-                <a:latin typeface="Söhne"/>
-              </a:rPr>
-              <a:t>ntroduction to Reinforcement Learning and Q-Learning Algorithm</a:t>
-            </a:r>
-            <a:endParaRPr lang="en-US" sz="9600" dirty="0"/>
-          </a:p>
-        </p:txBody>
-      </p:sp>
-      <p:sp>
-        <p:nvSpPr>
-          <p:cNvPr id="4" name="Text Placeholder 3">
-            <a:extLst>
-              <a:ext uri="{FF2B5EF4-FFF2-40B4-BE49-F238E27FC236}">
-                <a16:creationId xmlns:a16="http://schemas.microsoft.com/office/drawing/2014/main" id="{D6C5856E-7BC7-1D59-C335-A634BDA69E36}"/>
-              </a:ext>
-            </a:extLst>
-          </p:cNvPr>
-          <p:cNvSpPr>
-            <a:spLocks noGrp="1"/>
-          </p:cNvSpPr>
-          <p:nvPr>
-            <p:ph type="body" sz="quarter" idx="1"/>
-          </p:nvPr>
-        </p:nvSpPr>
-        <p:spPr>
-          <a:xfrm>
-            <a:off x="615821" y="4516016"/>
-            <a:ext cx="23289208" cy="8994711"/>
-          </a:xfrm>
-        </p:spPr>
-        <p:txBody>
-          <a:bodyPr>
-            <a:normAutofit fontScale="92500" lnSpcReduction="10000"/>
-          </a:bodyPr>
-          <a:lstStyle/>
-          <a:p>
-            <a:pPr algn="l">
-              <a:buFont typeface="Arial" panose="020B0604020202020204" pitchFamily="34" charset="0"/>
-              <a:buChar char="•"/>
-            </a:pPr>
-            <a:r>
-              <a:rPr lang="en-US" b="0" i="0" dirty="0">
-                <a:solidFill>
-                  <a:srgbClr val="D1D5DB"/>
-                </a:solidFill>
-                <a:effectLst/>
-                <a:latin typeface="Söhne"/>
-              </a:rPr>
-              <a:t>Reinforcement Learning involves learning through interaction with an environment</a:t>
-            </a:r>
-          </a:p>
-          <a:p>
-            <a:pPr algn="l">
-              <a:buFont typeface="Arial" panose="020B0604020202020204" pitchFamily="34" charset="0"/>
-              <a:buChar char="•"/>
-            </a:pPr>
-            <a:r>
-              <a:rPr lang="en-US" b="0" i="0" dirty="0">
-                <a:solidFill>
-                  <a:srgbClr val="D1D5DB"/>
-                </a:solidFill>
-                <a:effectLst/>
-                <a:latin typeface="Söhne"/>
-              </a:rPr>
-              <a:t>Q-learning is a popular, model-free, off-policy algorithm that seeks to learn the optimal action-value function for a given task</a:t>
-            </a:r>
-          </a:p>
-          <a:p>
-            <a:pPr algn="l">
-              <a:buFont typeface="Arial" panose="020B0604020202020204" pitchFamily="34" charset="0"/>
-              <a:buChar char="•"/>
-            </a:pPr>
-            <a:r>
-              <a:rPr lang="en-US" b="0" i="0" dirty="0">
-                <a:solidFill>
-                  <a:srgbClr val="D1D5DB"/>
-                </a:solidFill>
-                <a:effectLst/>
-                <a:latin typeface="Söhne"/>
-              </a:rPr>
-              <a:t>Q-learning iteratively updates the Q-values of each state-action pair based on rewards received by the agent and predicted future rewards</a:t>
-            </a:r>
-          </a:p>
-          <a:p>
-            <a:pPr algn="l">
-              <a:buFont typeface="Arial" panose="020B0604020202020204" pitchFamily="34" charset="0"/>
-              <a:buChar char="•"/>
-            </a:pPr>
-            <a:r>
-              <a:rPr lang="en-US" b="0" i="0" dirty="0">
-                <a:solidFill>
-                  <a:srgbClr val="D1D5DB"/>
-                </a:solidFill>
-                <a:effectLst/>
-                <a:latin typeface="Söhne"/>
-              </a:rPr>
-              <a:t>The Taxi Problem is a classical problem in Reinforcement Learning where the agent (taxi) needs to pick up and deliver a passenger in a 5x5 grid world</a:t>
-            </a:r>
-          </a:p>
-          <a:p>
-            <a:pPr algn="l">
-              <a:buFont typeface="Arial" panose="020B0604020202020204" pitchFamily="34" charset="0"/>
-              <a:buChar char="•"/>
-            </a:pPr>
-            <a:r>
-              <a:rPr lang="en-US" b="0" i="0" dirty="0">
-                <a:solidFill>
-                  <a:srgbClr val="D1D5DB"/>
-                </a:solidFill>
-                <a:effectLst/>
-                <a:latin typeface="Söhne"/>
-              </a:rPr>
-              <a:t>There are six available actions in the game: LEFT, RIGHT, UP, DOWN, PICKUP, and PUTDOWN</a:t>
-            </a:r>
-          </a:p>
-          <a:p>
-            <a:pPr algn="l">
-              <a:buFont typeface="Arial" panose="020B0604020202020204" pitchFamily="34" charset="0"/>
-              <a:buChar char="•"/>
-            </a:pPr>
-            <a:r>
-              <a:rPr lang="en-US" b="0" i="0" dirty="0">
-                <a:solidFill>
-                  <a:srgbClr val="D1D5DB"/>
-                </a:solidFill>
-                <a:effectLst/>
-                <a:latin typeface="Söhne"/>
-              </a:rPr>
-              <a:t>The agent receives a reward of -1 at each step, but a reward of 20 upon successful delivery and -10 for illegal actions</a:t>
-            </a:r>
-          </a:p>
-          <a:p>
-            <a:pPr algn="l">
-              <a:buFont typeface="Arial" panose="020B0604020202020204" pitchFamily="34" charset="0"/>
-              <a:buChar char="•"/>
-            </a:pPr>
-            <a:r>
-              <a:rPr lang="en-US" b="0" i="0" dirty="0">
-                <a:solidFill>
-                  <a:srgbClr val="D1D5DB"/>
-                </a:solidFill>
-                <a:effectLst/>
-                <a:latin typeface="Söhne"/>
-              </a:rPr>
-              <a:t>There are 500 states in the problem without any state abstraction.</a:t>
-            </a:r>
-          </a:p>
-          <a:p>
-            <a:endParaRPr lang="en-US" dirty="0"/>
+            <a:pPr/>
+            <a:r>
+              <a:t>Thank you!</a:t>
+            </a:r>
           </a:p>
         </p:txBody>
       </p:sp>
     </p:spTree>
-    <p:extLst>
-      <p:ext uri="{BB962C8B-B14F-4D97-AF65-F5344CB8AC3E}">
-        <p14:creationId xmlns:p14="http://schemas.microsoft.com/office/powerpoint/2010/main" val="1054382812"/>
-      </p:ext>
-    </p:extLst>
   </p:cSld>
   <p:clrMapOvr>
     <a:masterClrMapping/>
   </p:clrMapOvr>
-  <p:transition spd="med"/>
+  <p:transition xmlns:p14="http://schemas.microsoft.com/office/powerpoint/2010/main" spd="med" advClick="1"/>
 </p:sld>
 </file>
 
-<file path=ppt/slides/slide3.xml><?xml version="1.0" encoding="utf-8"?>
-<p:sld xmlns:a="http://schemas.openxmlformats.org/drawingml/2006/main" xmlns:r="http://schemas.openxmlformats.org/officeDocument/2006/relationships" xmlns:p="http://schemas.openxmlformats.org/presentationml/2006/main">
+<file path=ppt/slides/slide11.xml><?xml version="1.0" encoding="utf-8"?>
+<p:sld xmlns:a="http://schemas.openxmlformats.org/drawingml/2006/main" xmlns:r="http://schemas.openxmlformats.org/officeDocument/2006/relationships" xmlns:p="http://schemas.openxmlformats.org/presentationml/2006/main" xmlns:m="http://schemas.openxmlformats.org/officeDocument/2006/math" xmlns:a14="http://schemas.microsoft.com/office/drawing/2010/main" showMasterSp="1" showMasterPhAnim="1">
   <p:cSld>
     <p:spTree>
       <p:nvGrpSpPr>
@@ -3995,204 +3899,52 @@
       </p:grpSpPr>
       <p:sp>
         <p:nvSpPr>
-          <p:cNvPr id="3" name="Title 2">
-            <a:extLst>
-              <a:ext uri="{FF2B5EF4-FFF2-40B4-BE49-F238E27FC236}">
-                <a16:creationId xmlns:a16="http://schemas.microsoft.com/office/drawing/2014/main" id="{AAD2FAB5-E10E-AF89-18D8-EB20A0F817B3}"/>
-              </a:ext>
-            </a:extLst>
-          </p:cNvPr>
-          <p:cNvSpPr>
-            <a:spLocks noGrp="1"/>
-          </p:cNvSpPr>
+          <p:cNvPr id="157" name="Implementing Q-Learning algorithm on the Taxi learning problem and analyzing it for various values of α (Learning rate)"/>
+          <p:cNvSpPr txBox="1"/>
           <p:nvPr>
-            <p:ph type="title"/>
+            <p:ph type="body" sz="half" idx="1"/>
           </p:nvPr>
         </p:nvSpPr>
         <p:spPr>
           <a:xfrm>
-            <a:off x="1206498" y="877077"/>
-            <a:ext cx="21971004" cy="2351315"/>
+            <a:off x="1206500" y="4506496"/>
+            <a:ext cx="21971000" cy="4216519"/>
           </a:xfrm>
+          <a:prstGeom prst="rect">
+            <a:avLst/>
+          </a:prstGeom>
         </p:spPr>
         <p:txBody>
-          <a:bodyPr>
-            <a:normAutofit fontScale="90000"/>
-          </a:bodyPr>
-          <a:lstStyle/>
-          <a:p>
-            <a:pPr algn="ctr"/>
-            <a:r>
-              <a:rPr lang="en-US" b="0" i="0" dirty="0">
-                <a:solidFill>
-                  <a:srgbClr val="D1D5DB"/>
-                </a:solidFill>
-                <a:effectLst/>
-                <a:latin typeface="Söhne"/>
-              </a:rPr>
-              <a:t>Implementation and Hyperparameters of Q-Learning</a:t>
-            </a:r>
-            <a:endParaRPr lang="en-US" dirty="0"/>
-          </a:p>
-        </p:txBody>
-      </p:sp>
-      <p:sp>
-        <p:nvSpPr>
-          <p:cNvPr id="4" name="Text Placeholder 3">
-            <a:extLst>
-              <a:ext uri="{FF2B5EF4-FFF2-40B4-BE49-F238E27FC236}">
-                <a16:creationId xmlns:a16="http://schemas.microsoft.com/office/drawing/2014/main" id="{F46DE655-F929-C77E-B060-28CF0A6EE800}"/>
-              </a:ext>
-            </a:extLst>
-          </p:cNvPr>
-          <p:cNvSpPr>
-            <a:spLocks noGrp="1"/>
-          </p:cNvSpPr>
-          <p:nvPr>
-            <p:ph type="body" sz="quarter" idx="1"/>
-          </p:nvPr>
-        </p:nvSpPr>
-        <p:spPr>
-          <a:xfrm>
-            <a:off x="1206500" y="3564294"/>
-            <a:ext cx="21971000" cy="9629193"/>
-          </a:xfrm>
-        </p:spPr>
-        <p:txBody>
-          <a:bodyPr>
-            <a:normAutofit fontScale="92500" lnSpcReduction="20000"/>
-          </a:bodyPr>
-          <a:lstStyle/>
-          <a:p>
-            <a:pPr algn="l">
-              <a:buFont typeface="Arial" panose="020B0604020202020204" pitchFamily="34" charset="0"/>
-              <a:buChar char="•"/>
-            </a:pPr>
-            <a:r>
-              <a:rPr lang="en-US" b="0" i="0" dirty="0">
-                <a:solidFill>
-                  <a:srgbClr val="D1D5DB"/>
-                </a:solidFill>
-                <a:effectLst/>
-                <a:latin typeface="Söhne"/>
-              </a:rPr>
-              <a:t>Tabular Q-learning approach used to learn optimal policy by maintaining a table of state-action values</a:t>
-            </a:r>
-          </a:p>
-          <a:p>
-            <a:pPr algn="l">
-              <a:buFont typeface="Arial" panose="020B0604020202020204" pitchFamily="34" charset="0"/>
-              <a:buChar char="•"/>
-            </a:pPr>
-            <a:r>
-              <a:rPr lang="en-US" b="0" i="0" dirty="0">
-                <a:solidFill>
-                  <a:srgbClr val="D1D5DB"/>
-                </a:solidFill>
-                <a:effectLst/>
-                <a:latin typeface="Söhne"/>
-              </a:rPr>
-              <a:t>Q-values initialized to 0 for all state-action pairs, and a decayed epsilon-greedy policy used to explore state space</a:t>
-            </a:r>
-          </a:p>
-          <a:p>
-            <a:pPr algn="l">
-              <a:buFont typeface="Arial" panose="020B0604020202020204" pitchFamily="34" charset="0"/>
-              <a:buChar char="•"/>
-            </a:pPr>
-            <a:r>
-              <a:rPr lang="en-US" b="0" i="0" dirty="0">
-                <a:solidFill>
-                  <a:srgbClr val="D1D5DB"/>
-                </a:solidFill>
-                <a:effectLst/>
-                <a:latin typeface="Söhne"/>
-              </a:rPr>
-              <a:t>Learning rate alpha (α) varied from 0.1 to 0.9 in increments of 0.1, and also tested for very small and very large α values</a:t>
-            </a:r>
-          </a:p>
-          <a:p>
-            <a:pPr algn="l">
-              <a:buFont typeface="Arial" panose="020B0604020202020204" pitchFamily="34" charset="0"/>
-              <a:buChar char="•"/>
-            </a:pPr>
-            <a:r>
-              <a:rPr lang="en-US" b="0" i="0" dirty="0">
-                <a:solidFill>
-                  <a:srgbClr val="D1D5DB"/>
-                </a:solidFill>
-                <a:effectLst/>
-                <a:latin typeface="Söhne"/>
-              </a:rPr>
-              <a:t>Hyperparameters set throughout: discount rate (γ) = 1.0, exploration rate (ε) = 0.1, number of episodes = 10,000</a:t>
-            </a:r>
-          </a:p>
-          <a:p>
-            <a:pPr algn="l">
-              <a:buFont typeface="Arial" panose="020B0604020202020204" pitchFamily="34" charset="0"/>
-              <a:buChar char="•"/>
-            </a:pPr>
-            <a:r>
-              <a:rPr lang="en-US" b="0" i="0" dirty="0">
-                <a:solidFill>
-                  <a:srgbClr val="D1D5DB"/>
-                </a:solidFill>
-                <a:effectLst/>
-                <a:latin typeface="Söhne"/>
-              </a:rPr>
-              <a:t>Performance evaluated in terms of computational efficiency (time taken to converge) and maximizing reward (average reward obtained)</a:t>
-            </a:r>
-          </a:p>
-          <a:p>
-            <a:pPr algn="l">
-              <a:buFont typeface="Arial" panose="020B0604020202020204" pitchFamily="34" charset="0"/>
-              <a:buChar char="•"/>
-            </a:pPr>
-            <a:r>
-              <a:rPr lang="en-US" b="0" i="0" dirty="0">
-                <a:solidFill>
-                  <a:srgbClr val="D1D5DB"/>
-                </a:solidFill>
-                <a:effectLst/>
-                <a:latin typeface="Söhne"/>
-              </a:rPr>
-              <a:t>Total of 5 independent runs conducted for each α value and the mean of performance metrics recorded</a:t>
-            </a:r>
-          </a:p>
-          <a:p>
-            <a:pPr algn="l">
-              <a:buFont typeface="Arial" panose="020B0604020202020204" pitchFamily="34" charset="0"/>
-              <a:buChar char="•"/>
-            </a:pPr>
-            <a:r>
-              <a:rPr lang="en-US" b="0" i="0" dirty="0">
-                <a:solidFill>
-                  <a:srgbClr val="D1D5DB"/>
-                </a:solidFill>
-                <a:effectLst/>
-                <a:latin typeface="Söhne"/>
-              </a:rPr>
-              <a:t>Randomized starting states and passenger/destination locations used to ensure generalization to different scenarios.</a:t>
+          <a:bodyPr/>
+          <a:lstStyle>
+            <a:lvl1pPr defTabSz="1999437">
+              <a:defRPr b="1" spc="-190" sz="9512">
+                <a:latin typeface="+mn-lt"/>
+                <a:ea typeface="+mn-ea"/>
+                <a:cs typeface="+mn-cs"/>
+                <a:sym typeface="Helvetica Neue"/>
+              </a:defRPr>
+            </a:lvl1pPr>
+          </a:lstStyle>
+          <a:p>
+            <a:pPr/>
+            <a:r>
+              <a:t>Implementing Q-Learning algorithm on the Taxi learning problem and analyzing it for various values of α (Learning rate)</a:t>
             </a:r>
           </a:p>
         </p:txBody>
       </p:sp>
     </p:spTree>
-    <p:extLst>
-      <p:ext uri="{BB962C8B-B14F-4D97-AF65-F5344CB8AC3E}">
-        <p14:creationId xmlns:p14="http://schemas.microsoft.com/office/powerpoint/2010/main" val="2174843530"/>
-      </p:ext>
-    </p:extLst>
   </p:cSld>
   <p:clrMapOvr>
     <a:masterClrMapping/>
   </p:clrMapOvr>
-  <p:transition spd="med"/>
+  <p:transition xmlns:p14="http://schemas.microsoft.com/office/powerpoint/2010/main" spd="med" advClick="1"/>
 </p:sld>
 </file>
 
-<file path=ppt/slides/slide4.xml><?xml version="1.0" encoding="utf-8"?>
-<p:sld xmlns:a="http://schemas.openxmlformats.org/drawingml/2006/main" xmlns:r="http://schemas.openxmlformats.org/officeDocument/2006/relationships" xmlns:p="http://schemas.openxmlformats.org/presentationml/2006/main">
+<file path=ppt/slides/slide12.xml><?xml version="1.0" encoding="utf-8"?>
+<p:sld xmlns:a="http://schemas.openxmlformats.org/drawingml/2006/main" xmlns:r="http://schemas.openxmlformats.org/officeDocument/2006/relationships" xmlns:p="http://schemas.openxmlformats.org/presentationml/2006/main" xmlns:m="http://schemas.openxmlformats.org/officeDocument/2006/math" xmlns:a14="http://schemas.microsoft.com/office/drawing/2010/main" showMasterSp="1" showMasterPhAnim="1">
   <p:cSld>
     <p:spTree>
       <p:nvGrpSpPr>
@@ -4210,567 +3962,231 @@
       </p:grpSpPr>
       <p:sp>
         <p:nvSpPr>
-          <p:cNvPr id="2" name="Title 1">
-            <a:extLst>
-              <a:ext uri="{FF2B5EF4-FFF2-40B4-BE49-F238E27FC236}">
-                <a16:creationId xmlns:a16="http://schemas.microsoft.com/office/drawing/2014/main" id="{F80A107D-7839-10DA-30A3-9D93D03346ED}"/>
-              </a:ext>
-            </a:extLst>
-          </p:cNvPr>
-          <p:cNvSpPr>
-            <a:spLocks noGrp="1"/>
-          </p:cNvSpPr>
+          <p:cNvPr id="159" name="Title 2"/>
+          <p:cNvSpPr txBox="1"/>
           <p:nvPr>
             <p:ph type="title"/>
           </p:nvPr>
         </p:nvSpPr>
         <p:spPr>
           <a:xfrm>
-            <a:off x="1206500" y="120001"/>
-            <a:ext cx="10985500" cy="2623199"/>
-          </a:xfrm>
-        </p:spPr>
-        <p:txBody>
-          <a:bodyPr/>
-          <a:lstStyle/>
-          <a:p>
-            <a:r>
-              <a:rPr lang="en-US" b="0" i="0" dirty="0">
-                <a:solidFill>
-                  <a:srgbClr val="D1D5DB"/>
-                </a:solidFill>
-                <a:effectLst/>
-                <a:latin typeface="Söhne"/>
-              </a:rPr>
-              <a:t>Impact of Alpha on Agent's Performance</a:t>
-            </a:r>
-            <a:endParaRPr lang="en-US" dirty="0"/>
-          </a:p>
-        </p:txBody>
-      </p:sp>
-      <p:sp>
-        <p:nvSpPr>
-          <p:cNvPr id="3" name="Text Placeholder 2">
-            <a:extLst>
-              <a:ext uri="{FF2B5EF4-FFF2-40B4-BE49-F238E27FC236}">
-                <a16:creationId xmlns:a16="http://schemas.microsoft.com/office/drawing/2014/main" id="{56662E7F-E2D9-0C43-C8BB-8D972584FDDD}"/>
-              </a:ext>
-            </a:extLst>
-          </p:cNvPr>
-          <p:cNvSpPr>
-            <a:spLocks noGrp="1"/>
-          </p:cNvSpPr>
-          <p:nvPr>
-            <p:ph type="body" sz="quarter" idx="1"/>
-          </p:nvPr>
-        </p:nvSpPr>
-        <p:spPr>
-          <a:xfrm>
-            <a:off x="982566" y="2975169"/>
-            <a:ext cx="12509500" cy="10125011"/>
-          </a:xfrm>
-        </p:spPr>
-        <p:txBody>
-          <a:bodyPr>
-            <a:normAutofit/>
-          </a:bodyPr>
-          <a:lstStyle/>
-          <a:p>
-            <a:pPr algn="l">
-              <a:buFont typeface="Arial" panose="020B0604020202020204" pitchFamily="34" charset="0"/>
-              <a:buChar char="•"/>
-            </a:pPr>
-            <a:r>
-              <a:rPr lang="en-US" b="0" i="0" dirty="0">
-                <a:solidFill>
-                  <a:srgbClr val="D1D5DB"/>
-                </a:solidFill>
-                <a:effectLst/>
-                <a:latin typeface="Söhne"/>
-              </a:rPr>
-              <a:t>α has a significant impact on the agent's performance</a:t>
-            </a:r>
-          </a:p>
-          <a:p>
-            <a:pPr algn="l">
-              <a:buFont typeface="Arial" panose="020B0604020202020204" pitchFamily="34" charset="0"/>
-              <a:buChar char="•"/>
-            </a:pPr>
-            <a:r>
-              <a:rPr lang="en-US" b="0" i="0" dirty="0">
-                <a:solidFill>
-                  <a:srgbClr val="D1D5DB"/>
-                </a:solidFill>
-                <a:effectLst/>
-                <a:latin typeface="Söhne"/>
-              </a:rPr>
-              <a:t>Choosing an appropriate value for α is important for the Q-learning algorithm to converge to the optimal policy</a:t>
-            </a:r>
-          </a:p>
-        </p:txBody>
-      </p:sp>
-      <p:sp>
-        <p:nvSpPr>
-          <p:cNvPr id="13" name="TextBox 12">
-            <a:extLst>
-              <a:ext uri="{FF2B5EF4-FFF2-40B4-BE49-F238E27FC236}">
-                <a16:creationId xmlns:a16="http://schemas.microsoft.com/office/drawing/2014/main" id="{4D6DEFC0-F369-00DB-EC20-A2EA6496F027}"/>
-              </a:ext>
-            </a:extLst>
-          </p:cNvPr>
-          <p:cNvSpPr txBox="1"/>
-          <p:nvPr/>
-        </p:nvSpPr>
-        <p:spPr>
-          <a:xfrm>
-            <a:off x="16353938" y="5337109"/>
-            <a:ext cx="5859625" cy="2257028"/>
-          </a:xfrm>
-          <a:prstGeom prst="rect">
-            <a:avLst/>
-          </a:prstGeom>
-          <a:noFill/>
-          <a:ln w="12700" cap="flat">
-            <a:noFill/>
-            <a:miter lim="400000"/>
-          </a:ln>
-          <a:effectLst/>
-          <a:sp3d/>
-        </p:spPr>
-        <p:style>
-          <a:lnRef idx="0">
-            <a:scrgbClr r="0" g="0" b="0"/>
-          </a:lnRef>
-          <a:fillRef idx="0">
-            <a:scrgbClr r="0" g="0" b="0"/>
-          </a:fillRef>
-          <a:effectRef idx="0">
-            <a:scrgbClr r="0" g="0" b="0"/>
-          </a:effectRef>
-          <a:fontRef idx="none"/>
-        </p:style>
-        <p:txBody>
-          <a:bodyPr rot="0" spcFirstLastPara="1" vertOverflow="overflow" horzOverflow="overflow" vert="horz" wrap="square" lIns="50800" tIns="50800" rIns="50800" bIns="50800" numCol="1" spcCol="38100" rtlCol="0" anchor="ctr">
-            <a:spAutoFit/>
-          </a:bodyPr>
-          <a:lstStyle/>
-          <a:p>
-            <a:pPr algn="l">
-              <a:buFont typeface="Arial" panose="020B0604020202020204" pitchFamily="34" charset="0"/>
-              <a:buChar char="•"/>
-            </a:pPr>
-            <a:r>
-              <a:rPr lang="en-US" sz="2800" dirty="0">
-                <a:solidFill>
-                  <a:srgbClr val="D1D5DB"/>
-                </a:solidFill>
-                <a:latin typeface="Söhne"/>
-              </a:rPr>
-              <a:t>T</a:t>
-            </a:r>
-            <a:r>
-              <a:rPr lang="en-US" sz="2800" b="0" i="0" dirty="0">
-                <a:solidFill>
-                  <a:srgbClr val="D1D5DB"/>
-                </a:solidFill>
-                <a:effectLst/>
-                <a:latin typeface="Söhne"/>
-              </a:rPr>
-              <a:t>he agent's convergence time varies with different α values</a:t>
-            </a:r>
-          </a:p>
-          <a:p>
-            <a:pPr algn="l">
-              <a:buFont typeface="Arial" panose="020B0604020202020204" pitchFamily="34" charset="0"/>
-              <a:buChar char="•"/>
-            </a:pPr>
-            <a:r>
-              <a:rPr lang="en-US" sz="2800" dirty="0">
-                <a:solidFill>
-                  <a:srgbClr val="D1D5DB"/>
-                </a:solidFill>
-                <a:latin typeface="Söhne"/>
-              </a:rPr>
-              <a:t>V</a:t>
-            </a:r>
-            <a:r>
-              <a:rPr lang="en-US" sz="2800" b="0" i="0" dirty="0">
-                <a:solidFill>
-                  <a:srgbClr val="D1D5DB"/>
-                </a:solidFill>
-                <a:effectLst/>
-                <a:latin typeface="Söhne"/>
-              </a:rPr>
-              <a:t>ery low or very high α values result in longer convergence times</a:t>
-            </a:r>
-          </a:p>
-          <a:p>
-            <a:pPr marL="0" marR="0" indent="0" algn="ctr" defTabSz="2438338" rtl="0" fontAlgn="auto" latinLnBrk="0" hangingPunct="0">
-              <a:lnSpc>
-                <a:spcPct val="100000"/>
-              </a:lnSpc>
-              <a:spcBef>
-                <a:spcPts val="0"/>
-              </a:spcBef>
-              <a:spcAft>
-                <a:spcPts val="0"/>
-              </a:spcAft>
-              <a:buClrTx/>
-              <a:buSzTx/>
-              <a:buFontTx/>
-              <a:buNone/>
-              <a:tabLst/>
-            </a:pPr>
-            <a:endParaRPr kumimoji="0" lang="en-US" sz="2800" b="0" i="0" u="none" strike="noStrike" cap="none" spc="0" normalizeH="0" baseline="0" dirty="0">
-              <a:ln>
-                <a:noFill/>
-              </a:ln>
-              <a:solidFill>
-                <a:srgbClr val="FFFFFF"/>
-              </a:solidFill>
-              <a:effectLst/>
-              <a:uFillTx/>
-              <a:ea typeface="+mn-ea"/>
-              <a:cs typeface="+mn-cs"/>
-              <a:sym typeface="Helvetica Neue"/>
-            </a:endParaRPr>
-          </a:p>
-        </p:txBody>
-      </p:sp>
-      <p:pic>
-        <p:nvPicPr>
-          <p:cNvPr id="15" name="Picture 14">
-            <a:extLst>
-              <a:ext uri="{FF2B5EF4-FFF2-40B4-BE49-F238E27FC236}">
-                <a16:creationId xmlns:a16="http://schemas.microsoft.com/office/drawing/2014/main" id="{9750CF9C-B837-C977-E82B-88C5C46A8294}"/>
-              </a:ext>
-            </a:extLst>
-          </p:cNvPr>
-          <p:cNvPicPr>
-            <a:picLocks noChangeAspect="1"/>
-          </p:cNvPicPr>
-          <p:nvPr/>
-        </p:nvPicPr>
-        <p:blipFill>
-          <a:blip r:embed="rId2">
-            <a:extLst>
-              <a:ext uri="{28A0092B-C50C-407E-A947-70E740481C1C}">
-                <a14:useLocalDpi xmlns:a14="http://schemas.microsoft.com/office/drawing/2010/main" val="0"/>
-              </a:ext>
-            </a:extLst>
-          </a:blip>
-          <a:stretch>
-            <a:fillRect/>
-          </a:stretch>
-        </p:blipFill>
-        <p:spPr>
-          <a:xfrm>
-            <a:off x="15856792" y="858878"/>
-            <a:ext cx="6853918" cy="4478231"/>
+            <a:off x="1663695" y="615561"/>
+            <a:ext cx="21971006" cy="2818104"/>
           </a:xfrm>
           <a:prstGeom prst="rect">
             <a:avLst/>
           </a:prstGeom>
         </p:spPr>
-      </p:pic>
-      <p:sp>
-        <p:nvSpPr>
-          <p:cNvPr id="19" name="TextBox 18">
-            <a:extLst>
-              <a:ext uri="{FF2B5EF4-FFF2-40B4-BE49-F238E27FC236}">
-                <a16:creationId xmlns:a16="http://schemas.microsoft.com/office/drawing/2014/main" id="{DDF92E56-D1BD-4573-97C5-4FF0A0B1203C}"/>
-              </a:ext>
-            </a:extLst>
-          </p:cNvPr>
-          <p:cNvSpPr txBox="1"/>
-          <p:nvPr/>
-        </p:nvSpPr>
-        <p:spPr>
-          <a:xfrm>
-            <a:off x="16210868" y="11889859"/>
-            <a:ext cx="7376920" cy="1395254"/>
-          </a:xfrm>
-          <a:prstGeom prst="rect">
-            <a:avLst/>
-          </a:prstGeom>
-          <a:noFill/>
-          <a:ln w="12700" cap="flat">
-            <a:noFill/>
-            <a:miter lim="400000"/>
-          </a:ln>
-          <a:effectLst/>
-          <a:sp3d/>
-        </p:spPr>
-        <p:style>
-          <a:lnRef idx="0">
-            <a:scrgbClr r="0" g="0" b="0"/>
-          </a:lnRef>
-          <a:fillRef idx="0">
-            <a:scrgbClr r="0" g="0" b="0"/>
-          </a:fillRef>
-          <a:effectRef idx="0">
-            <a:scrgbClr r="0" g="0" b="0"/>
-          </a:effectRef>
-          <a:fontRef idx="none"/>
-        </p:style>
         <p:txBody>
-          <a:bodyPr rot="0" spcFirstLastPara="1" vertOverflow="overflow" horzOverflow="overflow" vert="horz" wrap="square" lIns="50800" tIns="50800" rIns="50800" bIns="50800" numCol="1" spcCol="38100" rtlCol="0" anchor="ctr">
-            <a:spAutoFit/>
-          </a:bodyPr>
-          <a:lstStyle/>
-          <a:p>
-            <a:pPr algn="l">
-              <a:buFont typeface="Arial" panose="020B0604020202020204" pitchFamily="34" charset="0"/>
-              <a:buChar char="•"/>
-            </a:pPr>
-            <a:r>
-              <a:rPr lang="en-US" sz="2800" dirty="0">
+          <a:bodyPr/>
+          <a:lstStyle>
+            <a:lvl1pPr algn="ctr">
+              <a:defRPr b="0" spc="-300" sz="9600">
                 <a:solidFill>
                   <a:srgbClr val="D1D5DB"/>
                 </a:solidFill>
                 <a:latin typeface="Söhne"/>
-              </a:rPr>
-              <a:t>T</a:t>
-            </a:r>
-            <a:r>
-              <a:rPr lang="en-US" sz="2800" b="0" i="0" dirty="0">
-                <a:solidFill>
-                  <a:srgbClr val="D1D5DB"/>
-                </a:solidFill>
-                <a:effectLst/>
-                <a:latin typeface="Söhne"/>
-              </a:rPr>
-              <a:t>he agent's reward varies with different α values</a:t>
-            </a:r>
-          </a:p>
-          <a:p>
-            <a:pPr algn="l">
-              <a:buFont typeface="Arial" panose="020B0604020202020204" pitchFamily="34" charset="0"/>
-              <a:buChar char="•"/>
-            </a:pPr>
-            <a:r>
-              <a:rPr lang="en-US" sz="2800" dirty="0">
-                <a:solidFill>
-                  <a:srgbClr val="D1D5DB"/>
-                </a:solidFill>
-                <a:latin typeface="Söhne"/>
-              </a:rPr>
-              <a:t>T</a:t>
-            </a:r>
-            <a:r>
-              <a:rPr lang="en-US" sz="2800" b="0" i="0" dirty="0">
-                <a:solidFill>
-                  <a:srgbClr val="D1D5DB"/>
-                </a:solidFill>
-                <a:effectLst/>
-                <a:latin typeface="Söhne"/>
-              </a:rPr>
-              <a:t>he learning rate at which we get the maximum reward is in the range of 0.4 to 0.6, mostly at 0.5</a:t>
+                <a:ea typeface="Söhne"/>
+                <a:cs typeface="Söhne"/>
+                <a:sym typeface="Söhne"/>
+              </a:defRPr>
+            </a:lvl1pPr>
+          </a:lstStyle>
+          <a:p>
+            <a:pPr/>
+            <a:r>
+              <a:t>Introduction to Reinforcement Learning and Q-Learning Algorithm</a:t>
             </a:r>
           </a:p>
         </p:txBody>
       </p:sp>
-      <p:pic>
-        <p:nvPicPr>
-          <p:cNvPr id="21" name="Picture 20">
-            <a:extLst>
-              <a:ext uri="{FF2B5EF4-FFF2-40B4-BE49-F238E27FC236}">
-                <a16:creationId xmlns:a16="http://schemas.microsoft.com/office/drawing/2014/main" id="{1CBB1908-1726-C23A-02C3-26A10462693E}"/>
-              </a:ext>
-            </a:extLst>
-          </p:cNvPr>
-          <p:cNvPicPr>
-            <a:picLocks noChangeAspect="1"/>
-          </p:cNvPicPr>
-          <p:nvPr/>
-        </p:nvPicPr>
-        <p:blipFill>
-          <a:blip r:embed="rId3">
-            <a:extLst>
-              <a:ext uri="{28A0092B-C50C-407E-A947-70E740481C1C}">
-                <a14:useLocalDpi xmlns:a14="http://schemas.microsoft.com/office/drawing/2010/main" val="0"/>
-              </a:ext>
-            </a:extLst>
-          </a:blip>
-          <a:stretch>
-            <a:fillRect/>
-          </a:stretch>
-        </p:blipFill>
+      <p:sp>
+        <p:nvSpPr>
+          <p:cNvPr id="160" name="Text Placeholder 3"/>
+          <p:cNvSpPr txBox="1"/>
+          <p:nvPr>
+            <p:ph type="body" idx="1"/>
+          </p:nvPr>
+        </p:nvSpPr>
         <p:spPr>
           <a:xfrm>
-            <a:off x="16210868" y="7446337"/>
-            <a:ext cx="6686454" cy="4160528"/>
+            <a:off x="615821" y="4516015"/>
+            <a:ext cx="23289208" cy="8994712"/>
           </a:xfrm>
           <a:prstGeom prst="rect">
             <a:avLst/>
           </a:prstGeom>
         </p:spPr>
-      </p:pic>
-      <p:pic>
-        <p:nvPicPr>
-          <p:cNvPr id="23" name="Picture 22">
-            <a:extLst>
-              <a:ext uri="{FF2B5EF4-FFF2-40B4-BE49-F238E27FC236}">
-                <a16:creationId xmlns:a16="http://schemas.microsoft.com/office/drawing/2014/main" id="{C23BFDA3-AFC5-48BE-3F4B-32F11A7FDAE9}"/>
-              </a:ext>
-            </a:extLst>
-          </p:cNvPr>
-          <p:cNvPicPr>
-            <a:picLocks noChangeAspect="1"/>
-          </p:cNvPicPr>
-          <p:nvPr/>
-        </p:nvPicPr>
-        <p:blipFill>
-          <a:blip r:embed="rId4">
-            <a:extLst>
-              <a:ext uri="{28A0092B-C50C-407E-A947-70E740481C1C}">
-                <a14:useLocalDpi xmlns:a14="http://schemas.microsoft.com/office/drawing/2010/main" val="0"/>
-              </a:ext>
-            </a:extLst>
-          </a:blip>
-          <a:stretch>
-            <a:fillRect/>
-          </a:stretch>
-        </p:blipFill>
-        <p:spPr>
-          <a:xfrm>
-            <a:off x="348828" y="8042988"/>
-            <a:ext cx="7376919" cy="5057192"/>
-          </a:xfrm>
-          <a:prstGeom prst="rect">
-            <a:avLst/>
-          </a:prstGeom>
-        </p:spPr>
-      </p:pic>
-      <p:sp>
-        <p:nvSpPr>
-          <p:cNvPr id="26" name="TextBox 25">
-            <a:extLst>
-              <a:ext uri="{FF2B5EF4-FFF2-40B4-BE49-F238E27FC236}">
-                <a16:creationId xmlns:a16="http://schemas.microsoft.com/office/drawing/2014/main" id="{0E639C7D-A739-E12F-D85A-728C45394562}"/>
-              </a:ext>
-            </a:extLst>
-          </p:cNvPr>
-          <p:cNvSpPr txBox="1"/>
-          <p:nvPr/>
-        </p:nvSpPr>
-        <p:spPr>
-          <a:xfrm>
-            <a:off x="8276978" y="10038263"/>
-            <a:ext cx="7376919" cy="1938992"/>
-          </a:xfrm>
-          <a:prstGeom prst="rect">
-            <a:avLst/>
-          </a:prstGeom>
-          <a:noFill/>
-          <a:ln w="12700" cap="flat">
-            <a:noFill/>
-            <a:miter lim="400000"/>
-          </a:ln>
-          <a:effectLst/>
-          <a:sp3d/>
-        </p:spPr>
-        <p:style>
-          <a:lnRef idx="0">
-            <a:scrgbClr r="0" g="0" b="0"/>
-          </a:lnRef>
-          <a:fillRef idx="0">
-            <a:scrgbClr r="0" g="0" b="0"/>
-          </a:fillRef>
-          <a:effectRef idx="0">
-            <a:scrgbClr r="0" g="0" b="0"/>
-          </a:effectRef>
-          <a:fontRef idx="none"/>
-        </p:style>
         <p:txBody>
-          <a:bodyPr wrap="square">
-            <a:spAutoFit/>
-          </a:bodyPr>
+          <a:bodyPr lIns="50800" tIns="50800" rIns="50800" bIns="50800" anchor="t"/>
           <a:lstStyle/>
           <a:p>
-            <a:pPr algn="l">
-              <a:buFont typeface="Arial" panose="020B0604020202020204" pitchFamily="34" charset="0"/>
+            <a:pPr defTabSz="817244">
+              <a:lnSpc>
+                <a:spcPct val="90000"/>
+              </a:lnSpc>
+              <a:buSzPct val="100000"/>
+              <a:buFont typeface="Arial"/>
               <a:buChar char="•"/>
-            </a:pPr>
-            <a:r>
-              <a:rPr lang="en-US" dirty="0">
+              <a:defRPr b="0" sz="4950">
                 <a:solidFill>
                   <a:srgbClr val="D1D5DB"/>
                 </a:solidFill>
                 <a:latin typeface="Söhne"/>
-              </a:rPr>
-              <a:t>T</a:t>
-            </a:r>
-            <a:r>
-              <a:rPr lang="en-US" b="0" i="0" dirty="0">
-                <a:solidFill>
-                  <a:srgbClr val="D1D5DB"/>
-                </a:solidFill>
-                <a:effectLst/>
-                <a:latin typeface="Söhne"/>
-              </a:rPr>
-              <a:t>he agent's convergence time varies with very small α values</a:t>
-            </a:r>
-          </a:p>
-          <a:p>
-            <a:pPr algn="l">
-              <a:buFont typeface="Arial" panose="020B0604020202020204" pitchFamily="34" charset="0"/>
+                <a:ea typeface="Söhne"/>
+                <a:cs typeface="Söhne"/>
+                <a:sym typeface="Söhne"/>
+              </a:defRPr>
+            </a:pPr>
+            <a:r>
+              <a:t>Reinforcement Learning involves learning through interaction with an environment</a:t>
+            </a:r>
+          </a:p>
+          <a:p>
+            <a:pPr defTabSz="817244">
+              <a:lnSpc>
+                <a:spcPct val="90000"/>
+              </a:lnSpc>
+              <a:buSzPct val="100000"/>
+              <a:buFont typeface="Arial"/>
               <a:buChar char="•"/>
-            </a:pPr>
-            <a:r>
-              <a:rPr lang="en-US" dirty="0">
+              <a:defRPr b="0" sz="4950">
                 <a:solidFill>
                   <a:srgbClr val="D1D5DB"/>
                 </a:solidFill>
                 <a:latin typeface="Söhne"/>
-              </a:rPr>
-              <a:t>T</a:t>
-            </a:r>
-            <a:r>
-              <a:rPr lang="en-US" b="0" i="0" dirty="0">
+                <a:ea typeface="Söhne"/>
+                <a:cs typeface="Söhne"/>
+                <a:sym typeface="Söhne"/>
+              </a:defRPr>
+            </a:pPr>
+            <a:r>
+              <a:t>Q-learning is a popular, model-free, off-policy algorithm that seeks to learn the optimal action-value function for a given task</a:t>
+            </a:r>
+          </a:p>
+          <a:p>
+            <a:pPr defTabSz="817244">
+              <a:lnSpc>
+                <a:spcPct val="90000"/>
+              </a:lnSpc>
+              <a:buSzPct val="100000"/>
+              <a:buFont typeface="Arial"/>
+              <a:buChar char="•"/>
+              <a:defRPr b="0" sz="4950">
                 <a:solidFill>
                   <a:srgbClr val="D1D5DB"/>
                 </a:solidFill>
-                <a:effectLst/>
                 <a:latin typeface="Söhne"/>
-              </a:rPr>
-              <a:t>he agent will not maximize reward and will take longer to converge for very small α values</a:t>
-            </a:r>
-          </a:p>
-          <a:p>
-            <a:pPr algn="l">
-              <a:buFont typeface="Arial" panose="020B0604020202020204" pitchFamily="34" charset="0"/>
+                <a:ea typeface="Söhne"/>
+                <a:cs typeface="Söhne"/>
+                <a:sym typeface="Söhne"/>
+              </a:defRPr>
+            </a:pPr>
+            <a:r>
+              <a:t>Q-learning iteratively updates the Q-values of each state-action pair based on rewards received by the agent and predicted future rewards</a:t>
+            </a:r>
+          </a:p>
+          <a:p>
+            <a:pPr defTabSz="817244">
+              <a:lnSpc>
+                <a:spcPct val="90000"/>
+              </a:lnSpc>
+              <a:buSzPct val="100000"/>
+              <a:buFont typeface="Arial"/>
               <a:buChar char="•"/>
-            </a:pPr>
-            <a:r>
-              <a:rPr lang="en-US" b="0" i="0" dirty="0">
+              <a:defRPr b="0" sz="4950">
                 <a:solidFill>
                   <a:srgbClr val="D1D5DB"/>
                 </a:solidFill>
-                <a:effectLst/>
                 <a:latin typeface="Söhne"/>
-              </a:rPr>
-              <a:t> α = 0 results in the agent failing to converge</a:t>
+                <a:ea typeface="Söhne"/>
+                <a:cs typeface="Söhne"/>
+                <a:sym typeface="Söhne"/>
+              </a:defRPr>
+            </a:pPr>
+            <a:r>
+              <a:t>The Taxi Problem is a classical problem in Reinforcement Learning where the agent (taxi) needs to pick up and deliver a passenger in a 5x5 grid world</a:t>
+            </a:r>
+          </a:p>
+          <a:p>
+            <a:pPr defTabSz="817244">
+              <a:lnSpc>
+                <a:spcPct val="90000"/>
+              </a:lnSpc>
+              <a:buSzPct val="100000"/>
+              <a:buFont typeface="Arial"/>
+              <a:buChar char="•"/>
+              <a:defRPr b="0" sz="4950">
+                <a:solidFill>
+                  <a:srgbClr val="D1D5DB"/>
+                </a:solidFill>
+                <a:latin typeface="Söhne"/>
+                <a:ea typeface="Söhne"/>
+                <a:cs typeface="Söhne"/>
+                <a:sym typeface="Söhne"/>
+              </a:defRPr>
+            </a:pPr>
+            <a:r>
+              <a:t>There are six available actions in the game: LEFT, RIGHT, UP, DOWN, PICKUP, and PUTDOWN</a:t>
+            </a:r>
+          </a:p>
+          <a:p>
+            <a:pPr defTabSz="817244">
+              <a:lnSpc>
+                <a:spcPct val="90000"/>
+              </a:lnSpc>
+              <a:buSzPct val="100000"/>
+              <a:buFont typeface="Arial"/>
+              <a:buChar char="•"/>
+              <a:defRPr b="0" sz="4950">
+                <a:solidFill>
+                  <a:srgbClr val="D1D5DB"/>
+                </a:solidFill>
+                <a:latin typeface="Söhne"/>
+                <a:ea typeface="Söhne"/>
+                <a:cs typeface="Söhne"/>
+                <a:sym typeface="Söhne"/>
+              </a:defRPr>
+            </a:pPr>
+            <a:r>
+              <a:t>The agent receives a reward of -1 at each step, but a reward of 20 upon successful delivery and -10 for illegal actions</a:t>
+            </a:r>
+          </a:p>
+          <a:p>
+            <a:pPr defTabSz="817244">
+              <a:lnSpc>
+                <a:spcPct val="90000"/>
+              </a:lnSpc>
+              <a:buSzPct val="100000"/>
+              <a:buFont typeface="Arial"/>
+              <a:buChar char="•"/>
+              <a:defRPr b="0" sz="4950">
+                <a:solidFill>
+                  <a:srgbClr val="D1D5DB"/>
+                </a:solidFill>
+                <a:latin typeface="Söhne"/>
+                <a:ea typeface="Söhne"/>
+                <a:cs typeface="Söhne"/>
+                <a:sym typeface="Söhne"/>
+              </a:defRPr>
+            </a:pPr>
+            <a:r>
+              <a:t>There are 500 states in the problem without any state abstraction.</a:t>
             </a:r>
           </a:p>
         </p:txBody>
       </p:sp>
     </p:spTree>
-    <p:extLst>
-      <p:ext uri="{BB962C8B-B14F-4D97-AF65-F5344CB8AC3E}">
-        <p14:creationId xmlns:p14="http://schemas.microsoft.com/office/powerpoint/2010/main" val="3696678817"/>
-      </p:ext>
-    </p:extLst>
   </p:cSld>
   <p:clrMapOvr>
     <a:masterClrMapping/>
   </p:clrMapOvr>
-  <p:transition spd="med"/>
+  <p:transition xmlns:p14="http://schemas.microsoft.com/office/powerpoint/2010/main" spd="med" advClick="1"/>
 </p:sld>
 </file>
 
-<file path=ppt/slides/slide5.xml><?xml version="1.0" encoding="utf-8"?>
-<p:sld xmlns:a="http://schemas.openxmlformats.org/drawingml/2006/main" xmlns:r="http://schemas.openxmlformats.org/officeDocument/2006/relationships" xmlns:p="http://schemas.openxmlformats.org/presentationml/2006/main">
+<file path=ppt/slides/slide13.xml><?xml version="1.0" encoding="utf-8"?>
+<p:sld xmlns:a="http://schemas.openxmlformats.org/drawingml/2006/main" xmlns:r="http://schemas.openxmlformats.org/officeDocument/2006/relationships" xmlns:p="http://schemas.openxmlformats.org/presentationml/2006/main" xmlns:m="http://schemas.openxmlformats.org/officeDocument/2006/math" xmlns:a14="http://schemas.microsoft.com/office/drawing/2010/main" showMasterSp="1" showMasterPhAnim="1">
   <p:cSld>
     <p:spTree>
       <p:nvGrpSpPr>
@@ -4788,560 +4204,231 @@
       </p:grpSpPr>
       <p:sp>
         <p:nvSpPr>
-          <p:cNvPr id="3" name="Title 2">
-            <a:extLst>
-              <a:ext uri="{FF2B5EF4-FFF2-40B4-BE49-F238E27FC236}">
-                <a16:creationId xmlns:a16="http://schemas.microsoft.com/office/drawing/2014/main" id="{F77BD6AF-9A14-EAE5-A598-8DC85B8E7435}"/>
-              </a:ext>
-            </a:extLst>
-          </p:cNvPr>
-          <p:cNvSpPr>
-            <a:spLocks noGrp="1"/>
-          </p:cNvSpPr>
+          <p:cNvPr id="162" name="Title 2"/>
+          <p:cNvSpPr txBox="1"/>
           <p:nvPr>
             <p:ph type="title"/>
           </p:nvPr>
         </p:nvSpPr>
         <p:spPr>
           <a:xfrm>
-            <a:off x="357409" y="442700"/>
-            <a:ext cx="23669181" cy="3043080"/>
-          </a:xfrm>
-        </p:spPr>
-        <p:txBody>
-          <a:bodyPr>
-            <a:normAutofit/>
-          </a:bodyPr>
-          <a:lstStyle/>
-          <a:p>
-            <a:pPr algn="ctr"/>
-            <a:r>
-              <a:rPr lang="en-US" b="0" i="0" dirty="0">
-                <a:solidFill>
-                  <a:srgbClr val="D1D5DB"/>
-                </a:solidFill>
-                <a:effectLst/>
-                <a:latin typeface="Söhne"/>
-              </a:rPr>
-              <a:t>Relation between time taken to converge and reward</a:t>
-            </a:r>
-            <a:endParaRPr lang="en-US" dirty="0"/>
-          </a:p>
-        </p:txBody>
-      </p:sp>
-      <p:sp>
-        <p:nvSpPr>
-          <p:cNvPr id="4" name="Text Placeholder 3">
-            <a:extLst>
-              <a:ext uri="{FF2B5EF4-FFF2-40B4-BE49-F238E27FC236}">
-                <a16:creationId xmlns:a16="http://schemas.microsoft.com/office/drawing/2014/main" id="{39EA7520-12EC-C28F-8AFC-A181F7900D59}"/>
-              </a:ext>
-            </a:extLst>
-          </p:cNvPr>
-          <p:cNvSpPr>
-            <a:spLocks noGrp="1"/>
-          </p:cNvSpPr>
-          <p:nvPr>
-            <p:ph type="body" sz="quarter" idx="1"/>
-          </p:nvPr>
-        </p:nvSpPr>
-        <p:spPr>
-          <a:xfrm>
-            <a:off x="357409" y="3684100"/>
-            <a:ext cx="19362839" cy="4359098"/>
-          </a:xfrm>
-        </p:spPr>
-        <p:txBody>
-          <a:bodyPr>
-            <a:normAutofit/>
-          </a:bodyPr>
-          <a:lstStyle/>
-          <a:p>
-            <a:pPr algn="l">
-              <a:buFont typeface="Arial" panose="020B0604020202020204" pitchFamily="34" charset="0"/>
-              <a:buChar char="•"/>
-            </a:pPr>
-            <a:r>
-              <a:rPr lang="en-US" b="0" i="0" dirty="0">
-                <a:solidFill>
-                  <a:srgbClr val="D1D5DB"/>
-                </a:solidFill>
-                <a:effectLst/>
-                <a:latin typeface="Söhne"/>
-              </a:rPr>
-              <a:t>Time taken to converge and reward have an inverse relation</a:t>
-            </a:r>
-          </a:p>
-          <a:p>
-            <a:pPr algn="l">
-              <a:buFont typeface="Arial" panose="020B0604020202020204" pitchFamily="34" charset="0"/>
-              <a:buChar char="•"/>
-            </a:pPr>
-            <a:r>
-              <a:rPr lang="en-US" b="0" i="0" dirty="0">
-                <a:solidFill>
-                  <a:srgbClr val="D1D5DB"/>
-                </a:solidFill>
-                <a:effectLst/>
-                <a:latin typeface="Söhne"/>
-              </a:rPr>
-              <a:t>Maximizing reward is inversely proportional to computational efficiency, i.e. time taken to converge</a:t>
-            </a:r>
-          </a:p>
-          <a:p>
-            <a:pPr algn="l">
-              <a:buFont typeface="Arial" panose="020B0604020202020204" pitchFamily="34" charset="0"/>
-              <a:buChar char="•"/>
-            </a:pPr>
-            <a:r>
-              <a:rPr lang="en-US" b="0" i="0" dirty="0">
-                <a:solidFill>
-                  <a:srgbClr val="D1D5DB"/>
-                </a:solidFill>
-                <a:effectLst/>
-                <a:latin typeface="Söhne"/>
-              </a:rPr>
-              <a:t>Agent takes less time to obtain maximum reward and vice versa</a:t>
-            </a:r>
-          </a:p>
-          <a:p>
-            <a:endParaRPr lang="en-US" dirty="0"/>
-          </a:p>
-        </p:txBody>
-      </p:sp>
-      <p:pic>
-        <p:nvPicPr>
-          <p:cNvPr id="6" name="Picture 5">
-            <a:extLst>
-              <a:ext uri="{FF2B5EF4-FFF2-40B4-BE49-F238E27FC236}">
-                <a16:creationId xmlns:a16="http://schemas.microsoft.com/office/drawing/2014/main" id="{6660681C-F3FD-96DD-65F3-B92C4D1D1CEB}"/>
-              </a:ext>
-            </a:extLst>
-          </p:cNvPr>
-          <p:cNvPicPr>
-            <a:picLocks noChangeAspect="1"/>
-          </p:cNvPicPr>
-          <p:nvPr/>
-        </p:nvPicPr>
-        <p:blipFill>
-          <a:blip r:embed="rId2">
-            <a:extLst>
-              <a:ext uri="{28A0092B-C50C-407E-A947-70E740481C1C}">
-                <a14:useLocalDpi xmlns:a14="http://schemas.microsoft.com/office/drawing/2010/main" val="0"/>
-              </a:ext>
-            </a:extLst>
-          </a:blip>
-          <a:stretch>
-            <a:fillRect/>
-          </a:stretch>
-        </p:blipFill>
-        <p:spPr>
-          <a:xfrm>
-            <a:off x="638176" y="8624330"/>
-            <a:ext cx="5650655" cy="4160528"/>
+            <a:off x="1206497" y="877076"/>
+            <a:ext cx="21971006" cy="2351316"/>
           </a:xfrm>
           <a:prstGeom prst="rect">
             <a:avLst/>
           </a:prstGeom>
         </p:spPr>
-      </p:pic>
+        <p:txBody>
+          <a:bodyPr/>
+          <a:lstStyle>
+            <a:lvl1pPr algn="ctr" defTabSz="1926287">
+              <a:defRPr b="0" spc="-237" sz="8216">
+                <a:solidFill>
+                  <a:srgbClr val="D1D5DB"/>
+                </a:solidFill>
+                <a:latin typeface="Söhne"/>
+                <a:ea typeface="Söhne"/>
+                <a:cs typeface="Söhne"/>
+                <a:sym typeface="Söhne"/>
+              </a:defRPr>
+            </a:lvl1pPr>
+          </a:lstStyle>
+          <a:p>
+            <a:pPr/>
+            <a:r>
+              <a:t>Implementation and Hyperparameters of Q-Learning</a:t>
+            </a:r>
+          </a:p>
+        </p:txBody>
+      </p:sp>
       <p:sp>
         <p:nvSpPr>
-          <p:cNvPr id="8" name="TextBox 7">
-            <a:extLst>
-              <a:ext uri="{FF2B5EF4-FFF2-40B4-BE49-F238E27FC236}">
-                <a16:creationId xmlns:a16="http://schemas.microsoft.com/office/drawing/2014/main" id="{BAC97FC4-1DE0-74FF-182C-9184BD7E6BBB}"/>
-              </a:ext>
-            </a:extLst>
-          </p:cNvPr>
+          <p:cNvPr id="163" name="Text Placeholder 3"/>
           <p:cNvSpPr txBox="1"/>
-          <p:nvPr/>
+          <p:nvPr>
+            <p:ph type="body" idx="1"/>
+          </p:nvPr>
         </p:nvSpPr>
         <p:spPr>
           <a:xfrm>
-            <a:off x="7165911" y="8624330"/>
-            <a:ext cx="7203232" cy="4042132"/>
+            <a:off x="1206500" y="3564294"/>
+            <a:ext cx="21971000" cy="9629193"/>
           </a:xfrm>
           <a:prstGeom prst="rect">
             <a:avLst/>
           </a:prstGeom>
-          <a:noFill/>
-          <a:ln w="12700" cap="flat">
-            <a:noFill/>
-            <a:miter lim="400000"/>
-          </a:ln>
-          <a:effectLst/>
-          <a:sp3d/>
         </p:spPr>
-        <p:style>
-          <a:lnRef idx="0">
-            <a:scrgbClr r="0" g="0" b="0"/>
-          </a:lnRef>
-          <a:fillRef idx="0">
-            <a:scrgbClr r="0" g="0" b="0"/>
-          </a:fillRef>
-          <a:effectRef idx="0">
-            <a:scrgbClr r="0" g="0" b="0"/>
-          </a:effectRef>
-          <a:fontRef idx="none"/>
-        </p:style>
         <p:txBody>
-          <a:bodyPr rot="0" spcFirstLastPara="1" vertOverflow="overflow" horzOverflow="overflow" vert="horz" wrap="square" lIns="50800" tIns="50800" rIns="50800" bIns="50800" numCol="1" spcCol="38100" rtlCol="0" anchor="ctr">
-            <a:spAutoFit/>
-          </a:bodyPr>
+          <a:bodyPr lIns="50800" tIns="50800" rIns="50800" bIns="50800" anchor="t"/>
           <a:lstStyle/>
           <a:p>
-            <a:pPr algn="l">
-              <a:buFont typeface="Arial" panose="020B0604020202020204" pitchFamily="34" charset="0"/>
+            <a:pPr>
+              <a:lnSpc>
+                <a:spcPct val="80000"/>
+              </a:lnSpc>
+              <a:buSzPct val="100000"/>
+              <a:buFont typeface="Arial"/>
               <a:buChar char="•"/>
-            </a:pPr>
-            <a:r>
-              <a:rPr lang="en-US" sz="3200" dirty="0">
+              <a:defRPr b="0" sz="5000">
                 <a:solidFill>
                   <a:srgbClr val="D1D5DB"/>
                 </a:solidFill>
                 <a:latin typeface="Söhne"/>
-              </a:rPr>
-              <a:t>T</a:t>
-            </a:r>
-            <a:r>
-              <a:rPr lang="en-US" sz="3200" b="0" i="0" dirty="0">
-                <a:solidFill>
-                  <a:srgbClr val="D1D5DB"/>
-                </a:solidFill>
-                <a:effectLst/>
-                <a:latin typeface="Söhne"/>
-              </a:rPr>
-              <a:t>he agent's reward varies with α = 0 and α = 1</a:t>
-            </a:r>
-          </a:p>
-          <a:p>
-            <a:pPr algn="l">
-              <a:buFont typeface="Arial" panose="020B0604020202020204" pitchFamily="34" charset="0"/>
+                <a:ea typeface="Söhne"/>
+                <a:cs typeface="Söhne"/>
+                <a:sym typeface="Söhne"/>
+              </a:defRPr>
+            </a:pPr>
+            <a:r>
+              <a:t>Tabular Q-learning approach used to learn optimal policy by maintaining a table of state-action values</a:t>
+            </a:r>
+          </a:p>
+          <a:p>
+            <a:pPr>
+              <a:lnSpc>
+                <a:spcPct val="80000"/>
+              </a:lnSpc>
+              <a:buSzPct val="100000"/>
+              <a:buFont typeface="Arial"/>
               <a:buChar char="•"/>
-            </a:pPr>
-            <a:r>
-              <a:rPr lang="en-US" sz="3200" b="0" i="0" dirty="0">
-                <a:solidFill>
-                  <a:srgbClr val="D1D5DB"/>
-                </a:solidFill>
-                <a:effectLst/>
-                <a:latin typeface="Söhne"/>
-              </a:rPr>
-              <a:t>α = 0 results in the agent failing to converge and α = 1 results in longer convergence time and lower reward</a:t>
-            </a:r>
-          </a:p>
-          <a:p>
-            <a:pPr algn="l">
-              <a:buFont typeface="Arial" panose="020B0604020202020204" pitchFamily="34" charset="0"/>
-              <a:buChar char="•"/>
-            </a:pPr>
-            <a:r>
-              <a:rPr lang="en-US" sz="3200" dirty="0">
+              <a:defRPr b="0" sz="5000">
                 <a:solidFill>
                   <a:srgbClr val="D1D5DB"/>
                 </a:solidFill>
                 <a:latin typeface="Söhne"/>
-              </a:rPr>
-              <a:t>A</a:t>
-            </a:r>
-            <a:r>
-              <a:rPr lang="en-US" sz="3200" b="0" i="0" dirty="0">
-                <a:solidFill>
-                  <a:srgbClr val="D1D5DB"/>
-                </a:solidFill>
-                <a:effectLst/>
-                <a:latin typeface="Söhne"/>
-              </a:rPr>
-              <a:t>t 0.4 ≤ α ≤ 0.6, we get maximum reward and least time to converge</a:t>
-            </a:r>
-          </a:p>
-          <a:p>
-            <a:pPr marL="0" marR="0" indent="0" algn="ctr" defTabSz="2438338" rtl="0" fontAlgn="auto" latinLnBrk="0" hangingPunct="0">
+                <a:ea typeface="Söhne"/>
+                <a:cs typeface="Söhne"/>
+                <a:sym typeface="Söhne"/>
+              </a:defRPr>
+            </a:pPr>
+            <a:r>
+              <a:t>Q-values initialized to 0 for all state-action pairs, and a decayed epsilon-greedy policy used to explore state space</a:t>
+            </a:r>
+          </a:p>
+          <a:p>
+            <a:pPr>
               <a:lnSpc>
-                <a:spcPct val="100000"/>
+                <a:spcPct val="80000"/>
               </a:lnSpc>
-              <a:spcBef>
-                <a:spcPts val="0"/>
-              </a:spcBef>
-              <a:spcAft>
-                <a:spcPts val="0"/>
-              </a:spcAft>
-              <a:buClrTx/>
-              <a:buSzTx/>
-              <a:buFontTx/>
-              <a:buNone/>
-              <a:tabLst/>
-            </a:pPr>
-            <a:endParaRPr kumimoji="0" lang="en-US" sz="3200" b="0" i="0" u="none" strike="noStrike" cap="none" spc="0" normalizeH="0" baseline="0" dirty="0">
-              <a:ln>
-                <a:noFill/>
-              </a:ln>
-              <a:solidFill>
-                <a:srgbClr val="FFFFFF"/>
-              </a:solidFill>
-              <a:effectLst/>
-              <a:uFillTx/>
-              <a:latin typeface="+mn-lt"/>
-              <a:ea typeface="+mn-ea"/>
-              <a:cs typeface="+mn-cs"/>
-              <a:sym typeface="Helvetica Neue"/>
-            </a:endParaRPr>
-          </a:p>
-        </p:txBody>
-      </p:sp>
-      <p:sp>
-        <p:nvSpPr>
-          <p:cNvPr id="9" name="TextBox 8">
-            <a:extLst>
-              <a:ext uri="{FF2B5EF4-FFF2-40B4-BE49-F238E27FC236}">
-                <a16:creationId xmlns:a16="http://schemas.microsoft.com/office/drawing/2014/main" id="{4E27C07F-F4F6-A2DC-41DE-F67D60826A41}"/>
-              </a:ext>
-            </a:extLst>
-          </p:cNvPr>
-          <p:cNvSpPr txBox="1"/>
-          <p:nvPr/>
-        </p:nvSpPr>
-        <p:spPr>
-          <a:xfrm>
-            <a:off x="15563461" y="8498862"/>
-            <a:ext cx="9144000" cy="4411464"/>
-          </a:xfrm>
-          <a:prstGeom prst="rect">
-            <a:avLst/>
-          </a:prstGeom>
-          <a:noFill/>
-          <a:ln w="12700" cap="flat">
-            <a:noFill/>
-            <a:miter lim="400000"/>
-          </a:ln>
-          <a:effectLst/>
-          <a:sp3d/>
-        </p:spPr>
-        <p:style>
-          <a:lnRef idx="0">
-            <a:scrgbClr r="0" g="0" b="0"/>
-          </a:lnRef>
-          <a:fillRef idx="0">
-            <a:scrgbClr r="0" g="0" b="0"/>
-          </a:fillRef>
-          <a:effectRef idx="0">
-            <a:scrgbClr r="0" g="0" b="0"/>
-          </a:effectRef>
-          <a:fontRef idx="none"/>
-        </p:style>
-        <p:txBody>
-          <a:bodyPr rot="0" spcFirstLastPara="1" vertOverflow="overflow" horzOverflow="overflow" vert="horz" wrap="square" lIns="50800" tIns="50800" rIns="50800" bIns="50800" numCol="1" spcCol="38100" rtlCol="0" anchor="ctr">
-            <a:spAutoFit/>
-          </a:bodyPr>
-          <a:lstStyle/>
-          <a:p>
-            <a:pPr algn="l">
-              <a:buFont typeface="Arial" panose="020B0604020202020204" pitchFamily="34" charset="0"/>
+              <a:buSzPct val="100000"/>
+              <a:buFont typeface="Arial"/>
               <a:buChar char="•"/>
-            </a:pPr>
-            <a:r>
-              <a:rPr lang="en-US" sz="4000" dirty="0">
+              <a:defRPr b="0" sz="5000">
                 <a:solidFill>
                   <a:srgbClr val="D1D5DB"/>
                 </a:solidFill>
                 <a:latin typeface="Söhne"/>
-              </a:rPr>
-              <a:t>T</a:t>
-            </a:r>
-            <a:r>
-              <a:rPr lang="en-US" sz="4000" b="0" i="0" dirty="0">
-                <a:solidFill>
-                  <a:srgbClr val="D1D5DB"/>
-                </a:solidFill>
-                <a:effectLst/>
-                <a:latin typeface="Söhne"/>
-              </a:rPr>
-              <a:t>he agent's reward varies with different convergence times</a:t>
-            </a:r>
-          </a:p>
-          <a:p>
-            <a:pPr algn="l">
-              <a:buFont typeface="Arial" panose="020B0604020202020204" pitchFamily="34" charset="0"/>
+                <a:ea typeface="Söhne"/>
+                <a:cs typeface="Söhne"/>
+                <a:sym typeface="Söhne"/>
+              </a:defRPr>
+            </a:pPr>
+            <a:r>
+              <a:t>Learning rate alpha (α) varied from 0.1 to 0.9 in increments of 0.1, and also tested for very small and very large α values</a:t>
+            </a:r>
+          </a:p>
+          <a:p>
+            <a:pPr>
+              <a:lnSpc>
+                <a:spcPct val="80000"/>
+              </a:lnSpc>
+              <a:buSzPct val="100000"/>
+              <a:buFont typeface="Arial"/>
               <a:buChar char="•"/>
-            </a:pPr>
-            <a:r>
-              <a:rPr lang="en-US" sz="4000" dirty="0">
+              <a:defRPr b="0" sz="5000">
                 <a:solidFill>
                   <a:srgbClr val="D1D5DB"/>
                 </a:solidFill>
                 <a:latin typeface="Söhne"/>
-              </a:rPr>
-              <a:t>F</a:t>
-            </a:r>
-            <a:r>
-              <a:rPr lang="en-US" sz="4000" b="0" i="0" dirty="0">
-                <a:solidFill>
-                  <a:srgbClr val="D1D5DB"/>
-                </a:solidFill>
-                <a:effectLst/>
-                <a:latin typeface="Söhne"/>
-              </a:rPr>
-              <a:t>or more time, the reward is less and for less time, the reward is more</a:t>
-            </a:r>
-          </a:p>
-          <a:p>
-            <a:pPr algn="l">
-              <a:buFont typeface="Arial" panose="020B0604020202020204" pitchFamily="34" charset="0"/>
+                <a:ea typeface="Söhne"/>
+                <a:cs typeface="Söhne"/>
+                <a:sym typeface="Söhne"/>
+              </a:defRPr>
+            </a:pPr>
+            <a:r>
+              <a:t>Hyperparameters set throughout: discount rate (γ) = 1.0, exploration rate (ε) = 0.1, number of episodes = 10,000</a:t>
+            </a:r>
+          </a:p>
+          <a:p>
+            <a:pPr>
+              <a:lnSpc>
+                <a:spcPct val="80000"/>
+              </a:lnSpc>
+              <a:buSzPct val="100000"/>
+              <a:buFont typeface="Arial"/>
               <a:buChar char="•"/>
-            </a:pPr>
-            <a:r>
-              <a:rPr lang="en-US" sz="4000" dirty="0">
+              <a:defRPr b="0" sz="5000">
                 <a:solidFill>
                   <a:srgbClr val="D1D5DB"/>
                 </a:solidFill>
                 <a:latin typeface="Söhne"/>
-              </a:rPr>
-              <a:t>There is an</a:t>
-            </a:r>
-            <a:r>
-              <a:rPr lang="en-US" sz="4000" b="0" i="0" dirty="0">
+                <a:ea typeface="Söhne"/>
+                <a:cs typeface="Söhne"/>
+                <a:sym typeface="Söhne"/>
+              </a:defRPr>
+            </a:pPr>
+            <a:r>
+              <a:t>Performance evaluated in terms of computational efficiency (time taken to converge) and maximizing reward (average reward obtained)</a:t>
+            </a:r>
+          </a:p>
+          <a:p>
+            <a:pPr>
+              <a:lnSpc>
+                <a:spcPct val="80000"/>
+              </a:lnSpc>
+              <a:buSzPct val="100000"/>
+              <a:buFont typeface="Arial"/>
+              <a:buChar char="•"/>
+              <a:defRPr b="0" sz="5000">
                 <a:solidFill>
                   <a:srgbClr val="D1D5DB"/>
                 </a:solidFill>
-                <a:effectLst/>
                 <a:latin typeface="Söhne"/>
-              </a:rPr>
-              <a:t> inverse relationship between time taken to converge and reward</a:t>
-            </a:r>
-          </a:p>
-          <a:p>
-            <a:pPr marL="0" marR="0" indent="0" algn="ctr" defTabSz="2438338" rtl="0" fontAlgn="auto" latinLnBrk="0" hangingPunct="0">
+                <a:ea typeface="Söhne"/>
+                <a:cs typeface="Söhne"/>
+                <a:sym typeface="Söhne"/>
+              </a:defRPr>
+            </a:pPr>
+            <a:r>
+              <a:t>Total of 5 independent runs conducted for each α value and the mean of performance metrics recorded</a:t>
+            </a:r>
+          </a:p>
+          <a:p>
+            <a:pPr>
               <a:lnSpc>
-                <a:spcPct val="100000"/>
+                <a:spcPct val="80000"/>
               </a:lnSpc>
-              <a:spcBef>
-                <a:spcPts val="0"/>
-              </a:spcBef>
-              <a:spcAft>
-                <a:spcPts val="0"/>
-              </a:spcAft>
-              <a:buClrTx/>
-              <a:buSzTx/>
-              <a:buFontTx/>
-              <a:buNone/>
-              <a:tabLst/>
+              <a:buSzPct val="100000"/>
+              <a:buFont typeface="Arial"/>
+              <a:buChar char="•"/>
+              <a:defRPr b="0" sz="5000">
+                <a:solidFill>
+                  <a:srgbClr val="D1D5DB"/>
+                </a:solidFill>
+                <a:latin typeface="Söhne"/>
+                <a:ea typeface="Söhne"/>
+                <a:cs typeface="Söhne"/>
+                <a:sym typeface="Söhne"/>
+              </a:defRPr>
             </a:pPr>
-            <a:endParaRPr kumimoji="0" lang="en-US" sz="4000" b="0" i="0" u="none" strike="noStrike" cap="none" spc="0" normalizeH="0" baseline="0" dirty="0">
-              <a:ln>
-                <a:noFill/>
-              </a:ln>
-              <a:solidFill>
-                <a:srgbClr val="FFFFFF"/>
-              </a:solidFill>
-              <a:effectLst/>
-              <a:uFillTx/>
-              <a:latin typeface="+mn-lt"/>
-              <a:ea typeface="+mn-ea"/>
-              <a:cs typeface="+mn-cs"/>
-              <a:sym typeface="Helvetica Neue"/>
-            </a:endParaRPr>
-          </a:p>
-        </p:txBody>
-      </p:sp>
-      <p:sp>
-        <p:nvSpPr>
-          <p:cNvPr id="10" name="TextBox 9">
-            <a:extLst>
-              <a:ext uri="{FF2B5EF4-FFF2-40B4-BE49-F238E27FC236}">
-                <a16:creationId xmlns:a16="http://schemas.microsoft.com/office/drawing/2014/main" id="{355AD560-E95E-C44F-6D19-3F1E18FEB8D0}"/>
-              </a:ext>
-            </a:extLst>
-          </p:cNvPr>
-          <p:cNvSpPr txBox="1"/>
-          <p:nvPr/>
-        </p:nvSpPr>
-        <p:spPr>
-          <a:xfrm flipH="1">
-            <a:off x="15992668" y="7614440"/>
-            <a:ext cx="4673071" cy="656590"/>
-          </a:xfrm>
-          <a:prstGeom prst="rect">
-            <a:avLst/>
-          </a:prstGeom>
-          <a:noFill/>
-          <a:ln w="12700" cap="flat">
-            <a:noFill/>
-            <a:miter lim="400000"/>
-          </a:ln>
-          <a:effectLst/>
-          <a:sp3d/>
-        </p:spPr>
-        <p:style>
-          <a:lnRef idx="0">
-            <a:scrgbClr r="0" g="0" b="0"/>
-          </a:lnRef>
-          <a:fillRef idx="0">
-            <a:scrgbClr r="0" g="0" b="0"/>
-          </a:fillRef>
-          <a:effectRef idx="0">
-            <a:scrgbClr r="0" g="0" b="0"/>
-          </a:effectRef>
-          <a:fontRef idx="none"/>
-        </p:style>
-        <p:txBody>
-          <a:bodyPr rot="0" spcFirstLastPara="1" vertOverflow="overflow" horzOverflow="overflow" vert="horz" wrap="square" lIns="50800" tIns="50800" rIns="50800" bIns="50800" numCol="1" spcCol="38100" rtlCol="0" anchor="ctr">
-            <a:spAutoFit/>
-          </a:bodyPr>
-          <a:lstStyle/>
-          <a:p>
-            <a:pPr marL="0" marR="0" indent="0" algn="ctr" defTabSz="2438338" rtl="0" fontAlgn="auto" latinLnBrk="0" hangingPunct="0">
-              <a:lnSpc>
-                <a:spcPct val="100000"/>
-              </a:lnSpc>
-              <a:spcBef>
-                <a:spcPts val="0"/>
-              </a:spcBef>
-              <a:spcAft>
-                <a:spcPts val="0"/>
-              </a:spcAft>
-              <a:buClrTx/>
-              <a:buSzTx/>
-              <a:buFontTx/>
-              <a:buNone/>
-              <a:tabLst/>
-            </a:pPr>
-            <a:r>
-              <a:rPr kumimoji="0" lang="en-US" sz="3600" b="0" i="0" u="none" strike="noStrike" cap="none" spc="0" normalizeH="0" baseline="0" dirty="0">
-                <a:ln>
-                  <a:noFill/>
-                </a:ln>
-                <a:solidFill>
-                  <a:srgbClr val="FFFFFF"/>
-                </a:solidFill>
-                <a:effectLst/>
-                <a:uFillTx/>
-                <a:latin typeface="+mn-lt"/>
-                <a:ea typeface="+mn-ea"/>
-                <a:cs typeface="+mn-cs"/>
-                <a:sym typeface="Helvetica Neue"/>
-              </a:rPr>
-              <a:t>For rest of the plots</a:t>
+            <a:r>
+              <a:t>Randomized starting states and passenger/destination locations used to ensure generalization to different scenarios.</a:t>
             </a:r>
           </a:p>
         </p:txBody>
       </p:sp>
     </p:spTree>
-    <p:extLst>
-      <p:ext uri="{BB962C8B-B14F-4D97-AF65-F5344CB8AC3E}">
-        <p14:creationId xmlns:p14="http://schemas.microsoft.com/office/powerpoint/2010/main" val="3570553115"/>
-      </p:ext>
-    </p:extLst>
   </p:cSld>
   <p:clrMapOvr>
     <a:masterClrMapping/>
   </p:clrMapOvr>
-  <p:transition spd="med"/>
+  <p:transition xmlns:p14="http://schemas.microsoft.com/office/powerpoint/2010/main" spd="med" advClick="1"/>
 </p:sld>
 </file>
 
-<file path=ppt/slides/slide6.xml><?xml version="1.0" encoding="utf-8"?>
-<p:sld xmlns:a="http://schemas.openxmlformats.org/drawingml/2006/main" xmlns:r="http://schemas.openxmlformats.org/officeDocument/2006/relationships" xmlns:p="http://schemas.openxmlformats.org/presentationml/2006/main">
+<file path=ppt/slides/slide14.xml><?xml version="1.0" encoding="utf-8"?>
+<p:sld xmlns:a="http://schemas.openxmlformats.org/drawingml/2006/main" xmlns:r="http://schemas.openxmlformats.org/officeDocument/2006/relationships" xmlns:p="http://schemas.openxmlformats.org/presentationml/2006/main" xmlns:m="http://schemas.openxmlformats.org/officeDocument/2006/math" xmlns:a14="http://schemas.microsoft.com/office/drawing/2010/main" showMasterSp="1" showMasterPhAnim="1">
   <p:cSld>
     <p:spTree>
       <p:nvGrpSpPr>
@@ -5359,198 +4446,450 @@
       </p:grpSpPr>
       <p:sp>
         <p:nvSpPr>
-          <p:cNvPr id="3" name="Title 2">
-            <a:extLst>
-              <a:ext uri="{FF2B5EF4-FFF2-40B4-BE49-F238E27FC236}">
-                <a16:creationId xmlns:a16="http://schemas.microsoft.com/office/drawing/2014/main" id="{689C61A5-00CC-38DA-E869-99629A1E3DE0}"/>
-              </a:ext>
-            </a:extLst>
-          </p:cNvPr>
-          <p:cNvSpPr>
-            <a:spLocks noGrp="1"/>
-          </p:cNvSpPr>
+          <p:cNvPr id="165" name="Title 1"/>
+          <p:cNvSpPr txBox="1"/>
           <p:nvPr>
             <p:ph type="title"/>
           </p:nvPr>
         </p:nvSpPr>
         <p:spPr>
           <a:xfrm>
-            <a:off x="851934" y="446313"/>
-            <a:ext cx="21971001" cy="2576547"/>
+            <a:off x="1206500" y="120000"/>
+            <a:ext cx="10985500" cy="2623200"/>
           </a:xfrm>
+          <a:prstGeom prst="rect">
+            <a:avLst/>
+          </a:prstGeom>
+        </p:spPr>
+        <p:txBody>
+          <a:bodyPr/>
+          <a:lstStyle>
+            <a:lvl1pPr>
+              <a:defRPr b="0" spc="-200">
+                <a:solidFill>
+                  <a:srgbClr val="D1D5DB"/>
+                </a:solidFill>
+                <a:latin typeface="Söhne"/>
+                <a:ea typeface="Söhne"/>
+                <a:cs typeface="Söhne"/>
+                <a:sym typeface="Söhne"/>
+              </a:defRPr>
+            </a:lvl1pPr>
+          </a:lstStyle>
+          <a:p>
+            <a:pPr/>
+            <a:r>
+              <a:t>Impact of Alpha on Agent's Performance</a:t>
+            </a:r>
+          </a:p>
+        </p:txBody>
+      </p:sp>
+      <p:sp>
+        <p:nvSpPr>
+          <p:cNvPr id="166" name="Text Placeholder 2"/>
+          <p:cNvSpPr txBox="1"/>
+          <p:nvPr>
+            <p:ph type="body" sz="half" idx="1"/>
+          </p:nvPr>
+        </p:nvSpPr>
+        <p:spPr>
+          <a:xfrm>
+            <a:off x="982565" y="2975169"/>
+            <a:ext cx="12509501" cy="10125011"/>
+          </a:xfrm>
+          <a:prstGeom prst="rect">
+            <a:avLst/>
+          </a:prstGeom>
         </p:spPr>
         <p:txBody>
           <a:bodyPr/>
           <a:lstStyle/>
           <a:p>
-            <a:pPr algn="ctr"/>
-            <a:r>
-              <a:rPr lang="en-US" dirty="0"/>
-              <a:t>CONCLUSION </a:t>
+            <a:pPr>
+              <a:buSzPct val="100000"/>
+              <a:buFont typeface="Arial"/>
+              <a:buChar char="•"/>
+              <a:defRPr b="0">
+                <a:solidFill>
+                  <a:srgbClr val="D1D5DB"/>
+                </a:solidFill>
+                <a:latin typeface="Söhne"/>
+                <a:ea typeface="Söhne"/>
+                <a:cs typeface="Söhne"/>
+                <a:sym typeface="Söhne"/>
+              </a:defRPr>
+            </a:pPr>
+            <a:r>
+              <a:t>α has a significant impact on the agent's performance</a:t>
+            </a:r>
+          </a:p>
+          <a:p>
+            <a:pPr>
+              <a:buSzPct val="100000"/>
+              <a:buFont typeface="Arial"/>
+              <a:buChar char="•"/>
+              <a:defRPr b="0">
+                <a:solidFill>
+                  <a:srgbClr val="D1D5DB"/>
+                </a:solidFill>
+                <a:latin typeface="Söhne"/>
+                <a:ea typeface="Söhne"/>
+                <a:cs typeface="Söhne"/>
+                <a:sym typeface="Söhne"/>
+              </a:defRPr>
+            </a:pPr>
+            <a:r>
+              <a:t>Choosing an appropriate value for α is important for the Q-learning algorithm to converge to the optimal policy</a:t>
             </a:r>
           </a:p>
         </p:txBody>
       </p:sp>
       <p:sp>
         <p:nvSpPr>
-          <p:cNvPr id="4" name="Text Placeholder 3">
-            <a:extLst>
-              <a:ext uri="{FF2B5EF4-FFF2-40B4-BE49-F238E27FC236}">
-                <a16:creationId xmlns:a16="http://schemas.microsoft.com/office/drawing/2014/main" id="{4718C0AB-3E9C-1D31-F758-7435F1D2DCBF}"/>
-              </a:ext>
-            </a:extLst>
-          </p:cNvPr>
-          <p:cNvSpPr>
-            <a:spLocks noGrp="1"/>
-          </p:cNvSpPr>
-          <p:nvPr>
-            <p:ph type="body" sz="quarter" idx="1"/>
-          </p:nvPr>
+          <p:cNvPr id="167" name="TextBox 12"/>
+          <p:cNvSpPr txBox="1"/>
+          <p:nvPr/>
         </p:nvSpPr>
         <p:spPr>
           <a:xfrm>
-            <a:off x="851934" y="4012163"/>
-            <a:ext cx="22325565" cy="8696131"/>
+            <a:off x="16353938" y="5340301"/>
+            <a:ext cx="5859626" cy="2250644"/>
           </a:xfrm>
+          <a:prstGeom prst="rect">
+            <a:avLst/>
+          </a:prstGeom>
+          <a:ln w="12700">
+            <a:miter lim="400000"/>
+          </a:ln>
+          <a:extLst>
+            <a:ext uri="{C572A759-6A51-4108-AA02-DFA0A04FC94B}">
+              <ma14:wrappingTextBoxFlag xmlns:ma14="http://schemas.microsoft.com/office/mac/drawingml/2011/main" val="1"/>
+            </a:ext>
+          </a:extLst>
         </p:spPr>
         <p:txBody>
-          <a:bodyPr>
-            <a:normAutofit fontScale="92500" lnSpcReduction="10000"/>
+          <a:bodyPr lIns="50800" tIns="50800" rIns="50800" bIns="50800" anchor="ctr">
+            <a:spAutoFit/>
           </a:bodyPr>
           <a:lstStyle/>
           <a:p>
             <a:pPr algn="l">
-              <a:buFont typeface="Arial" panose="020B0604020202020204" pitchFamily="34" charset="0"/>
+              <a:buSzPct val="100000"/>
+              <a:buFont typeface="Arial"/>
               <a:buChar char="•"/>
-            </a:pPr>
-            <a:r>
-              <a:rPr lang="en-US" b="0" i="0" dirty="0">
+              <a:defRPr sz="2800">
                 <a:solidFill>
                   <a:srgbClr val="D1D5DB"/>
                 </a:solidFill>
-                <a:effectLst/>
                 <a:latin typeface="Söhne"/>
-              </a:rPr>
-              <a:t>Choice of α significantly impacts agent's performance in Q-learning algorithm.</a:t>
-            </a:r>
+                <a:ea typeface="Söhne"/>
+                <a:cs typeface="Söhne"/>
+                <a:sym typeface="Söhne"/>
+              </a:defRPr>
+            </a:pPr>
+            <a:r>
+              <a:t>The agent's convergence time varies with different α values</a:t>
+            </a:r>
+            <a:endParaRPr>
+              <a:solidFill>
+                <a:srgbClr val="FFFFFF"/>
+              </a:solidFill>
+            </a:endParaRPr>
           </a:p>
           <a:p>
             <a:pPr algn="l">
-              <a:buFont typeface="Arial" panose="020B0604020202020204" pitchFamily="34" charset="0"/>
+              <a:buSzPct val="100000"/>
+              <a:buFont typeface="Arial"/>
               <a:buChar char="•"/>
-            </a:pPr>
-            <a:r>
-              <a:rPr lang="en-US" b="0" i="0" dirty="0">
+              <a:defRPr sz="2800">
                 <a:solidFill>
                   <a:srgbClr val="D1D5DB"/>
                 </a:solidFill>
-                <a:effectLst/>
                 <a:latin typeface="Söhne"/>
-              </a:rPr>
-              <a:t>An appropriate value of α is crucial for the algorithm to converge to optimal policy.</a:t>
-            </a:r>
-          </a:p>
+                <a:ea typeface="Söhne"/>
+                <a:cs typeface="Söhne"/>
+                <a:sym typeface="Söhne"/>
+              </a:defRPr>
+            </a:pPr>
+            <a:r>
+              <a:t>Very low or very high α values result in longer convergence times</a:t>
+            </a:r>
+            <a:endParaRPr>
+              <a:solidFill>
+                <a:srgbClr val="FFFFFF"/>
+              </a:solidFill>
+            </a:endParaRPr>
+          </a:p>
+        </p:txBody>
+      </p:sp>
+      <p:pic>
+        <p:nvPicPr>
+          <p:cNvPr id="168" name="Picture 14" descr="Picture 14"/>
+          <p:cNvPicPr>
+            <a:picLocks noChangeAspect="1"/>
+          </p:cNvPicPr>
+          <p:nvPr/>
+        </p:nvPicPr>
+        <p:blipFill>
+          <a:blip r:embed="rId2">
+            <a:extLst/>
+          </a:blip>
+          <a:stretch>
+            <a:fillRect/>
+          </a:stretch>
+        </p:blipFill>
+        <p:spPr>
+          <a:xfrm>
+            <a:off x="15856791" y="858878"/>
+            <a:ext cx="6853919" cy="4478231"/>
+          </a:xfrm>
+          <a:prstGeom prst="rect">
+            <a:avLst/>
+          </a:prstGeom>
+          <a:ln w="12700">
+            <a:miter lim="400000"/>
+          </a:ln>
+        </p:spPr>
+      </p:pic>
+      <p:sp>
+        <p:nvSpPr>
+          <p:cNvPr id="169" name="TextBox 18"/>
+          <p:cNvSpPr txBox="1"/>
+          <p:nvPr/>
+        </p:nvSpPr>
+        <p:spPr>
+          <a:xfrm>
+            <a:off x="16210867" y="11457185"/>
+            <a:ext cx="7376921" cy="2260601"/>
+          </a:xfrm>
+          <a:prstGeom prst="rect">
+            <a:avLst/>
+          </a:prstGeom>
+          <a:ln w="12700">
+            <a:miter lim="400000"/>
+          </a:ln>
+          <a:extLst>
+            <a:ext uri="{C572A759-6A51-4108-AA02-DFA0A04FC94B}">
+              <ma14:wrappingTextBoxFlag xmlns:ma14="http://schemas.microsoft.com/office/mac/drawingml/2011/main" val="1"/>
+            </a:ext>
+          </a:extLst>
+        </p:spPr>
+        <p:txBody>
+          <a:bodyPr lIns="50800" tIns="50800" rIns="50800" bIns="50800" anchor="ctr">
+            <a:spAutoFit/>
+          </a:bodyPr>
+          <a:lstStyle/>
           <a:p>
             <a:pPr algn="l">
-              <a:buFont typeface="Arial" panose="020B0604020202020204" pitchFamily="34" charset="0"/>
+              <a:buSzPct val="100000"/>
+              <a:buFont typeface="Arial"/>
               <a:buChar char="•"/>
-            </a:pPr>
-            <a:r>
-              <a:rPr lang="en-US" b="0" i="0" dirty="0">
+              <a:defRPr sz="2800">
                 <a:solidFill>
                   <a:srgbClr val="D1D5DB"/>
                 </a:solidFill>
-                <a:effectLst/>
                 <a:latin typeface="Söhne"/>
-              </a:rPr>
-              <a:t>Plots 1 and 2 show that if α is too high or too low, the agent may require more time to converge, lowering reward.</a:t>
-            </a:r>
+                <a:ea typeface="Söhne"/>
+                <a:cs typeface="Söhne"/>
+                <a:sym typeface="Söhne"/>
+              </a:defRPr>
+            </a:pPr>
+            <a:r>
+              <a:t>The agent's reward varies with different α values</a:t>
+            </a:r>
+            <a:endParaRPr>
+              <a:solidFill>
+                <a:srgbClr val="FFFFFF"/>
+              </a:solidFill>
+            </a:endParaRPr>
           </a:p>
           <a:p>
             <a:pPr algn="l">
-              <a:buFont typeface="Arial" panose="020B0604020202020204" pitchFamily="34" charset="0"/>
+              <a:buSzPct val="100000"/>
+              <a:buFont typeface="Arial"/>
               <a:buChar char="•"/>
-            </a:pPr>
-            <a:r>
-              <a:rPr lang="en-US" b="0" i="0" dirty="0">
+              <a:defRPr sz="2800">
                 <a:solidFill>
                   <a:srgbClr val="D1D5DB"/>
                 </a:solidFill>
-                <a:effectLst/>
                 <a:latin typeface="Söhne"/>
-              </a:rPr>
-              <a:t>Optimal range for α is 0.4 to 0.6, with α = 0.5 showing the least time to converge and maximum reward.</a:t>
-            </a:r>
-          </a:p>
+                <a:ea typeface="Söhne"/>
+                <a:cs typeface="Söhne"/>
+                <a:sym typeface="Söhne"/>
+              </a:defRPr>
+            </a:pPr>
+            <a:r>
+              <a:t>The learning rate at which we get the maximum reward is in the range of 0.4 to 0.6, mostly at 0.5</a:t>
+            </a:r>
+          </a:p>
+        </p:txBody>
+      </p:sp>
+      <p:pic>
+        <p:nvPicPr>
+          <p:cNvPr id="170" name="Picture 20" descr="Picture 20"/>
+          <p:cNvPicPr>
+            <a:picLocks noChangeAspect="1"/>
+          </p:cNvPicPr>
+          <p:nvPr/>
+        </p:nvPicPr>
+        <p:blipFill>
+          <a:blip r:embed="rId3">
+            <a:extLst/>
+          </a:blip>
+          <a:stretch>
+            <a:fillRect/>
+          </a:stretch>
+        </p:blipFill>
+        <p:spPr>
+          <a:xfrm>
+            <a:off x="16210867" y="7446336"/>
+            <a:ext cx="6686455" cy="4160529"/>
+          </a:xfrm>
+          <a:prstGeom prst="rect">
+            <a:avLst/>
+          </a:prstGeom>
+          <a:ln w="12700">
+            <a:miter lim="400000"/>
+          </a:ln>
+        </p:spPr>
+      </p:pic>
+      <p:pic>
+        <p:nvPicPr>
+          <p:cNvPr id="171" name="Picture 22" descr="Picture 22"/>
+          <p:cNvPicPr>
+            <a:picLocks noChangeAspect="1"/>
+          </p:cNvPicPr>
+          <p:nvPr/>
+        </p:nvPicPr>
+        <p:blipFill>
+          <a:blip r:embed="rId4">
+            <a:extLst/>
+          </a:blip>
+          <a:stretch>
+            <a:fillRect/>
+          </a:stretch>
+        </p:blipFill>
+        <p:spPr>
+          <a:xfrm>
+            <a:off x="348828" y="8042988"/>
+            <a:ext cx="7376919" cy="5057193"/>
+          </a:xfrm>
+          <a:prstGeom prst="rect">
+            <a:avLst/>
+          </a:prstGeom>
+          <a:ln w="12700">
+            <a:miter lim="400000"/>
+          </a:ln>
+        </p:spPr>
+      </p:pic>
+      <p:sp>
+        <p:nvSpPr>
+          <p:cNvPr id="172" name="TextBox 25"/>
+          <p:cNvSpPr txBox="1"/>
+          <p:nvPr/>
+        </p:nvSpPr>
+        <p:spPr>
+          <a:xfrm>
+            <a:off x="8322697" y="10038263"/>
+            <a:ext cx="7285479" cy="1932941"/>
+          </a:xfrm>
+          <a:prstGeom prst="rect">
+            <a:avLst/>
+          </a:prstGeom>
+          <a:ln w="12700">
+            <a:miter lim="400000"/>
+          </a:ln>
+          <a:extLst>
+            <a:ext uri="{C572A759-6A51-4108-AA02-DFA0A04FC94B}">
+              <ma14:wrappingTextBoxFlag xmlns:ma14="http://schemas.microsoft.com/office/mac/drawingml/2011/main" val="1"/>
+            </a:ext>
+          </a:extLst>
+        </p:spPr>
+        <p:txBody>
+          <a:bodyPr lIns="45719" rIns="45719">
+            <a:spAutoFit/>
+          </a:bodyPr>
+          <a:lstStyle/>
           <a:p>
             <a:pPr algn="l">
-              <a:buFont typeface="Arial" panose="020B0604020202020204" pitchFamily="34" charset="0"/>
+              <a:buSzPct val="100000"/>
+              <a:buFont typeface="Arial"/>
               <a:buChar char="•"/>
-            </a:pPr>
-            <a:r>
-              <a:rPr lang="en-US" b="0" i="0" dirty="0">
+              <a:defRPr>
                 <a:solidFill>
                   <a:srgbClr val="D1D5DB"/>
                 </a:solidFill>
-                <a:effectLst/>
                 <a:latin typeface="Söhne"/>
-              </a:rPr>
-              <a:t>Very low or very high α values result in higher time taken to converge than normal range of α values.</a:t>
-            </a:r>
+                <a:ea typeface="Söhne"/>
+                <a:cs typeface="Söhne"/>
+                <a:sym typeface="Söhne"/>
+              </a:defRPr>
+            </a:pPr>
+            <a:r>
+              <a:t>The agent's convergence time varies with very small α values</a:t>
+            </a:r>
+            <a:endParaRPr>
+              <a:solidFill>
+                <a:srgbClr val="FFFFFF"/>
+              </a:solidFill>
+            </a:endParaRPr>
           </a:p>
           <a:p>
             <a:pPr algn="l">
-              <a:buFont typeface="Arial" panose="020B0604020202020204" pitchFamily="34" charset="0"/>
+              <a:buSzPct val="100000"/>
+              <a:buFont typeface="Arial"/>
               <a:buChar char="•"/>
-            </a:pPr>
-            <a:r>
-              <a:rPr lang="en-US" b="0" i="0" dirty="0">
+              <a:defRPr>
                 <a:solidFill>
                   <a:srgbClr val="D1D5DB"/>
                 </a:solidFill>
-                <a:effectLst/>
                 <a:latin typeface="Söhne"/>
-              </a:rPr>
-              <a:t>Time taken to converge is inversely proportional to the reward obtained, emphasizing the importance of maximizing reward and computational efficiency.</a:t>
-            </a:r>
+                <a:ea typeface="Söhne"/>
+                <a:cs typeface="Söhne"/>
+                <a:sym typeface="Söhne"/>
+              </a:defRPr>
+            </a:pPr>
+            <a:r>
+              <a:t>The agent will not maximize reward and will take longer to converge for very small α values</a:t>
+            </a:r>
+            <a:endParaRPr>
+              <a:solidFill>
+                <a:srgbClr val="FFFFFF"/>
+              </a:solidFill>
+            </a:endParaRPr>
           </a:p>
           <a:p>
             <a:pPr algn="l">
-              <a:buFont typeface="Arial" panose="020B0604020202020204" pitchFamily="34" charset="0"/>
+              <a:buSzPct val="100000"/>
+              <a:buFont typeface="Arial"/>
               <a:buChar char="•"/>
-            </a:pPr>
-            <a:r>
-              <a:rPr lang="en-US" b="0" i="0" dirty="0">
+              <a:defRPr>
                 <a:solidFill>
                   <a:srgbClr val="D1D5DB"/>
                 </a:solidFill>
-                <a:effectLst/>
                 <a:latin typeface="Söhne"/>
-              </a:rPr>
-              <a:t>It is recommended to choose an appropriate value of α to maximize reward and computational efficiency in Q-learning algorithm.</a:t>
-            </a:r>
-          </a:p>
-          <a:p>
-            <a:endParaRPr lang="en-US" dirty="0"/>
+                <a:ea typeface="Söhne"/>
+                <a:cs typeface="Söhne"/>
+                <a:sym typeface="Söhne"/>
+              </a:defRPr>
+            </a:pPr>
+            <a:r>
+              <a:t> α = 0 results in the agent failing to converge</a:t>
+            </a:r>
           </a:p>
         </p:txBody>
       </p:sp>
     </p:spTree>
-    <p:extLst>
-      <p:ext uri="{BB962C8B-B14F-4D97-AF65-F5344CB8AC3E}">
-        <p14:creationId xmlns:p14="http://schemas.microsoft.com/office/powerpoint/2010/main" val="518265461"/>
-      </p:ext>
-    </p:extLst>
   </p:cSld>
   <p:clrMapOvr>
     <a:masterClrMapping/>
   </p:clrMapOvr>
-  <p:transition spd="med"/>
+  <p:transition xmlns:p14="http://schemas.microsoft.com/office/powerpoint/2010/main" spd="med" advClick="1"/>
 </p:sld>
 </file>
 
-<file path=ppt/slides/slide7.xml><?xml version="1.0" encoding="utf-8"?>
-<p:sld xmlns:a="http://schemas.openxmlformats.org/drawingml/2006/main" xmlns:r="http://schemas.openxmlformats.org/officeDocument/2006/relationships" xmlns:p="http://schemas.openxmlformats.org/presentationml/2006/main">
+<file path=ppt/slides/slide15.xml><?xml version="1.0" encoding="utf-8"?>
+<p:sld xmlns:a="http://schemas.openxmlformats.org/drawingml/2006/main" xmlns:r="http://schemas.openxmlformats.org/officeDocument/2006/relationships" xmlns:p="http://schemas.openxmlformats.org/presentationml/2006/main" xmlns:m="http://schemas.openxmlformats.org/officeDocument/2006/math" xmlns:a14="http://schemas.microsoft.com/office/drawing/2010/main" showMasterSp="1" showMasterPhAnim="1">
   <p:cSld>
     <p:spTree>
       <p:nvGrpSpPr>
@@ -5568,62 +4907,1232 @@
       </p:grpSpPr>
       <p:sp>
         <p:nvSpPr>
-          <p:cNvPr id="3" name="Title 2">
-            <a:extLst>
-              <a:ext uri="{FF2B5EF4-FFF2-40B4-BE49-F238E27FC236}">
-                <a16:creationId xmlns:a16="http://schemas.microsoft.com/office/drawing/2014/main" id="{40B32922-14DC-FF5F-B6EE-0A8B05DC7566}"/>
-              </a:ext>
-            </a:extLst>
-          </p:cNvPr>
-          <p:cNvSpPr>
-            <a:spLocks noGrp="1"/>
-          </p:cNvSpPr>
+          <p:cNvPr id="174" name="Title 2"/>
+          <p:cNvSpPr txBox="1"/>
           <p:nvPr>
             <p:ph type="title"/>
           </p:nvPr>
         </p:nvSpPr>
-        <p:spPr/>
+        <p:spPr>
+          <a:xfrm>
+            <a:off x="357409" y="442700"/>
+            <a:ext cx="23669182" cy="3043081"/>
+          </a:xfrm>
+          <a:prstGeom prst="rect">
+            <a:avLst/>
+          </a:prstGeom>
+        </p:spPr>
         <p:txBody>
           <a:bodyPr/>
+          <a:lstStyle>
+            <a:lvl1pPr algn="ctr" defTabSz="2243271">
+              <a:defRPr b="0" spc="-276" sz="10672">
+                <a:solidFill>
+                  <a:srgbClr val="D1D5DB"/>
+                </a:solidFill>
+                <a:latin typeface="Söhne"/>
+                <a:ea typeface="Söhne"/>
+                <a:cs typeface="Söhne"/>
+                <a:sym typeface="Söhne"/>
+              </a:defRPr>
+            </a:lvl1pPr>
+          </a:lstStyle>
+          <a:p>
+            <a:pPr/>
+            <a:r>
+              <a:t>Relation between time taken to converge and reward</a:t>
+            </a:r>
+          </a:p>
+        </p:txBody>
+      </p:sp>
+      <p:sp>
+        <p:nvSpPr>
+          <p:cNvPr id="175" name="Text Placeholder 3"/>
+          <p:cNvSpPr txBox="1"/>
+          <p:nvPr>
+            <p:ph type="body" sz="half" idx="1"/>
+          </p:nvPr>
+        </p:nvSpPr>
+        <p:spPr>
+          <a:xfrm>
+            <a:off x="357408" y="3684099"/>
+            <a:ext cx="19362840" cy="4359099"/>
+          </a:xfrm>
+          <a:prstGeom prst="rect">
+            <a:avLst/>
+          </a:prstGeom>
+        </p:spPr>
+        <p:txBody>
+          <a:bodyPr lIns="50800" tIns="50800" rIns="50800" bIns="50800" anchor="t"/>
           <a:lstStyle/>
           <a:p>
-            <a:pPr algn="ctr"/>
-            <a:r>
-              <a:rPr lang="en-US" dirty="0"/>
-              <a:t>THANKYOU!</a:t>
+            <a:pPr>
+              <a:buSzPct val="100000"/>
+              <a:buFont typeface="Arial"/>
+              <a:buChar char="•"/>
+              <a:defRPr b="0" sz="5500">
+                <a:solidFill>
+                  <a:srgbClr val="D1D5DB"/>
+                </a:solidFill>
+                <a:latin typeface="Söhne"/>
+                <a:ea typeface="Söhne"/>
+                <a:cs typeface="Söhne"/>
+                <a:sym typeface="Söhne"/>
+              </a:defRPr>
+            </a:pPr>
+            <a:r>
+              <a:t>Time taken to converge and reward have an inverse relation</a:t>
+            </a:r>
+          </a:p>
+          <a:p>
+            <a:pPr>
+              <a:buSzPct val="100000"/>
+              <a:buFont typeface="Arial"/>
+              <a:buChar char="•"/>
+              <a:defRPr b="0" sz="5500">
+                <a:solidFill>
+                  <a:srgbClr val="D1D5DB"/>
+                </a:solidFill>
+                <a:latin typeface="Söhne"/>
+                <a:ea typeface="Söhne"/>
+                <a:cs typeface="Söhne"/>
+                <a:sym typeface="Söhne"/>
+              </a:defRPr>
+            </a:pPr>
+            <a:r>
+              <a:t>Maximizing reward is inversely proportional to computational efficiency, i.e. time taken to converge</a:t>
+            </a:r>
+          </a:p>
+          <a:p>
+            <a:pPr>
+              <a:buSzPct val="100000"/>
+              <a:buFont typeface="Arial"/>
+              <a:buChar char="•"/>
+              <a:defRPr b="0" sz="5500">
+                <a:solidFill>
+                  <a:srgbClr val="D1D5DB"/>
+                </a:solidFill>
+                <a:latin typeface="Söhne"/>
+                <a:ea typeface="Söhne"/>
+                <a:cs typeface="Söhne"/>
+                <a:sym typeface="Söhne"/>
+              </a:defRPr>
+            </a:pPr>
+            <a:r>
+              <a:t>Agent takes less time to obtain maximum reward and vice versa</a:t>
+            </a:r>
+          </a:p>
+        </p:txBody>
+      </p:sp>
+      <p:pic>
+        <p:nvPicPr>
+          <p:cNvPr id="176" name="Picture 5" descr="Picture 5"/>
+          <p:cNvPicPr>
+            <a:picLocks noChangeAspect="1"/>
+          </p:cNvPicPr>
+          <p:nvPr/>
+        </p:nvPicPr>
+        <p:blipFill>
+          <a:blip r:embed="rId2">
+            <a:extLst/>
+          </a:blip>
+          <a:stretch>
+            <a:fillRect/>
+          </a:stretch>
+        </p:blipFill>
+        <p:spPr>
+          <a:xfrm>
+            <a:off x="638176" y="8624330"/>
+            <a:ext cx="5650656" cy="4160528"/>
+          </a:xfrm>
+          <a:prstGeom prst="rect">
+            <a:avLst/>
+          </a:prstGeom>
+          <a:ln w="12700">
+            <a:miter lim="400000"/>
+          </a:ln>
+        </p:spPr>
+      </p:pic>
+      <p:sp>
+        <p:nvSpPr>
+          <p:cNvPr id="177" name="TextBox 7"/>
+          <p:cNvSpPr txBox="1"/>
+          <p:nvPr/>
+        </p:nvSpPr>
+        <p:spPr>
+          <a:xfrm>
+            <a:off x="7165910" y="8669885"/>
+            <a:ext cx="7203232" cy="3951022"/>
+          </a:xfrm>
+          <a:prstGeom prst="rect">
+            <a:avLst/>
+          </a:prstGeom>
+          <a:ln w="12700">
+            <a:miter lim="400000"/>
+          </a:ln>
+          <a:extLst>
+            <a:ext uri="{C572A759-6A51-4108-AA02-DFA0A04FC94B}">
+              <ma14:wrappingTextBoxFlag xmlns:ma14="http://schemas.microsoft.com/office/mac/drawingml/2011/main" val="1"/>
+            </a:ext>
+          </a:extLst>
+        </p:spPr>
+        <p:txBody>
+          <a:bodyPr lIns="50800" tIns="50800" rIns="50800" bIns="50800" anchor="ctr">
+            <a:spAutoFit/>
+          </a:bodyPr>
+          <a:lstStyle/>
+          <a:p>
+            <a:pPr algn="l">
+              <a:buSzPct val="100000"/>
+              <a:buFont typeface="Arial"/>
+              <a:buChar char="•"/>
+              <a:defRPr sz="3200">
+                <a:solidFill>
+                  <a:srgbClr val="D1D5DB"/>
+                </a:solidFill>
+                <a:latin typeface="Söhne"/>
+                <a:ea typeface="Söhne"/>
+                <a:cs typeface="Söhne"/>
+                <a:sym typeface="Söhne"/>
+              </a:defRPr>
+            </a:pPr>
+            <a:r>
+              <a:t>The agent's reward varies with α = 0 and α = 1</a:t>
+            </a:r>
+            <a:endParaRPr>
+              <a:solidFill>
+                <a:srgbClr val="FFFFFF"/>
+              </a:solidFill>
+            </a:endParaRPr>
+          </a:p>
+          <a:p>
+            <a:pPr algn="l">
+              <a:buSzPct val="100000"/>
+              <a:buFont typeface="Arial"/>
+              <a:buChar char="•"/>
+              <a:defRPr sz="3200">
+                <a:solidFill>
+                  <a:srgbClr val="D1D5DB"/>
+                </a:solidFill>
+                <a:latin typeface="Söhne"/>
+                <a:ea typeface="Söhne"/>
+                <a:cs typeface="Söhne"/>
+                <a:sym typeface="Söhne"/>
+              </a:defRPr>
+            </a:pPr>
+            <a:r>
+              <a:t>α = 0 results in the agent failing to converge and α = 1 results in longer convergence time and lower reward</a:t>
+            </a:r>
+            <a:endParaRPr>
+              <a:solidFill>
+                <a:srgbClr val="FFFFFF"/>
+              </a:solidFill>
+            </a:endParaRPr>
+          </a:p>
+          <a:p>
+            <a:pPr algn="l">
+              <a:buSzPct val="100000"/>
+              <a:buFont typeface="Arial"/>
+              <a:buChar char="•"/>
+              <a:defRPr sz="3200">
+                <a:solidFill>
+                  <a:srgbClr val="D1D5DB"/>
+                </a:solidFill>
+                <a:latin typeface="Söhne"/>
+                <a:ea typeface="Söhne"/>
+                <a:cs typeface="Söhne"/>
+                <a:sym typeface="Söhne"/>
+              </a:defRPr>
+            </a:pPr>
+            <a:r>
+              <a:t>At 0.4 ≤ α ≤ 0.6, we get maximum reward and least time to converge</a:t>
+            </a:r>
+            <a:endParaRPr>
+              <a:solidFill>
+                <a:srgbClr val="FFFFFF"/>
+              </a:solidFill>
+            </a:endParaRPr>
+          </a:p>
+        </p:txBody>
+      </p:sp>
+      <p:sp>
+        <p:nvSpPr>
+          <p:cNvPr id="178" name="TextBox 8"/>
+          <p:cNvSpPr txBox="1"/>
+          <p:nvPr/>
+        </p:nvSpPr>
+        <p:spPr>
+          <a:xfrm>
+            <a:off x="15563460" y="8222505"/>
+            <a:ext cx="9144001" cy="4964177"/>
+          </a:xfrm>
+          <a:prstGeom prst="rect">
+            <a:avLst/>
+          </a:prstGeom>
+          <a:ln w="12700">
+            <a:miter lim="400000"/>
+          </a:ln>
+          <a:extLst>
+            <a:ext uri="{C572A759-6A51-4108-AA02-DFA0A04FC94B}">
+              <ma14:wrappingTextBoxFlag xmlns:ma14="http://schemas.microsoft.com/office/mac/drawingml/2011/main" val="1"/>
+            </a:ext>
+          </a:extLst>
+        </p:spPr>
+        <p:txBody>
+          <a:bodyPr lIns="50800" tIns="50800" rIns="50800" bIns="50800" anchor="ctr">
+            <a:spAutoFit/>
+          </a:bodyPr>
+          <a:lstStyle/>
+          <a:p>
+            <a:pPr algn="l">
+              <a:buSzPct val="100000"/>
+              <a:buFont typeface="Arial"/>
+              <a:buChar char="•"/>
+              <a:defRPr sz="4000">
+                <a:solidFill>
+                  <a:srgbClr val="D1D5DB"/>
+                </a:solidFill>
+                <a:latin typeface="Söhne"/>
+                <a:ea typeface="Söhne"/>
+                <a:cs typeface="Söhne"/>
+                <a:sym typeface="Söhne"/>
+              </a:defRPr>
+            </a:pPr>
+            <a:r>
+              <a:t>The agent's reward varies with different convergence times</a:t>
+            </a:r>
+            <a:endParaRPr>
+              <a:solidFill>
+                <a:srgbClr val="FFFFFF"/>
+              </a:solidFill>
+            </a:endParaRPr>
+          </a:p>
+          <a:p>
+            <a:pPr algn="l">
+              <a:buSzPct val="100000"/>
+              <a:buFont typeface="Arial"/>
+              <a:buChar char="•"/>
+              <a:defRPr sz="4000">
+                <a:solidFill>
+                  <a:srgbClr val="D1D5DB"/>
+                </a:solidFill>
+                <a:latin typeface="Söhne"/>
+                <a:ea typeface="Söhne"/>
+                <a:cs typeface="Söhne"/>
+                <a:sym typeface="Söhne"/>
+              </a:defRPr>
+            </a:pPr>
+            <a:r>
+              <a:t>For more time, the reward is less and for less time, the reward is more</a:t>
+            </a:r>
+            <a:endParaRPr>
+              <a:solidFill>
+                <a:srgbClr val="FFFFFF"/>
+              </a:solidFill>
+            </a:endParaRPr>
+          </a:p>
+          <a:p>
+            <a:pPr algn="l">
+              <a:buSzPct val="100000"/>
+              <a:buFont typeface="Arial"/>
+              <a:buChar char="•"/>
+              <a:defRPr sz="4000">
+                <a:solidFill>
+                  <a:srgbClr val="D1D5DB"/>
+                </a:solidFill>
+                <a:latin typeface="Söhne"/>
+                <a:ea typeface="Söhne"/>
+                <a:cs typeface="Söhne"/>
+                <a:sym typeface="Söhne"/>
+              </a:defRPr>
+            </a:pPr>
+            <a:r>
+              <a:t>There is an inverse relationship between time taken to converge and reward</a:t>
+            </a:r>
+            <a:endParaRPr>
+              <a:solidFill>
+                <a:srgbClr val="FFFFFF"/>
+              </a:solidFill>
+            </a:endParaRPr>
+          </a:p>
+        </p:txBody>
+      </p:sp>
+      <p:sp>
+        <p:nvSpPr>
+          <p:cNvPr id="179" name="TextBox 9"/>
+          <p:cNvSpPr txBox="1"/>
+          <p:nvPr/>
+        </p:nvSpPr>
+        <p:spPr>
+          <a:xfrm>
+            <a:off x="15992667" y="7625285"/>
+            <a:ext cx="4673072" cy="634899"/>
+          </a:xfrm>
+          <a:prstGeom prst="rect">
+            <a:avLst/>
+          </a:prstGeom>
+          <a:ln w="12700">
+            <a:miter lim="400000"/>
+          </a:ln>
+          <a:extLst>
+            <a:ext uri="{C572A759-6A51-4108-AA02-DFA0A04FC94B}">
+              <ma14:wrappingTextBoxFlag xmlns:ma14="http://schemas.microsoft.com/office/mac/drawingml/2011/main" val="1"/>
+            </a:ext>
+          </a:extLst>
+        </p:spPr>
+        <p:txBody>
+          <a:bodyPr lIns="50800" tIns="50800" rIns="50800" bIns="50800" anchor="ctr">
+            <a:spAutoFit/>
+          </a:bodyPr>
+          <a:lstStyle>
+            <a:lvl1pPr>
+              <a:defRPr sz="3600">
+                <a:solidFill>
+                  <a:srgbClr val="FFFFFF"/>
+                </a:solidFill>
+              </a:defRPr>
+            </a:lvl1pPr>
+          </a:lstStyle>
+          <a:p>
+            <a:pPr/>
+            <a:r>
+              <a:t>For rest of the plots</a:t>
             </a:r>
           </a:p>
         </p:txBody>
       </p:sp>
     </p:spTree>
-    <p:extLst>
-      <p:ext uri="{BB962C8B-B14F-4D97-AF65-F5344CB8AC3E}">
-        <p14:creationId xmlns:p14="http://schemas.microsoft.com/office/powerpoint/2010/main" val="226503523"/>
-      </p:ext>
-    </p:extLst>
   </p:cSld>
   <p:clrMapOvr>
     <a:masterClrMapping/>
   </p:clrMapOvr>
-  <p:transition spd="med"/>
+  <p:transition xmlns:p14="http://schemas.microsoft.com/office/powerpoint/2010/main" spd="med" advClick="1"/>
+</p:sld>
+</file>
+
+<file path=ppt/slides/slide16.xml><?xml version="1.0" encoding="utf-8"?>
+<p:sld xmlns:a="http://schemas.openxmlformats.org/drawingml/2006/main" xmlns:r="http://schemas.openxmlformats.org/officeDocument/2006/relationships" xmlns:p="http://schemas.openxmlformats.org/presentationml/2006/main" xmlns:m="http://schemas.openxmlformats.org/officeDocument/2006/math" xmlns:a14="http://schemas.microsoft.com/office/drawing/2010/main" showMasterSp="1" showMasterPhAnim="1">
+  <p:cSld>
+    <p:spTree>
+      <p:nvGrpSpPr>
+        <p:cNvPr id="1" name=""/>
+        <p:cNvGrpSpPr/>
+        <p:nvPr/>
+      </p:nvGrpSpPr>
+      <p:grpSpPr>
+        <a:xfrm>
+          <a:off x="0" y="0"/>
+          <a:ext cx="0" cy="0"/>
+          <a:chOff x="0" y="0"/>
+          <a:chExt cx="0" cy="0"/>
+        </a:xfrm>
+      </p:grpSpPr>
+      <p:sp>
+        <p:nvSpPr>
+          <p:cNvPr id="181" name="Title 2"/>
+          <p:cNvSpPr txBox="1"/>
+          <p:nvPr>
+            <p:ph type="title"/>
+          </p:nvPr>
+        </p:nvSpPr>
+        <p:spPr>
+          <a:xfrm>
+            <a:off x="851934" y="446313"/>
+            <a:ext cx="21971002" cy="2576548"/>
+          </a:xfrm>
+          <a:prstGeom prst="rect">
+            <a:avLst/>
+          </a:prstGeom>
+        </p:spPr>
+        <p:txBody>
+          <a:bodyPr/>
+          <a:lstStyle>
+            <a:lvl1pPr algn="ctr">
+              <a:defRPr spc="-300"/>
+            </a:lvl1pPr>
+          </a:lstStyle>
+          <a:p>
+            <a:pPr/>
+            <a:r>
+              <a:t>CONCLUSION </a:t>
+            </a:r>
+          </a:p>
+        </p:txBody>
+      </p:sp>
+      <p:sp>
+        <p:nvSpPr>
+          <p:cNvPr id="182" name="Text Placeholder 3"/>
+          <p:cNvSpPr txBox="1"/>
+          <p:nvPr>
+            <p:ph type="body" idx="1"/>
+          </p:nvPr>
+        </p:nvSpPr>
+        <p:spPr>
+          <a:xfrm>
+            <a:off x="851933" y="4012162"/>
+            <a:ext cx="22325566" cy="8696133"/>
+          </a:xfrm>
+          <a:prstGeom prst="rect">
+            <a:avLst/>
+          </a:prstGeom>
+        </p:spPr>
+        <p:txBody>
+          <a:bodyPr lIns="50800" tIns="50800" rIns="50800" bIns="50800" anchor="t"/>
+          <a:lstStyle/>
+          <a:p>
+            <a:pPr defTabSz="792479">
+              <a:lnSpc>
+                <a:spcPct val="90000"/>
+              </a:lnSpc>
+              <a:buSzPct val="100000"/>
+              <a:buFont typeface="Arial"/>
+              <a:buChar char="•"/>
+              <a:defRPr b="0" sz="4800">
+                <a:solidFill>
+                  <a:srgbClr val="D1D5DB"/>
+                </a:solidFill>
+                <a:latin typeface="Söhne"/>
+                <a:ea typeface="Söhne"/>
+                <a:cs typeface="Söhne"/>
+                <a:sym typeface="Söhne"/>
+              </a:defRPr>
+            </a:pPr>
+            <a:r>
+              <a:t>Choice of α significantly impacts agent's performance in Q-learning algorithm.</a:t>
+            </a:r>
+          </a:p>
+          <a:p>
+            <a:pPr defTabSz="792479">
+              <a:lnSpc>
+                <a:spcPct val="90000"/>
+              </a:lnSpc>
+              <a:buSzPct val="100000"/>
+              <a:buFont typeface="Arial"/>
+              <a:buChar char="•"/>
+              <a:defRPr b="0" sz="4800">
+                <a:solidFill>
+                  <a:srgbClr val="D1D5DB"/>
+                </a:solidFill>
+                <a:latin typeface="Söhne"/>
+                <a:ea typeface="Söhne"/>
+                <a:cs typeface="Söhne"/>
+                <a:sym typeface="Söhne"/>
+              </a:defRPr>
+            </a:pPr>
+            <a:r>
+              <a:t>An appropriate value of α is crucial for the algorithm to converge to optimal policy.</a:t>
+            </a:r>
+          </a:p>
+          <a:p>
+            <a:pPr defTabSz="792479">
+              <a:lnSpc>
+                <a:spcPct val="90000"/>
+              </a:lnSpc>
+              <a:buSzPct val="100000"/>
+              <a:buFont typeface="Arial"/>
+              <a:buChar char="•"/>
+              <a:defRPr b="0" sz="4800">
+                <a:solidFill>
+                  <a:srgbClr val="D1D5DB"/>
+                </a:solidFill>
+                <a:latin typeface="Söhne"/>
+                <a:ea typeface="Söhne"/>
+                <a:cs typeface="Söhne"/>
+                <a:sym typeface="Söhne"/>
+              </a:defRPr>
+            </a:pPr>
+            <a:r>
+              <a:t>Plots 1 and 2 show that if α is too high or too low, the agent may require more time to converge, lowering reward.</a:t>
+            </a:r>
+          </a:p>
+          <a:p>
+            <a:pPr defTabSz="792479">
+              <a:lnSpc>
+                <a:spcPct val="90000"/>
+              </a:lnSpc>
+              <a:buSzPct val="100000"/>
+              <a:buFont typeface="Arial"/>
+              <a:buChar char="•"/>
+              <a:defRPr b="0" sz="4800">
+                <a:solidFill>
+                  <a:srgbClr val="D1D5DB"/>
+                </a:solidFill>
+                <a:latin typeface="Söhne"/>
+                <a:ea typeface="Söhne"/>
+                <a:cs typeface="Söhne"/>
+                <a:sym typeface="Söhne"/>
+              </a:defRPr>
+            </a:pPr>
+            <a:r>
+              <a:t>Optimal range for α is 0.4 to 0.6, with α = 0.5 showing the least time to converge and maximum reward.</a:t>
+            </a:r>
+          </a:p>
+          <a:p>
+            <a:pPr defTabSz="792479">
+              <a:lnSpc>
+                <a:spcPct val="90000"/>
+              </a:lnSpc>
+              <a:buSzPct val="100000"/>
+              <a:buFont typeface="Arial"/>
+              <a:buChar char="•"/>
+              <a:defRPr b="0" sz="4800">
+                <a:solidFill>
+                  <a:srgbClr val="D1D5DB"/>
+                </a:solidFill>
+                <a:latin typeface="Söhne"/>
+                <a:ea typeface="Söhne"/>
+                <a:cs typeface="Söhne"/>
+                <a:sym typeface="Söhne"/>
+              </a:defRPr>
+            </a:pPr>
+            <a:r>
+              <a:t>Very low or very high α values result in higher time taken to converge than normal range of α values.</a:t>
+            </a:r>
+          </a:p>
+          <a:p>
+            <a:pPr defTabSz="792479">
+              <a:lnSpc>
+                <a:spcPct val="90000"/>
+              </a:lnSpc>
+              <a:buSzPct val="100000"/>
+              <a:buFont typeface="Arial"/>
+              <a:buChar char="•"/>
+              <a:defRPr b="0" sz="4800">
+                <a:solidFill>
+                  <a:srgbClr val="D1D5DB"/>
+                </a:solidFill>
+                <a:latin typeface="Söhne"/>
+                <a:ea typeface="Söhne"/>
+                <a:cs typeface="Söhne"/>
+                <a:sym typeface="Söhne"/>
+              </a:defRPr>
+            </a:pPr>
+            <a:r>
+              <a:t>Time taken to converge is inversely proportional to the reward obtained, emphasizing the importance of maximizing reward and computational efficiency.</a:t>
+            </a:r>
+          </a:p>
+          <a:p>
+            <a:pPr defTabSz="792479">
+              <a:lnSpc>
+                <a:spcPct val="90000"/>
+              </a:lnSpc>
+              <a:buSzPct val="100000"/>
+              <a:buFont typeface="Arial"/>
+              <a:buChar char="•"/>
+              <a:defRPr b="0" sz="4800">
+                <a:solidFill>
+                  <a:srgbClr val="D1D5DB"/>
+                </a:solidFill>
+                <a:latin typeface="Söhne"/>
+                <a:ea typeface="Söhne"/>
+                <a:cs typeface="Söhne"/>
+                <a:sym typeface="Söhne"/>
+              </a:defRPr>
+            </a:pPr>
+            <a:r>
+              <a:t>It is recommended to choose an appropriate value of α to maximize reward and computational efficiency in Q-learning algorithm.</a:t>
+            </a:r>
+          </a:p>
+        </p:txBody>
+      </p:sp>
+    </p:spTree>
+  </p:cSld>
+  <p:clrMapOvr>
+    <a:masterClrMapping/>
+  </p:clrMapOvr>
+  <p:transition xmlns:p14="http://schemas.microsoft.com/office/powerpoint/2010/main" spd="med" advClick="1"/>
+</p:sld>
+</file>
+
+<file path=ppt/slides/slide17.xml><?xml version="1.0" encoding="utf-8"?>
+<p:sld xmlns:a="http://schemas.openxmlformats.org/drawingml/2006/main" xmlns:r="http://schemas.openxmlformats.org/officeDocument/2006/relationships" xmlns:p="http://schemas.openxmlformats.org/presentationml/2006/main" xmlns:m="http://schemas.openxmlformats.org/officeDocument/2006/math" xmlns:a14="http://schemas.microsoft.com/office/drawing/2010/main" showMasterSp="1" showMasterPhAnim="1">
+  <p:cSld>
+    <p:spTree>
+      <p:nvGrpSpPr>
+        <p:cNvPr id="1" name=""/>
+        <p:cNvGrpSpPr/>
+        <p:nvPr/>
+      </p:nvGrpSpPr>
+      <p:grpSpPr>
+        <a:xfrm>
+          <a:off x="0" y="0"/>
+          <a:ext cx="0" cy="0"/>
+          <a:chOff x="0" y="0"/>
+          <a:chExt cx="0" cy="0"/>
+        </a:xfrm>
+      </p:grpSpPr>
+      <p:sp>
+        <p:nvSpPr>
+          <p:cNvPr id="184" name="Title 2"/>
+          <p:cNvSpPr txBox="1"/>
+          <p:nvPr>
+            <p:ph type="title"/>
+          </p:nvPr>
+        </p:nvSpPr>
+        <p:spPr>
+          <a:xfrm>
+            <a:off x="1206495" y="2574991"/>
+            <a:ext cx="21971006" cy="4648202"/>
+          </a:xfrm>
+          <a:prstGeom prst="rect">
+            <a:avLst/>
+          </a:prstGeom>
+        </p:spPr>
+        <p:txBody>
+          <a:bodyPr/>
+          <a:lstStyle>
+            <a:lvl1pPr algn="ctr">
+              <a:defRPr spc="-300"/>
+            </a:lvl1pPr>
+          </a:lstStyle>
+          <a:p>
+            <a:pPr/>
+            <a:r>
+              <a:t>THANKYOU!</a:t>
+            </a:r>
+          </a:p>
+        </p:txBody>
+      </p:sp>
+    </p:spTree>
+  </p:cSld>
+  <p:clrMapOvr>
+    <a:masterClrMapping/>
+  </p:clrMapOvr>
+  <p:transition xmlns:p14="http://schemas.microsoft.com/office/powerpoint/2010/main" spd="med" advClick="1"/>
+</p:sld>
+</file>
+
+<file path=ppt/slides/slide2.xml><?xml version="1.0" encoding="utf-8"?>
+<p:sld xmlns:a="http://schemas.openxmlformats.org/drawingml/2006/main" xmlns:r="http://schemas.openxmlformats.org/officeDocument/2006/relationships" xmlns:p="http://schemas.openxmlformats.org/presentationml/2006/main" xmlns:m="http://schemas.openxmlformats.org/officeDocument/2006/math" xmlns:a14="http://schemas.microsoft.com/office/drawing/2010/main" showMasterSp="1" showMasterPhAnim="1">
+  <p:cSld>
+    <p:spTree>
+      <p:nvGrpSpPr>
+        <p:cNvPr id="1" name=""/>
+        <p:cNvGrpSpPr/>
+        <p:nvPr/>
+      </p:nvGrpSpPr>
+      <p:grpSpPr>
+        <a:xfrm>
+          <a:off x="0" y="0"/>
+          <a:ext cx="0" cy="0"/>
+          <a:chOff x="0" y="0"/>
+          <a:chExt cx="0" cy="0"/>
+        </a:xfrm>
+      </p:grpSpPr>
+      <p:sp>
+        <p:nvSpPr>
+          <p:cNvPr id="137" name="Overview"/>
+          <p:cNvSpPr txBox="1"/>
+          <p:nvPr>
+            <p:ph type="title"/>
+          </p:nvPr>
+        </p:nvSpPr>
+        <p:spPr>
+          <a:prstGeom prst="rect">
+            <a:avLst/>
+          </a:prstGeom>
+        </p:spPr>
+        <p:txBody>
+          <a:bodyPr/>
+          <a:lstStyle/>
+          <a:p>
+            <a:pPr/>
+            <a:r>
+              <a:t>Overview</a:t>
+            </a:r>
+          </a:p>
+        </p:txBody>
+      </p:sp>
+      <p:sp>
+        <p:nvSpPr>
+          <p:cNvPr id="138" name="Body Level One…"/>
+          <p:cNvSpPr txBox="1"/>
+          <p:nvPr>
+            <p:ph type="body" idx="21"/>
+          </p:nvPr>
+        </p:nvSpPr>
+        <p:spPr>
+          <a:xfrm>
+            <a:off x="1206500" y="2955302"/>
+            <a:ext cx="21971000" cy="9549215"/>
+          </a:xfrm>
+          <a:prstGeom prst="rect">
+            <a:avLst/>
+          </a:prstGeom>
+          <a:extLst>
+            <a:ext uri="{C572A759-6A51-4108-AA02-DFA0A04FC94B}">
+              <ma14:wrappingTextBoxFlag xmlns:ma14="http://schemas.microsoft.com/office/mac/drawingml/2011/main" val="1"/>
+            </a:ext>
+          </a:extLst>
+        </p:spPr>
+        <p:txBody>
+          <a:bodyPr/>
+          <a:lstStyle/>
+          <a:p>
+            <a:pPr/>
+            <a:r>
+              <a:t>Q-Learning </a:t>
+            </a:r>
+          </a:p>
+          <a:p>
+            <a:pPr/>
+            <a:r>
+              <a:t>Taxi Problem </a:t>
+            </a:r>
+          </a:p>
+          <a:p>
+            <a:pPr/>
+            <a:r>
+              <a:t>Our Objective </a:t>
+            </a:r>
+          </a:p>
+          <a:p>
+            <a:pPr/>
+            <a:r>
+              <a:t>Results </a:t>
+            </a:r>
+          </a:p>
+          <a:p>
+            <a:pPr/>
+            <a:r>
+              <a:t>Conclusion </a:t>
+            </a:r>
+          </a:p>
+          <a:p>
+            <a:pPr/>
+            <a:r>
+              <a:t>GitHub</a:t>
+            </a:r>
+          </a:p>
+        </p:txBody>
+      </p:sp>
+    </p:spTree>
+  </p:cSld>
+  <p:clrMapOvr>
+    <a:masterClrMapping/>
+  </p:clrMapOvr>
+  <p:transition xmlns:p14="http://schemas.microsoft.com/office/powerpoint/2010/main" spd="med" advClick="1"/>
+</p:sld>
+</file>
+
+<file path=ppt/slides/slide3.xml><?xml version="1.0" encoding="utf-8"?>
+<p:sld xmlns:a="http://schemas.openxmlformats.org/drawingml/2006/main" xmlns:r="http://schemas.openxmlformats.org/officeDocument/2006/relationships" xmlns:p="http://schemas.openxmlformats.org/presentationml/2006/main" xmlns:m="http://schemas.openxmlformats.org/officeDocument/2006/math" xmlns:a14="http://schemas.microsoft.com/office/drawing/2010/main" showMasterSp="1" showMasterPhAnim="1">
+  <p:cSld>
+    <p:spTree>
+      <p:nvGrpSpPr>
+        <p:cNvPr id="1" name=""/>
+        <p:cNvGrpSpPr/>
+        <p:nvPr/>
+      </p:nvGrpSpPr>
+      <p:grpSpPr>
+        <a:xfrm>
+          <a:off x="0" y="0"/>
+          <a:ext cx="0" cy="0"/>
+          <a:chOff x="0" y="0"/>
+          <a:chExt cx="0" cy="0"/>
+        </a:xfrm>
+      </p:grpSpPr>
+      <p:sp>
+        <p:nvSpPr>
+          <p:cNvPr id="140" name="Q-Learning Algorithm"/>
+          <p:cNvSpPr txBox="1"/>
+          <p:nvPr>
+            <p:ph type="title"/>
+          </p:nvPr>
+        </p:nvSpPr>
+        <p:spPr>
+          <a:prstGeom prst="rect">
+            <a:avLst/>
+          </a:prstGeom>
+        </p:spPr>
+        <p:txBody>
+          <a:bodyPr/>
+          <a:lstStyle/>
+          <a:p>
+            <a:pPr/>
+            <a:r>
+              <a:t>Q-Learning Algorithm</a:t>
+            </a:r>
+          </a:p>
+        </p:txBody>
+      </p:sp>
+    </p:spTree>
+  </p:cSld>
+  <p:clrMapOvr>
+    <a:masterClrMapping/>
+  </p:clrMapOvr>
+  <p:transition xmlns:p14="http://schemas.microsoft.com/office/powerpoint/2010/main" spd="med" advClick="1"/>
+</p:sld>
+</file>
+
+<file path=ppt/slides/slide4.xml><?xml version="1.0" encoding="utf-8"?>
+<p:sld xmlns:a="http://schemas.openxmlformats.org/drawingml/2006/main" xmlns:r="http://schemas.openxmlformats.org/officeDocument/2006/relationships" xmlns:p="http://schemas.openxmlformats.org/presentationml/2006/main" xmlns:m="http://schemas.openxmlformats.org/officeDocument/2006/math" xmlns:a14="http://schemas.microsoft.com/office/drawing/2010/main" showMasterSp="1" showMasterPhAnim="1">
+  <p:cSld>
+    <p:spTree>
+      <p:nvGrpSpPr>
+        <p:cNvPr id="1" name=""/>
+        <p:cNvGrpSpPr/>
+        <p:nvPr/>
+      </p:nvGrpSpPr>
+      <p:grpSpPr>
+        <a:xfrm>
+          <a:off x="0" y="0"/>
+          <a:ext cx="0" cy="0"/>
+          <a:chOff x="0" y="0"/>
+          <a:chExt cx="0" cy="0"/>
+        </a:xfrm>
+      </p:grpSpPr>
+      <p:sp>
+        <p:nvSpPr>
+          <p:cNvPr id="142" name="Slide Title"/>
+          <p:cNvSpPr txBox="1"/>
+          <p:nvPr>
+            <p:ph type="title"/>
+          </p:nvPr>
+        </p:nvSpPr>
+        <p:spPr>
+          <a:prstGeom prst="rect">
+            <a:avLst/>
+          </a:prstGeom>
+        </p:spPr>
+        <p:txBody>
+          <a:bodyPr/>
+          <a:lstStyle/>
+          <a:p>
+            <a:pPr/>
+          </a:p>
+        </p:txBody>
+      </p:sp>
+      <p:sp>
+        <p:nvSpPr>
+          <p:cNvPr id="143" name="Body Level One…"/>
+          <p:cNvSpPr txBox="1"/>
+          <p:nvPr>
+            <p:ph type="body" idx="21"/>
+          </p:nvPr>
+        </p:nvSpPr>
+        <p:spPr>
+          <a:xfrm>
+            <a:off x="1206500" y="2955302"/>
+            <a:ext cx="21971000" cy="9549215"/>
+          </a:xfrm>
+          <a:prstGeom prst="rect">
+            <a:avLst/>
+          </a:prstGeom>
+        </p:spPr>
+        <p:txBody>
+          <a:bodyPr/>
+          <a:lstStyle/>
+          <a:p>
+            <a:pPr/>
+          </a:p>
+        </p:txBody>
+      </p:sp>
+    </p:spTree>
+  </p:cSld>
+  <p:clrMapOvr>
+    <a:masterClrMapping/>
+  </p:clrMapOvr>
+  <p:transition xmlns:p14="http://schemas.microsoft.com/office/powerpoint/2010/main" spd="med" advClick="1"/>
+</p:sld>
+</file>
+
+<file path=ppt/slides/slide5.xml><?xml version="1.0" encoding="utf-8"?>
+<p:sld xmlns:a="http://schemas.openxmlformats.org/drawingml/2006/main" xmlns:r="http://schemas.openxmlformats.org/officeDocument/2006/relationships" xmlns:p="http://schemas.openxmlformats.org/presentationml/2006/main" xmlns:m="http://schemas.openxmlformats.org/officeDocument/2006/math" xmlns:a14="http://schemas.microsoft.com/office/drawing/2010/main" showMasterSp="1" showMasterPhAnim="1">
+  <p:cSld>
+    <p:spTree>
+      <p:nvGrpSpPr>
+        <p:cNvPr id="1" name=""/>
+        <p:cNvGrpSpPr/>
+        <p:nvPr/>
+      </p:nvGrpSpPr>
+      <p:grpSpPr>
+        <a:xfrm>
+          <a:off x="0" y="0"/>
+          <a:ext cx="0" cy="0"/>
+          <a:chOff x="0" y="0"/>
+          <a:chExt cx="0" cy="0"/>
+        </a:xfrm>
+      </p:grpSpPr>
+      <p:sp>
+        <p:nvSpPr>
+          <p:cNvPr id="145" name="Taxi Problem"/>
+          <p:cNvSpPr txBox="1"/>
+          <p:nvPr>
+            <p:ph type="title"/>
+          </p:nvPr>
+        </p:nvSpPr>
+        <p:spPr>
+          <a:prstGeom prst="rect">
+            <a:avLst/>
+          </a:prstGeom>
+        </p:spPr>
+        <p:txBody>
+          <a:bodyPr/>
+          <a:lstStyle/>
+          <a:p>
+            <a:pPr/>
+            <a:r>
+              <a:t>Taxi Problem</a:t>
+            </a:r>
+          </a:p>
+        </p:txBody>
+      </p:sp>
+    </p:spTree>
+  </p:cSld>
+  <p:clrMapOvr>
+    <a:masterClrMapping/>
+  </p:clrMapOvr>
+  <p:transition xmlns:p14="http://schemas.microsoft.com/office/powerpoint/2010/main" spd="med" advClick="1"/>
+</p:sld>
+</file>
+
+<file path=ppt/slides/slide6.xml><?xml version="1.0" encoding="utf-8"?>
+<p:sld xmlns:a="http://schemas.openxmlformats.org/drawingml/2006/main" xmlns:r="http://schemas.openxmlformats.org/officeDocument/2006/relationships" xmlns:p="http://schemas.openxmlformats.org/presentationml/2006/main" xmlns:m="http://schemas.openxmlformats.org/officeDocument/2006/math" xmlns:a14="http://schemas.microsoft.com/office/drawing/2010/main" showMasterSp="1" showMasterPhAnim="1">
+  <p:cSld>
+    <p:spTree>
+      <p:nvGrpSpPr>
+        <p:cNvPr id="1" name=""/>
+        <p:cNvGrpSpPr/>
+        <p:nvPr/>
+      </p:nvGrpSpPr>
+      <p:grpSpPr>
+        <a:xfrm>
+          <a:off x="0" y="0"/>
+          <a:ext cx="0" cy="0"/>
+          <a:chOff x="0" y="0"/>
+          <a:chExt cx="0" cy="0"/>
+        </a:xfrm>
+      </p:grpSpPr>
+      <p:sp>
+        <p:nvSpPr>
+          <p:cNvPr id="147" name="Our Objective"/>
+          <p:cNvSpPr txBox="1"/>
+          <p:nvPr>
+            <p:ph type="title"/>
+          </p:nvPr>
+        </p:nvSpPr>
+        <p:spPr>
+          <a:prstGeom prst="rect">
+            <a:avLst/>
+          </a:prstGeom>
+        </p:spPr>
+        <p:txBody>
+          <a:bodyPr/>
+          <a:lstStyle/>
+          <a:p>
+            <a:pPr/>
+            <a:r>
+              <a:t>Our Objective</a:t>
+            </a:r>
+          </a:p>
+        </p:txBody>
+      </p:sp>
+    </p:spTree>
+  </p:cSld>
+  <p:clrMapOvr>
+    <a:masterClrMapping/>
+  </p:clrMapOvr>
+  <p:transition xmlns:p14="http://schemas.microsoft.com/office/powerpoint/2010/main" spd="med" advClick="1"/>
+</p:sld>
+</file>
+
+<file path=ppt/slides/slide7.xml><?xml version="1.0" encoding="utf-8"?>
+<p:sld xmlns:a="http://schemas.openxmlformats.org/drawingml/2006/main" xmlns:r="http://schemas.openxmlformats.org/officeDocument/2006/relationships" xmlns:p="http://schemas.openxmlformats.org/presentationml/2006/main" xmlns:m="http://schemas.openxmlformats.org/officeDocument/2006/math" xmlns:a14="http://schemas.microsoft.com/office/drawing/2010/main" showMasterSp="1" showMasterPhAnim="1">
+  <p:cSld>
+    <p:spTree>
+      <p:nvGrpSpPr>
+        <p:cNvPr id="1" name=""/>
+        <p:cNvGrpSpPr/>
+        <p:nvPr/>
+      </p:nvGrpSpPr>
+      <p:grpSpPr>
+        <a:xfrm>
+          <a:off x="0" y="0"/>
+          <a:ext cx="0" cy="0"/>
+          <a:chOff x="0" y="0"/>
+          <a:chExt cx="0" cy="0"/>
+        </a:xfrm>
+      </p:grpSpPr>
+      <p:sp>
+        <p:nvSpPr>
+          <p:cNvPr id="149" name="Results"/>
+          <p:cNvSpPr txBox="1"/>
+          <p:nvPr>
+            <p:ph type="title"/>
+          </p:nvPr>
+        </p:nvSpPr>
+        <p:spPr>
+          <a:prstGeom prst="rect">
+            <a:avLst/>
+          </a:prstGeom>
+        </p:spPr>
+        <p:txBody>
+          <a:bodyPr/>
+          <a:lstStyle/>
+          <a:p>
+            <a:pPr/>
+            <a:r>
+              <a:t>Results</a:t>
+            </a:r>
+          </a:p>
+        </p:txBody>
+      </p:sp>
+    </p:spTree>
+  </p:cSld>
+  <p:clrMapOvr>
+    <a:masterClrMapping/>
+  </p:clrMapOvr>
+  <p:transition xmlns:p14="http://schemas.microsoft.com/office/powerpoint/2010/main" spd="med" advClick="1"/>
+</p:sld>
+</file>
+
+<file path=ppt/slides/slide8.xml><?xml version="1.0" encoding="utf-8"?>
+<p:sld xmlns:a="http://schemas.openxmlformats.org/drawingml/2006/main" xmlns:r="http://schemas.openxmlformats.org/officeDocument/2006/relationships" xmlns:p="http://schemas.openxmlformats.org/presentationml/2006/main" xmlns:m="http://schemas.openxmlformats.org/officeDocument/2006/math" xmlns:a14="http://schemas.microsoft.com/office/drawing/2010/main" showMasterSp="1" showMasterPhAnim="1">
+  <p:cSld>
+    <p:spTree>
+      <p:nvGrpSpPr>
+        <p:cNvPr id="1" name=""/>
+        <p:cNvGrpSpPr/>
+        <p:nvPr/>
+      </p:nvGrpSpPr>
+      <p:grpSpPr>
+        <a:xfrm>
+          <a:off x="0" y="0"/>
+          <a:ext cx="0" cy="0"/>
+          <a:chOff x="0" y="0"/>
+          <a:chExt cx="0" cy="0"/>
+        </a:xfrm>
+      </p:grpSpPr>
+      <p:sp>
+        <p:nvSpPr>
+          <p:cNvPr id="151" name="Conclusion"/>
+          <p:cNvSpPr txBox="1"/>
+          <p:nvPr>
+            <p:ph type="title"/>
+          </p:nvPr>
+        </p:nvSpPr>
+        <p:spPr>
+          <a:prstGeom prst="rect">
+            <a:avLst/>
+          </a:prstGeom>
+        </p:spPr>
+        <p:txBody>
+          <a:bodyPr/>
+          <a:lstStyle/>
+          <a:p>
+            <a:pPr/>
+            <a:r>
+              <a:t>Conclusion</a:t>
+            </a:r>
+          </a:p>
+        </p:txBody>
+      </p:sp>
+    </p:spTree>
+  </p:cSld>
+  <p:clrMapOvr>
+    <a:masterClrMapping/>
+  </p:clrMapOvr>
+  <p:transition xmlns:p14="http://schemas.microsoft.com/office/powerpoint/2010/main" spd="med" advClick="1"/>
+</p:sld>
+</file>
+
+<file path=ppt/slides/slide9.xml><?xml version="1.0" encoding="utf-8"?>
+<p:sld xmlns:a="http://schemas.openxmlformats.org/drawingml/2006/main" xmlns:r="http://schemas.openxmlformats.org/officeDocument/2006/relationships" xmlns:p="http://schemas.openxmlformats.org/presentationml/2006/main" xmlns:m="http://schemas.openxmlformats.org/officeDocument/2006/math" xmlns:a14="http://schemas.microsoft.com/office/drawing/2010/main" showMasterSp="1" showMasterPhAnim="1">
+  <p:cSld>
+    <p:spTree>
+      <p:nvGrpSpPr>
+        <p:cNvPr id="1" name=""/>
+        <p:cNvGrpSpPr/>
+        <p:nvPr/>
+      </p:nvGrpSpPr>
+      <p:grpSpPr>
+        <a:xfrm>
+          <a:off x="0" y="0"/>
+          <a:ext cx="0" cy="0"/>
+          <a:chOff x="0" y="0"/>
+          <a:chExt cx="0" cy="0"/>
+        </a:xfrm>
+      </p:grpSpPr>
+      <p:sp>
+        <p:nvSpPr>
+          <p:cNvPr id="153" name="GitHub Repository:…"/>
+          <p:cNvSpPr txBox="1"/>
+          <p:nvPr>
+            <p:ph type="body" sz="half" idx="1"/>
+          </p:nvPr>
+        </p:nvSpPr>
+        <p:spPr>
+          <a:xfrm>
+            <a:off x="1118952" y="4710334"/>
+            <a:ext cx="22146096" cy="4295332"/>
+          </a:xfrm>
+          <a:prstGeom prst="rect">
+            <a:avLst/>
+          </a:prstGeom>
+        </p:spPr>
+        <p:txBody>
+          <a:bodyPr/>
+          <a:lstStyle/>
+          <a:p>
+            <a:pPr defTabSz="1682453">
+              <a:defRPr spc="-160" sz="8004"/>
+            </a:pPr>
+            <a:r>
+              <a:t>GitHub Repository: </a:t>
+            </a:r>
+          </a:p>
+          <a:p>
+            <a:pPr defTabSz="1682453">
+              <a:defRPr spc="-160" sz="8004"/>
+            </a:pPr>
+          </a:p>
+          <a:p>
+            <a:pPr defTabSz="1682453">
+              <a:defRPr spc="-160" sz="8004">
+                <a:solidFill>
+                  <a:schemeClr val="accent1"/>
+                </a:solidFill>
+              </a:defRPr>
+            </a:pPr>
+            <a:r>
+              <a:rPr u="sng">
+                <a:uFill>
+                  <a:solidFill>
+                    <a:srgbClr val="0000FF"/>
+                  </a:solidFill>
+                </a:uFill>
+                <a:hlinkClick r:id="rId2" invalidUrl="" action="" tgtFrame="" tooltip="" history="1" highlightClick="0" endSnd="0"/>
+              </a:rPr>
+              <a:t>https://github.com/haider-06418/RL-Project</a:t>
+            </a:r>
+          </a:p>
+        </p:txBody>
+      </p:sp>
+    </p:spTree>
+  </p:cSld>
+  <p:clrMapOvr>
+    <a:masterClrMapping/>
+  </p:clrMapOvr>
+  <p:transition xmlns:p14="http://schemas.microsoft.com/office/powerpoint/2010/main" spd="med" advClick="1"/>
 </p:sld>
 </file>
 
 <file path=ppt/theme/theme1.xml><?xml version="1.0" encoding="utf-8"?>
-<a:theme xmlns:a="http://schemas.openxmlformats.org/drawingml/2006/main" name="32_DynamicDark">
+<a:theme xmlns:a="http://schemas.openxmlformats.org/drawingml/2006/main" xmlns:r="http://schemas.openxmlformats.org/officeDocument/2006/relationships" name="32_DynamicDark">
   <a:themeElements>
     <a:clrScheme name="32_DynamicDark">
       <a:dk1>
-        <a:srgbClr val="BE00FF"/>
+        <a:srgbClr val="FFFFFF"/>
       </a:dk1>
       <a:lt1>
-        <a:srgbClr val="FFFFFF"/>
+        <a:srgbClr val="BE00FF"/>
       </a:lt1>
       <a:dk2>
-        <a:srgbClr val="434343"/>
+        <a:srgbClr val="A7A7A7"/>
       </a:dk2>
       <a:lt2>
-        <a:srgbClr val="A9A9A9"/>
+        <a:srgbClr val="535353"/>
       </a:lt2>
       <a:accent1>
         <a:srgbClr val="0076BA"/>
@@ -5652,9 +6161,9 @@
     </a:clrScheme>
     <a:fontScheme name="32_DynamicDark">
       <a:majorFont>
-        <a:latin typeface="Helvetica Neue"/>
-        <a:ea typeface="Helvetica Neue"/>
-        <a:cs typeface="Helvetica Neue"/>
+        <a:latin typeface="Helvetica"/>
+        <a:ea typeface="Helvetica"/>
+        <a:cs typeface="Helvetica"/>
       </a:majorFont>
       <a:minorFont>
         <a:latin typeface="Helvetica Neue"/>
@@ -5802,18 +6311,21 @@
         <a:solidFill>
           <a:srgbClr val="FFFFFF"/>
         </a:solidFill>
-        <a:ln w="12700" cap="flat">
-          <a:noFill/>
-          <a:miter lim="400000"/>
+        <a:ln w="25400" cap="flat">
+          <a:solidFill>
+            <a:schemeClr val="accent1"/>
+          </a:solidFill>
+          <a:prstDash val="solid"/>
+          <a:round/>
         </a:ln>
         <a:effectLst/>
         <a:sp3d/>
       </a:spPr>
-      <a:bodyPr rot="0" spcFirstLastPara="1" vertOverflow="overflow" horzOverflow="overflow" vert="horz" wrap="square" lIns="50800" tIns="50800" rIns="50800" bIns="50800" numCol="1" spcCol="38100" rtlCol="0" anchor="ctr">
+      <a:bodyPr rot="0" spcFirstLastPara="1" vertOverflow="overflow" horzOverflow="overflow" vert="horz" wrap="square" lIns="50800" tIns="50800" rIns="50800" bIns="50800" numCol="1" spcCol="38100" rtlCol="0" anchor="ctr" upright="0">
         <a:spAutoFit/>
       </a:bodyPr>
       <a:lstStyle>
-        <a:defPPr marL="0" marR="0" indent="0" algn="ctr" defTabSz="825500" rtl="0" fontAlgn="auto" latinLnBrk="0" hangingPunct="0">
+        <a:defPPr marL="0" marR="0" indent="0" algn="ctr" defTabSz="2438337" rtl="0" fontAlgn="auto" latinLnBrk="0" hangingPunct="0">
           <a:lnSpc>
             <a:spcPct val="100000"/>
           </a:lnSpc>
@@ -5828,19 +6340,19 @@
           <a:buFontTx/>
           <a:buNone/>
           <a:tabLst/>
-          <a:defRPr kumimoji="0" sz="3200" b="0" i="0" u="none" strike="noStrike" cap="none" spc="0" normalizeH="0" baseline="0">
+          <a:defRPr b="0" baseline="0" cap="none" i="0" spc="0" strike="noStrike" sz="2400" u="none" kumimoji="0" normalizeH="0">
             <a:ln>
               <a:noFill/>
             </a:ln>
             <a:solidFill>
-              <a:srgbClr val="000000"/>
+              <a:srgbClr val="BE00FF"/>
             </a:solidFill>
             <a:effectLst/>
             <a:uFillTx/>
-            <a:latin typeface="Helvetica Neue Medium"/>
-            <a:ea typeface="Helvetica Neue Medium"/>
-            <a:cs typeface="Helvetica Neue Medium"/>
-            <a:sym typeface="Helvetica Neue Medium"/>
+            <a:latin typeface="+mn-lt"/>
+            <a:ea typeface="+mn-ea"/>
+            <a:cs typeface="+mn-cs"/>
+            <a:sym typeface="Helvetica Neue"/>
           </a:defRPr>
         </a:defPPr>
         <a:lvl1pPr marL="0" marR="0" indent="0" algn="l" defTabSz="914400" rtl="0" fontAlgn="auto" latinLnBrk="1" hangingPunct="0">
@@ -5858,7 +6370,7 @@
           <a:buFontTx/>
           <a:buNone/>
           <a:tabLst/>
-          <a:defRPr kumimoji="0" sz="1800" b="0" i="0" u="none" strike="noStrike" cap="none" spc="0" normalizeH="0" baseline="0">
+          <a:defRPr b="0" baseline="0" cap="none" i="0" spc="0" strike="noStrike" sz="1800" u="none" kumimoji="0" normalizeH="0">
             <a:ln>
               <a:noFill/>
             </a:ln>
@@ -5884,7 +6396,7 @@
           <a:buFontTx/>
           <a:buNone/>
           <a:tabLst/>
-          <a:defRPr kumimoji="0" sz="1800" b="0" i="0" u="none" strike="noStrike" cap="none" spc="0" normalizeH="0" baseline="0">
+          <a:defRPr b="0" baseline="0" cap="none" i="0" spc="0" strike="noStrike" sz="1800" u="none" kumimoji="0" normalizeH="0">
             <a:ln>
               <a:noFill/>
             </a:ln>
@@ -5910,7 +6422,7 @@
           <a:buFontTx/>
           <a:buNone/>
           <a:tabLst/>
-          <a:defRPr kumimoji="0" sz="1800" b="0" i="0" u="none" strike="noStrike" cap="none" spc="0" normalizeH="0" baseline="0">
+          <a:defRPr b="0" baseline="0" cap="none" i="0" spc="0" strike="noStrike" sz="1800" u="none" kumimoji="0" normalizeH="0">
             <a:ln>
               <a:noFill/>
             </a:ln>
@@ -5936,7 +6448,7 @@
           <a:buFontTx/>
           <a:buNone/>
           <a:tabLst/>
-          <a:defRPr kumimoji="0" sz="1800" b="0" i="0" u="none" strike="noStrike" cap="none" spc="0" normalizeH="0" baseline="0">
+          <a:defRPr b="0" baseline="0" cap="none" i="0" spc="0" strike="noStrike" sz="1800" u="none" kumimoji="0" normalizeH="0">
             <a:ln>
               <a:noFill/>
             </a:ln>
@@ -5962,7 +6474,7 @@
           <a:buFontTx/>
           <a:buNone/>
           <a:tabLst/>
-          <a:defRPr kumimoji="0" sz="1800" b="0" i="0" u="none" strike="noStrike" cap="none" spc="0" normalizeH="0" baseline="0">
+          <a:defRPr b="0" baseline="0" cap="none" i="0" spc="0" strike="noStrike" sz="1800" u="none" kumimoji="0" normalizeH="0">
             <a:ln>
               <a:noFill/>
             </a:ln>
@@ -5988,7 +6500,7 @@
           <a:buFontTx/>
           <a:buNone/>
           <a:tabLst/>
-          <a:defRPr kumimoji="0" sz="1800" b="0" i="0" u="none" strike="noStrike" cap="none" spc="0" normalizeH="0" baseline="0">
+          <a:defRPr b="0" baseline="0" cap="none" i="0" spc="0" strike="noStrike" sz="1800" u="none" kumimoji="0" normalizeH="0">
             <a:ln>
               <a:noFill/>
             </a:ln>
@@ -6014,7 +6526,7 @@
           <a:buFontTx/>
           <a:buNone/>
           <a:tabLst/>
-          <a:defRPr kumimoji="0" sz="1800" b="0" i="0" u="none" strike="noStrike" cap="none" spc="0" normalizeH="0" baseline="0">
+          <a:defRPr b="0" baseline="0" cap="none" i="0" spc="0" strike="noStrike" sz="1800" u="none" kumimoji="0" normalizeH="0">
             <a:ln>
               <a:noFill/>
             </a:ln>
@@ -6040,7 +6552,7 @@
           <a:buFontTx/>
           <a:buNone/>
           <a:tabLst/>
-          <a:defRPr kumimoji="0" sz="1800" b="0" i="0" u="none" strike="noStrike" cap="none" spc="0" normalizeH="0" baseline="0">
+          <a:defRPr b="0" baseline="0" cap="none" i="0" spc="0" strike="noStrike" sz="1800" u="none" kumimoji="0" normalizeH="0">
             <a:ln>
               <a:noFill/>
             </a:ln>
@@ -6066,7 +6578,7 @@
           <a:buFontTx/>
           <a:buNone/>
           <a:tabLst/>
-          <a:defRPr kumimoji="0" sz="1800" b="0" i="0" u="none" strike="noStrike" cap="none" spc="0" normalizeH="0" baseline="0">
+          <a:defRPr b="0" baseline="0" cap="none" i="0" spc="0" strike="noStrike" sz="1800" u="none" kumimoji="0" normalizeH="0">
             <a:ln>
               <a:noFill/>
             </a:ln>
@@ -6079,15 +6591,9 @@
         </a:lvl9pPr>
       </a:lstStyle>
       <a:style>
-        <a:lnRef idx="0">
-          <a:scrgbClr r="0" g="0" b="0"/>
-        </a:lnRef>
-        <a:fillRef idx="0">
-          <a:scrgbClr r="0" g="0" b="0"/>
-        </a:fillRef>
-        <a:effectRef idx="0">
-          <a:scrgbClr r="0" g="0" b="0"/>
-        </a:effectRef>
+        <a:lnRef idx="0"/>
+        <a:fillRef idx="0"/>
+        <a:effectRef idx="0"/>
         <a:fontRef idx="none"/>
       </a:style>
     </a:spDef>
@@ -6096,15 +6602,15 @@
         <a:noFill/>
         <a:ln w="25400" cap="flat">
           <a:solidFill>
-            <a:srgbClr val="FFFFFF"/>
+            <a:schemeClr val="accent1"/>
           </a:solidFill>
           <a:prstDash val="solid"/>
-          <a:miter lim="400000"/>
+          <a:round/>
         </a:ln>
         <a:effectLst/>
         <a:sp3d/>
       </a:spPr>
-      <a:bodyPr rot="0" spcFirstLastPara="1" vertOverflow="overflow" horzOverflow="overflow" vert="horz" wrap="square" lIns="91439" tIns="45719" rIns="91439" bIns="45719" numCol="1" spcCol="38100" rtlCol="0" anchor="t">
+      <a:bodyPr rot="0" spcFirstLastPara="1" vertOverflow="overflow" horzOverflow="overflow" vert="horz" wrap="square" lIns="91439" tIns="45719" rIns="91439" bIns="45719" numCol="1" spcCol="38100" rtlCol="0" anchor="t" upright="0">
         <a:noAutofit/>
       </a:bodyPr>
       <a:lstStyle>
@@ -6123,7 +6629,7 @@
           <a:buFontTx/>
           <a:buNone/>
           <a:tabLst/>
-          <a:defRPr kumimoji="0" sz="1800" b="0" i="0" u="none" strike="noStrike" cap="none" spc="0" normalizeH="0" baseline="0">
+          <a:defRPr b="0" baseline="0" cap="none" i="0" spc="0" strike="noStrike" sz="1800" u="none" kumimoji="0" normalizeH="0">
             <a:ln>
               <a:noFill/>
             </a:ln>
@@ -6149,7 +6655,7 @@
           <a:buFontTx/>
           <a:buNone/>
           <a:tabLst/>
-          <a:defRPr kumimoji="0" sz="1800" b="0" i="0" u="none" strike="noStrike" cap="none" spc="0" normalizeH="0" baseline="0">
+          <a:defRPr b="0" baseline="0" cap="none" i="0" spc="0" strike="noStrike" sz="1800" u="none" kumimoji="0" normalizeH="0">
             <a:ln>
               <a:noFill/>
             </a:ln>
@@ -6175,7 +6681,7 @@
           <a:buFontTx/>
           <a:buNone/>
           <a:tabLst/>
-          <a:defRPr kumimoji="0" sz="1800" b="0" i="0" u="none" strike="noStrike" cap="none" spc="0" normalizeH="0" baseline="0">
+          <a:defRPr b="0" baseline="0" cap="none" i="0" spc="0" strike="noStrike" sz="1800" u="none" kumimoji="0" normalizeH="0">
             <a:ln>
               <a:noFill/>
             </a:ln>
@@ -6201,7 +6707,7 @@
           <a:buFontTx/>
           <a:buNone/>
           <a:tabLst/>
-          <a:defRPr kumimoji="0" sz="1800" b="0" i="0" u="none" strike="noStrike" cap="none" spc="0" normalizeH="0" baseline="0">
+          <a:defRPr b="0" baseline="0" cap="none" i="0" spc="0" strike="noStrike" sz="1800" u="none" kumimoji="0" normalizeH="0">
             <a:ln>
               <a:noFill/>
             </a:ln>
@@ -6227,7 +6733,7 @@
           <a:buFontTx/>
           <a:buNone/>
           <a:tabLst/>
-          <a:defRPr kumimoji="0" sz="1800" b="0" i="0" u="none" strike="noStrike" cap="none" spc="0" normalizeH="0" baseline="0">
+          <a:defRPr b="0" baseline="0" cap="none" i="0" spc="0" strike="noStrike" sz="1800" u="none" kumimoji="0" normalizeH="0">
             <a:ln>
               <a:noFill/>
             </a:ln>
@@ -6253,7 +6759,7 @@
           <a:buFontTx/>
           <a:buNone/>
           <a:tabLst/>
-          <a:defRPr kumimoji="0" sz="1800" b="0" i="0" u="none" strike="noStrike" cap="none" spc="0" normalizeH="0" baseline="0">
+          <a:defRPr b="0" baseline="0" cap="none" i="0" spc="0" strike="noStrike" sz="1800" u="none" kumimoji="0" normalizeH="0">
             <a:ln>
               <a:noFill/>
             </a:ln>
@@ -6279,7 +6785,7 @@
           <a:buFontTx/>
           <a:buNone/>
           <a:tabLst/>
-          <a:defRPr kumimoji="0" sz="1800" b="0" i="0" u="none" strike="noStrike" cap="none" spc="0" normalizeH="0" baseline="0">
+          <a:defRPr b="0" baseline="0" cap="none" i="0" spc="0" strike="noStrike" sz="1800" u="none" kumimoji="0" normalizeH="0">
             <a:ln>
               <a:noFill/>
             </a:ln>
@@ -6305,7 +6811,7 @@
           <a:buFontTx/>
           <a:buNone/>
           <a:tabLst/>
-          <a:defRPr kumimoji="0" sz="1800" b="0" i="0" u="none" strike="noStrike" cap="none" spc="0" normalizeH="0" baseline="0">
+          <a:defRPr b="0" baseline="0" cap="none" i="0" spc="0" strike="noStrike" sz="1800" u="none" kumimoji="0" normalizeH="0">
             <a:ln>
               <a:noFill/>
             </a:ln>
@@ -6331,7 +6837,7 @@
           <a:buFontTx/>
           <a:buNone/>
           <a:tabLst/>
-          <a:defRPr kumimoji="0" sz="1800" b="0" i="0" u="none" strike="noStrike" cap="none" spc="0" normalizeH="0" baseline="0">
+          <a:defRPr b="0" baseline="0" cap="none" i="0" spc="0" strike="noStrike" sz="1800" u="none" kumimoji="0" normalizeH="0">
             <a:ln>
               <a:noFill/>
             </a:ln>
@@ -6357,7 +6863,7 @@
           <a:buFontTx/>
           <a:buNone/>
           <a:tabLst/>
-          <a:defRPr kumimoji="0" sz="1800" b="0" i="0" u="none" strike="noStrike" cap="none" spc="0" normalizeH="0" baseline="0">
+          <a:defRPr b="0" baseline="0" cap="none" i="0" spc="0" strike="noStrike" sz="1800" u="none" kumimoji="0" normalizeH="0">
             <a:ln>
               <a:noFill/>
             </a:ln>
@@ -6370,15 +6876,9 @@
         </a:lvl9pPr>
       </a:lstStyle>
       <a:style>
-        <a:lnRef idx="0">
-          <a:scrgbClr r="0" g="0" b="0"/>
-        </a:lnRef>
-        <a:fillRef idx="0">
-          <a:scrgbClr r="0" g="0" b="0"/>
-        </a:fillRef>
-        <a:effectRef idx="0">
-          <a:scrgbClr r="0" g="0" b="0"/>
-        </a:effectRef>
+        <a:lnRef idx="0"/>
+        <a:fillRef idx="0"/>
+        <a:effectRef idx="0"/>
         <a:fontRef idx="none"/>
       </a:style>
     </a:lnDef>
@@ -6392,11 +6892,11 @@
         <a:effectLst/>
         <a:sp3d/>
       </a:spPr>
-      <a:bodyPr rot="0" spcFirstLastPara="1" vertOverflow="overflow" horzOverflow="overflow" vert="horz" wrap="square" lIns="50800" tIns="50800" rIns="50800" bIns="50800" numCol="1" spcCol="38100" rtlCol="0" anchor="ctr">
+      <a:bodyPr rot="0" spcFirstLastPara="1" vertOverflow="overflow" horzOverflow="overflow" vert="horz" wrap="square" lIns="50800" tIns="50800" rIns="50800" bIns="50800" numCol="1" spcCol="38100" rtlCol="0" anchor="ctr" upright="0">
         <a:spAutoFit/>
       </a:bodyPr>
       <a:lstStyle>
-        <a:defPPr marL="0" marR="0" indent="0" algn="ctr" defTabSz="2438338" rtl="0" fontAlgn="auto" latinLnBrk="0" hangingPunct="0">
+        <a:defPPr marL="0" marR="0" indent="0" algn="ctr" defTabSz="2438337" rtl="0" fontAlgn="auto" latinLnBrk="0" hangingPunct="0">
           <a:lnSpc>
             <a:spcPct val="100000"/>
           </a:lnSpc>
@@ -6411,12 +6911,12 @@
           <a:buFontTx/>
           <a:buNone/>
           <a:tabLst/>
-          <a:defRPr kumimoji="0" sz="2400" b="0" i="0" u="none" strike="noStrike" cap="none" spc="0" normalizeH="0" baseline="0">
+          <a:defRPr b="0" baseline="0" cap="none" i="0" spc="0" strike="noStrike" sz="2400" u="none" kumimoji="0" normalizeH="0">
             <a:ln>
               <a:noFill/>
             </a:ln>
             <a:solidFill>
-              <a:srgbClr val="FFFFFF"/>
+              <a:srgbClr val="BE00FF"/>
             </a:solidFill>
             <a:effectLst/>
             <a:uFillTx/>
@@ -6441,7 +6941,7 @@
           <a:buFontTx/>
           <a:buNone/>
           <a:tabLst/>
-          <a:defRPr kumimoji="0" sz="1800" b="0" i="0" u="none" strike="noStrike" cap="none" spc="0" normalizeH="0" baseline="0">
+          <a:defRPr b="0" baseline="0" cap="none" i="0" spc="0" strike="noStrike" sz="1800" u="none" kumimoji="0" normalizeH="0">
             <a:ln>
               <a:noFill/>
             </a:ln>
@@ -6467,7 +6967,7 @@
           <a:buFontTx/>
           <a:buNone/>
           <a:tabLst/>
-          <a:defRPr kumimoji="0" sz="1800" b="0" i="0" u="none" strike="noStrike" cap="none" spc="0" normalizeH="0" baseline="0">
+          <a:defRPr b="0" baseline="0" cap="none" i="0" spc="0" strike="noStrike" sz="1800" u="none" kumimoji="0" normalizeH="0">
             <a:ln>
               <a:noFill/>
             </a:ln>
@@ -6493,7 +6993,7 @@
           <a:buFontTx/>
           <a:buNone/>
           <a:tabLst/>
-          <a:defRPr kumimoji="0" sz="1800" b="0" i="0" u="none" strike="noStrike" cap="none" spc="0" normalizeH="0" baseline="0">
+          <a:defRPr b="0" baseline="0" cap="none" i="0" spc="0" strike="noStrike" sz="1800" u="none" kumimoji="0" normalizeH="0">
             <a:ln>
               <a:noFill/>
             </a:ln>
@@ -6519,7 +7019,7 @@
           <a:buFontTx/>
           <a:buNone/>
           <a:tabLst/>
-          <a:defRPr kumimoji="0" sz="1800" b="0" i="0" u="none" strike="noStrike" cap="none" spc="0" normalizeH="0" baseline="0">
+          <a:defRPr b="0" baseline="0" cap="none" i="0" spc="0" strike="noStrike" sz="1800" u="none" kumimoji="0" normalizeH="0">
             <a:ln>
               <a:noFill/>
             </a:ln>
@@ -6545,7 +7045,7 @@
           <a:buFontTx/>
           <a:buNone/>
           <a:tabLst/>
-          <a:defRPr kumimoji="0" sz="1800" b="0" i="0" u="none" strike="noStrike" cap="none" spc="0" normalizeH="0" baseline="0">
+          <a:defRPr b="0" baseline="0" cap="none" i="0" spc="0" strike="noStrike" sz="1800" u="none" kumimoji="0" normalizeH="0">
             <a:ln>
               <a:noFill/>
             </a:ln>
@@ -6571,7 +7071,7 @@
           <a:buFontTx/>
           <a:buNone/>
           <a:tabLst/>
-          <a:defRPr kumimoji="0" sz="1800" b="0" i="0" u="none" strike="noStrike" cap="none" spc="0" normalizeH="0" baseline="0">
+          <a:defRPr b="0" baseline="0" cap="none" i="0" spc="0" strike="noStrike" sz="1800" u="none" kumimoji="0" normalizeH="0">
             <a:ln>
               <a:noFill/>
             </a:ln>
@@ -6597,7 +7097,7 @@
           <a:buFontTx/>
           <a:buNone/>
           <a:tabLst/>
-          <a:defRPr kumimoji="0" sz="1800" b="0" i="0" u="none" strike="noStrike" cap="none" spc="0" normalizeH="0" baseline="0">
+          <a:defRPr b="0" baseline="0" cap="none" i="0" spc="0" strike="noStrike" sz="1800" u="none" kumimoji="0" normalizeH="0">
             <a:ln>
               <a:noFill/>
             </a:ln>
@@ -6623,7 +7123,7 @@
           <a:buFontTx/>
           <a:buNone/>
           <a:tabLst/>
-          <a:defRPr kumimoji="0" sz="1800" b="0" i="0" u="none" strike="noStrike" cap="none" spc="0" normalizeH="0" baseline="0">
+          <a:defRPr b="0" baseline="0" cap="none" i="0" spc="0" strike="noStrike" sz="1800" u="none" kumimoji="0" normalizeH="0">
             <a:ln>
               <a:noFill/>
             </a:ln>
@@ -6649,7 +7149,7 @@
           <a:buFontTx/>
           <a:buNone/>
           <a:tabLst/>
-          <a:defRPr kumimoji="0" sz="1800" b="0" i="0" u="none" strike="noStrike" cap="none" spc="0" normalizeH="0" baseline="0">
+          <a:defRPr b="0" baseline="0" cap="none" i="0" spc="0" strike="noStrike" sz="1800" u="none" kumimoji="0" normalizeH="0">
             <a:ln>
               <a:noFill/>
             </a:ln>
@@ -6662,25 +7162,18 @@
         </a:lvl9pPr>
       </a:lstStyle>
       <a:style>
-        <a:lnRef idx="0">
-          <a:scrgbClr r="0" g="0" b="0"/>
-        </a:lnRef>
-        <a:fillRef idx="0">
-          <a:scrgbClr r="0" g="0" b="0"/>
-        </a:fillRef>
-        <a:effectRef idx="0">
-          <a:scrgbClr r="0" g="0" b="0"/>
-        </a:effectRef>
+        <a:lnRef idx="0"/>
+        <a:fillRef idx="0"/>
+        <a:effectRef idx="0"/>
         <a:fontRef idx="none"/>
       </a:style>
     </a:txDef>
   </a:objectDefaults>
-  <a:extraClrSchemeLst/>
 </a:theme>
 </file>
 
 <file path=ppt/theme/theme2.xml><?xml version="1.0" encoding="utf-8"?>
-<a:theme xmlns:a="http://schemas.openxmlformats.org/drawingml/2006/main" name="32_DynamicDark">
+<a:theme xmlns:a="http://schemas.openxmlformats.org/drawingml/2006/main" xmlns:r="http://schemas.openxmlformats.org/officeDocument/2006/relationships" name="32_DynamicDark">
   <a:themeElements>
     <a:clrScheme name="32_DynamicDark">
       <a:dk1>
@@ -6690,10 +7183,10 @@
         <a:srgbClr val="FFFFFF"/>
       </a:lt1>
       <a:dk2>
-        <a:srgbClr val="434343"/>
+        <a:srgbClr val="A7A7A7"/>
       </a:dk2>
       <a:lt2>
-        <a:srgbClr val="A9A9A9"/>
+        <a:srgbClr val="535353"/>
       </a:lt2>
       <a:accent1>
         <a:srgbClr val="0076BA"/>
@@ -6722,9 +7215,9 @@
     </a:clrScheme>
     <a:fontScheme name="32_DynamicDark">
       <a:majorFont>
-        <a:latin typeface="Helvetica Neue"/>
-        <a:ea typeface="Helvetica Neue"/>
-        <a:cs typeface="Helvetica Neue"/>
+        <a:latin typeface="Helvetica"/>
+        <a:ea typeface="Helvetica"/>
+        <a:cs typeface="Helvetica"/>
       </a:majorFont>
       <a:minorFont>
         <a:latin typeface="Helvetica Neue"/>
@@ -6872,18 +7365,21 @@
         <a:solidFill>
           <a:srgbClr val="FFFFFF"/>
         </a:solidFill>
-        <a:ln w="12700" cap="flat">
-          <a:noFill/>
-          <a:miter lim="400000"/>
+        <a:ln w="25400" cap="flat">
+          <a:solidFill>
+            <a:schemeClr val="accent1"/>
+          </a:solidFill>
+          <a:prstDash val="solid"/>
+          <a:round/>
         </a:ln>
         <a:effectLst/>
         <a:sp3d/>
       </a:spPr>
-      <a:bodyPr rot="0" spcFirstLastPara="1" vertOverflow="overflow" horzOverflow="overflow" vert="horz" wrap="square" lIns="50800" tIns="50800" rIns="50800" bIns="50800" numCol="1" spcCol="38100" rtlCol="0" anchor="ctr">
+      <a:bodyPr rot="0" spcFirstLastPara="1" vertOverflow="overflow" horzOverflow="overflow" vert="horz" wrap="square" lIns="50800" tIns="50800" rIns="50800" bIns="50800" numCol="1" spcCol="38100" rtlCol="0" anchor="ctr" upright="0">
         <a:spAutoFit/>
       </a:bodyPr>
       <a:lstStyle>
-        <a:defPPr marL="0" marR="0" indent="0" algn="ctr" defTabSz="825500" rtl="0" fontAlgn="auto" latinLnBrk="0" hangingPunct="0">
+        <a:defPPr marL="0" marR="0" indent="0" algn="ctr" defTabSz="2438337" rtl="0" fontAlgn="auto" latinLnBrk="0" hangingPunct="0">
           <a:lnSpc>
             <a:spcPct val="100000"/>
           </a:lnSpc>
@@ -6898,19 +7394,19 @@
           <a:buFontTx/>
           <a:buNone/>
           <a:tabLst/>
-          <a:defRPr kumimoji="0" sz="3200" b="0" i="0" u="none" strike="noStrike" cap="none" spc="0" normalizeH="0" baseline="0">
+          <a:defRPr b="0" baseline="0" cap="none" i="0" spc="0" strike="noStrike" sz="2400" u="none" kumimoji="0" normalizeH="0">
             <a:ln>
               <a:noFill/>
             </a:ln>
             <a:solidFill>
-              <a:srgbClr val="000000"/>
+              <a:srgbClr val="BE00FF"/>
             </a:solidFill>
             <a:effectLst/>
             <a:uFillTx/>
-            <a:latin typeface="Helvetica Neue Medium"/>
-            <a:ea typeface="Helvetica Neue Medium"/>
-            <a:cs typeface="Helvetica Neue Medium"/>
-            <a:sym typeface="Helvetica Neue Medium"/>
+            <a:latin typeface="+mn-lt"/>
+            <a:ea typeface="+mn-ea"/>
+            <a:cs typeface="+mn-cs"/>
+            <a:sym typeface="Helvetica Neue"/>
           </a:defRPr>
         </a:defPPr>
         <a:lvl1pPr marL="0" marR="0" indent="0" algn="l" defTabSz="914400" rtl="0" fontAlgn="auto" latinLnBrk="1" hangingPunct="0">
@@ -6928,7 +7424,7 @@
           <a:buFontTx/>
           <a:buNone/>
           <a:tabLst/>
-          <a:defRPr kumimoji="0" sz="1800" b="0" i="0" u="none" strike="noStrike" cap="none" spc="0" normalizeH="0" baseline="0">
+          <a:defRPr b="0" baseline="0" cap="none" i="0" spc="0" strike="noStrike" sz="1800" u="none" kumimoji="0" normalizeH="0">
             <a:ln>
               <a:noFill/>
             </a:ln>
@@ -6954,7 +7450,7 @@
           <a:buFontTx/>
           <a:buNone/>
           <a:tabLst/>
-          <a:defRPr kumimoji="0" sz="1800" b="0" i="0" u="none" strike="noStrike" cap="none" spc="0" normalizeH="0" baseline="0">
+          <a:defRPr b="0" baseline="0" cap="none" i="0" spc="0" strike="noStrike" sz="1800" u="none" kumimoji="0" normalizeH="0">
             <a:ln>
               <a:noFill/>
             </a:ln>
@@ -6980,7 +7476,7 @@
           <a:buFontTx/>
           <a:buNone/>
           <a:tabLst/>
-          <a:defRPr kumimoji="0" sz="1800" b="0" i="0" u="none" strike="noStrike" cap="none" spc="0" normalizeH="0" baseline="0">
+          <a:defRPr b="0" baseline="0" cap="none" i="0" spc="0" strike="noStrike" sz="1800" u="none" kumimoji="0" normalizeH="0">
             <a:ln>
               <a:noFill/>
             </a:ln>
@@ -7006,7 +7502,7 @@
           <a:buFontTx/>
           <a:buNone/>
           <a:tabLst/>
-          <a:defRPr kumimoji="0" sz="1800" b="0" i="0" u="none" strike="noStrike" cap="none" spc="0" normalizeH="0" baseline="0">
+          <a:defRPr b="0" baseline="0" cap="none" i="0" spc="0" strike="noStrike" sz="1800" u="none" kumimoji="0" normalizeH="0">
             <a:ln>
               <a:noFill/>
             </a:ln>
@@ -7032,7 +7528,7 @@
           <a:buFontTx/>
           <a:buNone/>
           <a:tabLst/>
-          <a:defRPr kumimoji="0" sz="1800" b="0" i="0" u="none" strike="noStrike" cap="none" spc="0" normalizeH="0" baseline="0">
+          <a:defRPr b="0" baseline="0" cap="none" i="0" spc="0" strike="noStrike" sz="1800" u="none" kumimoji="0" normalizeH="0">
             <a:ln>
               <a:noFill/>
             </a:ln>
@@ -7058,7 +7554,7 @@
           <a:buFontTx/>
           <a:buNone/>
           <a:tabLst/>
-          <a:defRPr kumimoji="0" sz="1800" b="0" i="0" u="none" strike="noStrike" cap="none" spc="0" normalizeH="0" baseline="0">
+          <a:defRPr b="0" baseline="0" cap="none" i="0" spc="0" strike="noStrike" sz="1800" u="none" kumimoji="0" normalizeH="0">
             <a:ln>
               <a:noFill/>
             </a:ln>
@@ -7084,7 +7580,7 @@
           <a:buFontTx/>
           <a:buNone/>
           <a:tabLst/>
-          <a:defRPr kumimoji="0" sz="1800" b="0" i="0" u="none" strike="noStrike" cap="none" spc="0" normalizeH="0" baseline="0">
+          <a:defRPr b="0" baseline="0" cap="none" i="0" spc="0" strike="noStrike" sz="1800" u="none" kumimoji="0" normalizeH="0">
             <a:ln>
               <a:noFill/>
             </a:ln>
@@ -7110,7 +7606,7 @@
           <a:buFontTx/>
           <a:buNone/>
           <a:tabLst/>
-          <a:defRPr kumimoji="0" sz="1800" b="0" i="0" u="none" strike="noStrike" cap="none" spc="0" normalizeH="0" baseline="0">
+          <a:defRPr b="0" baseline="0" cap="none" i="0" spc="0" strike="noStrike" sz="1800" u="none" kumimoji="0" normalizeH="0">
             <a:ln>
               <a:noFill/>
             </a:ln>
@@ -7136,7 +7632,7 @@
           <a:buFontTx/>
           <a:buNone/>
           <a:tabLst/>
-          <a:defRPr kumimoji="0" sz="1800" b="0" i="0" u="none" strike="noStrike" cap="none" spc="0" normalizeH="0" baseline="0">
+          <a:defRPr b="0" baseline="0" cap="none" i="0" spc="0" strike="noStrike" sz="1800" u="none" kumimoji="0" normalizeH="0">
             <a:ln>
               <a:noFill/>
             </a:ln>
@@ -7149,15 +7645,9 @@
         </a:lvl9pPr>
       </a:lstStyle>
       <a:style>
-        <a:lnRef idx="0">
-          <a:scrgbClr r="0" g="0" b="0"/>
-        </a:lnRef>
-        <a:fillRef idx="0">
-          <a:scrgbClr r="0" g="0" b="0"/>
-        </a:fillRef>
-        <a:effectRef idx="0">
-          <a:scrgbClr r="0" g="0" b="0"/>
-        </a:effectRef>
+        <a:lnRef idx="0"/>
+        <a:fillRef idx="0"/>
+        <a:effectRef idx="0"/>
         <a:fontRef idx="none"/>
       </a:style>
     </a:spDef>
@@ -7166,15 +7656,15 @@
         <a:noFill/>
         <a:ln w="25400" cap="flat">
           <a:solidFill>
-            <a:srgbClr val="FFFFFF"/>
+            <a:schemeClr val="accent1"/>
           </a:solidFill>
           <a:prstDash val="solid"/>
-          <a:miter lim="400000"/>
+          <a:round/>
         </a:ln>
         <a:effectLst/>
         <a:sp3d/>
       </a:spPr>
-      <a:bodyPr rot="0" spcFirstLastPara="1" vertOverflow="overflow" horzOverflow="overflow" vert="horz" wrap="square" lIns="91439" tIns="45719" rIns="91439" bIns="45719" numCol="1" spcCol="38100" rtlCol="0" anchor="t">
+      <a:bodyPr rot="0" spcFirstLastPara="1" vertOverflow="overflow" horzOverflow="overflow" vert="horz" wrap="square" lIns="91439" tIns="45719" rIns="91439" bIns="45719" numCol="1" spcCol="38100" rtlCol="0" anchor="t" upright="0">
         <a:noAutofit/>
       </a:bodyPr>
       <a:lstStyle>
@@ -7193,7 +7683,7 @@
           <a:buFontTx/>
           <a:buNone/>
           <a:tabLst/>
-          <a:defRPr kumimoji="0" sz="1800" b="0" i="0" u="none" strike="noStrike" cap="none" spc="0" normalizeH="0" baseline="0">
+          <a:defRPr b="0" baseline="0" cap="none" i="0" spc="0" strike="noStrike" sz="1800" u="none" kumimoji="0" normalizeH="0">
             <a:ln>
               <a:noFill/>
             </a:ln>
@@ -7219,7 +7709,7 @@
           <a:buFontTx/>
           <a:buNone/>
           <a:tabLst/>
-          <a:defRPr kumimoji="0" sz="1800" b="0" i="0" u="none" strike="noStrike" cap="none" spc="0" normalizeH="0" baseline="0">
+          <a:defRPr b="0" baseline="0" cap="none" i="0" spc="0" strike="noStrike" sz="1800" u="none" kumimoji="0" normalizeH="0">
             <a:ln>
               <a:noFill/>
             </a:ln>
@@ -7245,7 +7735,7 @@
           <a:buFontTx/>
           <a:buNone/>
           <a:tabLst/>
-          <a:defRPr kumimoji="0" sz="1800" b="0" i="0" u="none" strike="noStrike" cap="none" spc="0" normalizeH="0" baseline="0">
+          <a:defRPr b="0" baseline="0" cap="none" i="0" spc="0" strike="noStrike" sz="1800" u="none" kumimoji="0" normalizeH="0">
             <a:ln>
               <a:noFill/>
             </a:ln>
@@ -7271,7 +7761,7 @@
           <a:buFontTx/>
           <a:buNone/>
           <a:tabLst/>
-          <a:defRPr kumimoji="0" sz="1800" b="0" i="0" u="none" strike="noStrike" cap="none" spc="0" normalizeH="0" baseline="0">
+          <a:defRPr b="0" baseline="0" cap="none" i="0" spc="0" strike="noStrike" sz="1800" u="none" kumimoji="0" normalizeH="0">
             <a:ln>
               <a:noFill/>
             </a:ln>
@@ -7297,7 +7787,7 @@
           <a:buFontTx/>
           <a:buNone/>
           <a:tabLst/>
-          <a:defRPr kumimoji="0" sz="1800" b="0" i="0" u="none" strike="noStrike" cap="none" spc="0" normalizeH="0" baseline="0">
+          <a:defRPr b="0" baseline="0" cap="none" i="0" spc="0" strike="noStrike" sz="1800" u="none" kumimoji="0" normalizeH="0">
             <a:ln>
               <a:noFill/>
             </a:ln>
@@ -7323,7 +7813,7 @@
           <a:buFontTx/>
           <a:buNone/>
           <a:tabLst/>
-          <a:defRPr kumimoji="0" sz="1800" b="0" i="0" u="none" strike="noStrike" cap="none" spc="0" normalizeH="0" baseline="0">
+          <a:defRPr b="0" baseline="0" cap="none" i="0" spc="0" strike="noStrike" sz="1800" u="none" kumimoji="0" normalizeH="0">
             <a:ln>
               <a:noFill/>
             </a:ln>
@@ -7349,7 +7839,7 @@
           <a:buFontTx/>
           <a:buNone/>
           <a:tabLst/>
-          <a:defRPr kumimoji="0" sz="1800" b="0" i="0" u="none" strike="noStrike" cap="none" spc="0" normalizeH="0" baseline="0">
+          <a:defRPr b="0" baseline="0" cap="none" i="0" spc="0" strike="noStrike" sz="1800" u="none" kumimoji="0" normalizeH="0">
             <a:ln>
               <a:noFill/>
             </a:ln>
@@ -7375,7 +7865,7 @@
           <a:buFontTx/>
           <a:buNone/>
           <a:tabLst/>
-          <a:defRPr kumimoji="0" sz="1800" b="0" i="0" u="none" strike="noStrike" cap="none" spc="0" normalizeH="0" baseline="0">
+          <a:defRPr b="0" baseline="0" cap="none" i="0" spc="0" strike="noStrike" sz="1800" u="none" kumimoji="0" normalizeH="0">
             <a:ln>
               <a:noFill/>
             </a:ln>
@@ -7401,7 +7891,7 @@
           <a:buFontTx/>
           <a:buNone/>
           <a:tabLst/>
-          <a:defRPr kumimoji="0" sz="1800" b="0" i="0" u="none" strike="noStrike" cap="none" spc="0" normalizeH="0" baseline="0">
+          <a:defRPr b="0" baseline="0" cap="none" i="0" spc="0" strike="noStrike" sz="1800" u="none" kumimoji="0" normalizeH="0">
             <a:ln>
               <a:noFill/>
             </a:ln>
@@ -7427,7 +7917,7 @@
           <a:buFontTx/>
           <a:buNone/>
           <a:tabLst/>
-          <a:defRPr kumimoji="0" sz="1800" b="0" i="0" u="none" strike="noStrike" cap="none" spc="0" normalizeH="0" baseline="0">
+          <a:defRPr b="0" baseline="0" cap="none" i="0" spc="0" strike="noStrike" sz="1800" u="none" kumimoji="0" normalizeH="0">
             <a:ln>
               <a:noFill/>
             </a:ln>
@@ -7440,15 +7930,9 @@
         </a:lvl9pPr>
       </a:lstStyle>
       <a:style>
-        <a:lnRef idx="0">
-          <a:scrgbClr r="0" g="0" b="0"/>
-        </a:lnRef>
-        <a:fillRef idx="0">
-          <a:scrgbClr r="0" g="0" b="0"/>
-        </a:fillRef>
-        <a:effectRef idx="0">
-          <a:scrgbClr r="0" g="0" b="0"/>
-        </a:effectRef>
+        <a:lnRef idx="0"/>
+        <a:fillRef idx="0"/>
+        <a:effectRef idx="0"/>
         <a:fontRef idx="none"/>
       </a:style>
     </a:lnDef>
@@ -7462,11 +7946,11 @@
         <a:effectLst/>
         <a:sp3d/>
       </a:spPr>
-      <a:bodyPr rot="0" spcFirstLastPara="1" vertOverflow="overflow" horzOverflow="overflow" vert="horz" wrap="square" lIns="50800" tIns="50800" rIns="50800" bIns="50800" numCol="1" spcCol="38100" rtlCol="0" anchor="ctr">
+      <a:bodyPr rot="0" spcFirstLastPara="1" vertOverflow="overflow" horzOverflow="overflow" vert="horz" wrap="square" lIns="50800" tIns="50800" rIns="50800" bIns="50800" numCol="1" spcCol="38100" rtlCol="0" anchor="ctr" upright="0">
         <a:spAutoFit/>
       </a:bodyPr>
       <a:lstStyle>
-        <a:defPPr marL="0" marR="0" indent="0" algn="ctr" defTabSz="2438338" rtl="0" fontAlgn="auto" latinLnBrk="0" hangingPunct="0">
+        <a:defPPr marL="0" marR="0" indent="0" algn="ctr" defTabSz="2438337" rtl="0" fontAlgn="auto" latinLnBrk="0" hangingPunct="0">
           <a:lnSpc>
             <a:spcPct val="100000"/>
           </a:lnSpc>
@@ -7481,12 +7965,12 @@
           <a:buFontTx/>
           <a:buNone/>
           <a:tabLst/>
-          <a:defRPr kumimoji="0" sz="2400" b="0" i="0" u="none" strike="noStrike" cap="none" spc="0" normalizeH="0" baseline="0">
+          <a:defRPr b="0" baseline="0" cap="none" i="0" spc="0" strike="noStrike" sz="2400" u="none" kumimoji="0" normalizeH="0">
             <a:ln>
               <a:noFill/>
             </a:ln>
             <a:solidFill>
-              <a:srgbClr val="FFFFFF"/>
+              <a:srgbClr val="BE00FF"/>
             </a:solidFill>
             <a:effectLst/>
             <a:uFillTx/>
@@ -7511,7 +7995,7 @@
           <a:buFontTx/>
           <a:buNone/>
           <a:tabLst/>
-          <a:defRPr kumimoji="0" sz="1800" b="0" i="0" u="none" strike="noStrike" cap="none" spc="0" normalizeH="0" baseline="0">
+          <a:defRPr b="0" baseline="0" cap="none" i="0" spc="0" strike="noStrike" sz="1800" u="none" kumimoji="0" normalizeH="0">
             <a:ln>
               <a:noFill/>
             </a:ln>
@@ -7537,7 +8021,7 @@
           <a:buFontTx/>
           <a:buNone/>
           <a:tabLst/>
-          <a:defRPr kumimoji="0" sz="1800" b="0" i="0" u="none" strike="noStrike" cap="none" spc="0" normalizeH="0" baseline="0">
+          <a:defRPr b="0" baseline="0" cap="none" i="0" spc="0" strike="noStrike" sz="1800" u="none" kumimoji="0" normalizeH="0">
             <a:ln>
               <a:noFill/>
             </a:ln>
@@ -7563,7 +8047,7 @@
           <a:buFontTx/>
           <a:buNone/>
           <a:tabLst/>
-          <a:defRPr kumimoji="0" sz="1800" b="0" i="0" u="none" strike="noStrike" cap="none" spc="0" normalizeH="0" baseline="0">
+          <a:defRPr b="0" baseline="0" cap="none" i="0" spc="0" strike="noStrike" sz="1800" u="none" kumimoji="0" normalizeH="0">
             <a:ln>
               <a:noFill/>
             </a:ln>
@@ -7589,7 +8073,7 @@
           <a:buFontTx/>
           <a:buNone/>
           <a:tabLst/>
-          <a:defRPr kumimoji="0" sz="1800" b="0" i="0" u="none" strike="noStrike" cap="none" spc="0" normalizeH="0" baseline="0">
+          <a:defRPr b="0" baseline="0" cap="none" i="0" spc="0" strike="noStrike" sz="1800" u="none" kumimoji="0" normalizeH="0">
             <a:ln>
               <a:noFill/>
             </a:ln>
@@ -7615,7 +8099,7 @@
           <a:buFontTx/>
           <a:buNone/>
           <a:tabLst/>
-          <a:defRPr kumimoji="0" sz="1800" b="0" i="0" u="none" strike="noStrike" cap="none" spc="0" normalizeH="0" baseline="0">
+          <a:defRPr b="0" baseline="0" cap="none" i="0" spc="0" strike="noStrike" sz="1800" u="none" kumimoji="0" normalizeH="0">
             <a:ln>
               <a:noFill/>
             </a:ln>
@@ -7641,7 +8125,7 @@
           <a:buFontTx/>
           <a:buNone/>
           <a:tabLst/>
-          <a:defRPr kumimoji="0" sz="1800" b="0" i="0" u="none" strike="noStrike" cap="none" spc="0" normalizeH="0" baseline="0">
+          <a:defRPr b="0" baseline="0" cap="none" i="0" spc="0" strike="noStrike" sz="1800" u="none" kumimoji="0" normalizeH="0">
             <a:ln>
               <a:noFill/>
             </a:ln>
@@ -7667,7 +8151,7 @@
           <a:buFontTx/>
           <a:buNone/>
           <a:tabLst/>
-          <a:defRPr kumimoji="0" sz="1800" b="0" i="0" u="none" strike="noStrike" cap="none" spc="0" normalizeH="0" baseline="0">
+          <a:defRPr b="0" baseline="0" cap="none" i="0" spc="0" strike="noStrike" sz="1800" u="none" kumimoji="0" normalizeH="0">
             <a:ln>
               <a:noFill/>
             </a:ln>
@@ -7693,7 +8177,7 @@
           <a:buFontTx/>
           <a:buNone/>
           <a:tabLst/>
-          <a:defRPr kumimoji="0" sz="1800" b="0" i="0" u="none" strike="noStrike" cap="none" spc="0" normalizeH="0" baseline="0">
+          <a:defRPr b="0" baseline="0" cap="none" i="0" spc="0" strike="noStrike" sz="1800" u="none" kumimoji="0" normalizeH="0">
             <a:ln>
               <a:noFill/>
             </a:ln>
@@ -7719,7 +8203,7 @@
           <a:buFontTx/>
           <a:buNone/>
           <a:tabLst/>
-          <a:defRPr kumimoji="0" sz="1800" b="0" i="0" u="none" strike="noStrike" cap="none" spc="0" normalizeH="0" baseline="0">
+          <a:defRPr b="0" baseline="0" cap="none" i="0" spc="0" strike="noStrike" sz="1800" u="none" kumimoji="0" normalizeH="0">
             <a:ln>
               <a:noFill/>
             </a:ln>
@@ -7732,19 +8216,12 @@
         </a:lvl9pPr>
       </a:lstStyle>
       <a:style>
-        <a:lnRef idx="0">
-          <a:scrgbClr r="0" g="0" b="0"/>
-        </a:lnRef>
-        <a:fillRef idx="0">
-          <a:scrgbClr r="0" g="0" b="0"/>
-        </a:fillRef>
-        <a:effectRef idx="0">
-          <a:scrgbClr r="0" g="0" b="0"/>
-        </a:effectRef>
+        <a:lnRef idx="0"/>
+        <a:fillRef idx="0"/>
+        <a:effectRef idx="0"/>
         <a:fontRef idx="none"/>
       </a:style>
     </a:txDef>
   </a:objectDefaults>
-  <a:extraClrSchemeLst/>
 </a:theme>
 </file>